--- a/figures/Synthesis Figure_Revisions version.pptx
+++ b/figures/Synthesis Figure_Revisions version.pptx
@@ -249,7 +249,7 @@
           <a:p>
             <a:fld id="{FE17BAA6-2BAA-4FAA-BBCC-9D33CF1DE795}" type="datetimeFigureOut">
               <a:rPr lang="en-US" smtClean="0"/>
-              <a:t>7/14/2023</a:t>
+              <a:t>7/17/2023</a:t>
             </a:fld>
             <a:endParaRPr lang="en-US"/>
           </a:p>
@@ -419,7 +419,7 @@
           <a:p>
             <a:fld id="{FE17BAA6-2BAA-4FAA-BBCC-9D33CF1DE795}" type="datetimeFigureOut">
               <a:rPr lang="en-US" smtClean="0"/>
-              <a:t>7/14/2023</a:t>
+              <a:t>7/17/2023</a:t>
             </a:fld>
             <a:endParaRPr lang="en-US"/>
           </a:p>
@@ -599,7 +599,7 @@
           <a:p>
             <a:fld id="{FE17BAA6-2BAA-4FAA-BBCC-9D33CF1DE795}" type="datetimeFigureOut">
               <a:rPr lang="en-US" smtClean="0"/>
-              <a:t>7/14/2023</a:t>
+              <a:t>7/17/2023</a:t>
             </a:fld>
             <a:endParaRPr lang="en-US"/>
           </a:p>
@@ -769,7 +769,7 @@
           <a:p>
             <a:fld id="{FE17BAA6-2BAA-4FAA-BBCC-9D33CF1DE795}" type="datetimeFigureOut">
               <a:rPr lang="en-US" smtClean="0"/>
-              <a:t>7/14/2023</a:t>
+              <a:t>7/17/2023</a:t>
             </a:fld>
             <a:endParaRPr lang="en-US"/>
           </a:p>
@@ -1013,7 +1013,7 @@
           <a:p>
             <a:fld id="{FE17BAA6-2BAA-4FAA-BBCC-9D33CF1DE795}" type="datetimeFigureOut">
               <a:rPr lang="en-US" smtClean="0"/>
-              <a:t>7/14/2023</a:t>
+              <a:t>7/17/2023</a:t>
             </a:fld>
             <a:endParaRPr lang="en-US"/>
           </a:p>
@@ -1245,7 +1245,7 @@
           <a:p>
             <a:fld id="{FE17BAA6-2BAA-4FAA-BBCC-9D33CF1DE795}" type="datetimeFigureOut">
               <a:rPr lang="en-US" smtClean="0"/>
-              <a:t>7/14/2023</a:t>
+              <a:t>7/17/2023</a:t>
             </a:fld>
             <a:endParaRPr lang="en-US"/>
           </a:p>
@@ -1612,7 +1612,7 @@
           <a:p>
             <a:fld id="{FE17BAA6-2BAA-4FAA-BBCC-9D33CF1DE795}" type="datetimeFigureOut">
               <a:rPr lang="en-US" smtClean="0"/>
-              <a:t>7/14/2023</a:t>
+              <a:t>7/17/2023</a:t>
             </a:fld>
             <a:endParaRPr lang="en-US"/>
           </a:p>
@@ -1730,7 +1730,7 @@
           <a:p>
             <a:fld id="{FE17BAA6-2BAA-4FAA-BBCC-9D33CF1DE795}" type="datetimeFigureOut">
               <a:rPr lang="en-US" smtClean="0"/>
-              <a:t>7/14/2023</a:t>
+              <a:t>7/17/2023</a:t>
             </a:fld>
             <a:endParaRPr lang="en-US"/>
           </a:p>
@@ -1825,7 +1825,7 @@
           <a:p>
             <a:fld id="{FE17BAA6-2BAA-4FAA-BBCC-9D33CF1DE795}" type="datetimeFigureOut">
               <a:rPr lang="en-US" smtClean="0"/>
-              <a:t>7/14/2023</a:t>
+              <a:t>7/17/2023</a:t>
             </a:fld>
             <a:endParaRPr lang="en-US"/>
           </a:p>
@@ -2102,7 +2102,7 @@
           <a:p>
             <a:fld id="{FE17BAA6-2BAA-4FAA-BBCC-9D33CF1DE795}" type="datetimeFigureOut">
               <a:rPr lang="en-US" smtClean="0"/>
-              <a:t>7/14/2023</a:t>
+              <a:t>7/17/2023</a:t>
             </a:fld>
             <a:endParaRPr lang="en-US"/>
           </a:p>
@@ -2359,7 +2359,7 @@
           <a:p>
             <a:fld id="{FE17BAA6-2BAA-4FAA-BBCC-9D33CF1DE795}" type="datetimeFigureOut">
               <a:rPr lang="en-US" smtClean="0"/>
-              <a:t>7/14/2023</a:t>
+              <a:t>7/17/2023</a:t>
             </a:fld>
             <a:endParaRPr lang="en-US"/>
           </a:p>
@@ -2572,7 +2572,7 @@
           <a:p>
             <a:fld id="{FE17BAA6-2BAA-4FAA-BBCC-9D33CF1DE795}" type="datetimeFigureOut">
               <a:rPr lang="en-US" smtClean="0"/>
-              <a:t>7/14/2023</a:t>
+              <a:t>7/17/2023</a:t>
             </a:fld>
             <a:endParaRPr lang="en-US"/>
           </a:p>
@@ -2977,6 +2977,78 @@
           <a:chExt cx="0" cy="0"/>
         </a:xfrm>
       </p:grpSpPr>
+      <p:pic>
+        <p:nvPicPr>
+          <p:cNvPr id="39" name="Picture 38" descr="A colorful circle with black background&#10;&#10;Description automatically generated">
+            <a:extLst>
+              <a:ext uri="{FF2B5EF4-FFF2-40B4-BE49-F238E27FC236}">
+                <a16:creationId xmlns:a16="http://schemas.microsoft.com/office/drawing/2014/main" id="{E9A022C5-C042-E391-EE85-074CF7BE23A9}"/>
+              </a:ext>
+            </a:extLst>
+          </p:cNvPr>
+          <p:cNvPicPr>
+            <a:picLocks noChangeAspect="1"/>
+          </p:cNvPicPr>
+          <p:nvPr/>
+        </p:nvPicPr>
+        <p:blipFill>
+          <a:blip r:embed="rId2">
+            <a:extLst>
+              <a:ext uri="{28A0092B-C50C-407E-A947-70E740481C1C}">
+                <a14:useLocalDpi xmlns:a14="http://schemas.microsoft.com/office/drawing/2010/main" val="0"/>
+              </a:ext>
+            </a:extLst>
+          </a:blip>
+          <a:stretch>
+            <a:fillRect/>
+          </a:stretch>
+        </p:blipFill>
+        <p:spPr>
+          <a:xfrm>
+            <a:off x="2565428" y="7829903"/>
+            <a:ext cx="2101168" cy="2101168"/>
+          </a:xfrm>
+          <a:prstGeom prst="rect">
+            <a:avLst/>
+          </a:prstGeom>
+        </p:spPr>
+      </p:pic>
+      <p:pic>
+        <p:nvPicPr>
+          <p:cNvPr id="35" name="Content Placeholder 4" descr="A colorful circle with a black background&#10;&#10;Description automatically generated">
+            <a:extLst>
+              <a:ext uri="{FF2B5EF4-FFF2-40B4-BE49-F238E27FC236}">
+                <a16:creationId xmlns:a16="http://schemas.microsoft.com/office/drawing/2014/main" id="{0287D003-6BA7-4536-172F-37B7C576884A}"/>
+              </a:ext>
+            </a:extLst>
+          </p:cNvPr>
+          <p:cNvPicPr>
+            <a:picLocks noChangeAspect="1"/>
+          </p:cNvPicPr>
+          <p:nvPr/>
+        </p:nvPicPr>
+        <p:blipFill>
+          <a:blip r:embed="rId3">
+            <a:extLst>
+              <a:ext uri="{28A0092B-C50C-407E-A947-70E740481C1C}">
+                <a14:useLocalDpi xmlns:a14="http://schemas.microsoft.com/office/drawing/2010/main" val="0"/>
+              </a:ext>
+            </a:extLst>
+          </a:blip>
+          <a:stretch>
+            <a:fillRect/>
+          </a:stretch>
+        </p:blipFill>
+        <p:spPr>
+          <a:xfrm>
+            <a:off x="14138624" y="4288150"/>
+            <a:ext cx="5447592" cy="5447592"/>
+          </a:xfrm>
+          <a:prstGeom prst="rect">
+            <a:avLst/>
+          </a:prstGeom>
+        </p:spPr>
+      </p:pic>
       <p:grpSp>
         <p:nvGrpSpPr>
           <p:cNvPr id="23" name="Group 22">
@@ -3069,7 +3141,7 @@
             <p:nvPr/>
           </p:nvPicPr>
           <p:blipFill rotWithShape="1">
-            <a:blip r:embed="rId2"/>
+            <a:blip r:embed="rId4"/>
             <a:srcRect l="38193" t="38162" r="46460" b="54265"/>
             <a:stretch/>
           </p:blipFill>
@@ -3098,7 +3170,7 @@
             <p:nvPr/>
           </p:nvPicPr>
           <p:blipFill rotWithShape="1">
-            <a:blip r:embed="rId2"/>
+            <a:blip r:embed="rId4"/>
             <a:srcRect l="53168" t="38162" r="29986" b="54265"/>
             <a:stretch/>
           </p:blipFill>
@@ -3127,7 +3199,7 @@
             <p:nvPr/>
           </p:nvPicPr>
           <p:blipFill rotWithShape="1">
-            <a:blip r:embed="rId2"/>
+            <a:blip r:embed="rId4"/>
             <a:srcRect l="53168" t="38162" r="29986" b="54265"/>
             <a:stretch/>
           </p:blipFill>
@@ -3156,7 +3228,7 @@
             <p:nvPr/>
           </p:nvPicPr>
           <p:blipFill rotWithShape="1">
-            <a:blip r:embed="rId2"/>
+            <a:blip r:embed="rId4"/>
             <a:srcRect l="38193" t="38162" r="46460" b="54265"/>
             <a:stretch/>
           </p:blipFill>
@@ -4053,78 +4125,6 @@
             </a:p>
           </p:txBody>
         </p:sp>
-        <p:pic>
-          <p:nvPicPr>
-            <p:cNvPr id="4" name="Picture 3" descr="Chart, pie chart&#10;&#10;Description automatically generated">
-              <a:extLst>
-                <a:ext uri="{FF2B5EF4-FFF2-40B4-BE49-F238E27FC236}">
-                  <a16:creationId xmlns:a16="http://schemas.microsoft.com/office/drawing/2014/main" id="{D32B8314-54B5-FA8E-8EF9-CF5168512B80}"/>
-                </a:ext>
-              </a:extLst>
-            </p:cNvPr>
-            <p:cNvPicPr>
-              <a:picLocks noChangeAspect="1"/>
-            </p:cNvPicPr>
-            <p:nvPr/>
-          </p:nvPicPr>
-          <p:blipFill>
-            <a:blip r:embed="rId3">
-              <a:extLst>
-                <a:ext uri="{28A0092B-C50C-407E-A947-70E740481C1C}">
-                  <a14:useLocalDpi xmlns:a14="http://schemas.microsoft.com/office/drawing/2010/main" val="0"/>
-                </a:ext>
-              </a:extLst>
-            </a:blip>
-            <a:stretch>
-              <a:fillRect/>
-            </a:stretch>
-          </p:blipFill>
-          <p:spPr>
-            <a:xfrm>
-              <a:off x="1866181" y="4335720"/>
-              <a:ext cx="2101168" cy="2101168"/>
-            </a:xfrm>
-            <a:prstGeom prst="rect">
-              <a:avLst/>
-            </a:prstGeom>
-          </p:spPr>
-        </p:pic>
-        <p:pic>
-          <p:nvPicPr>
-            <p:cNvPr id="215" name="Picture 214" descr="Chart, pie chart&#10;&#10;Description automatically generated">
-              <a:extLst>
-                <a:ext uri="{FF2B5EF4-FFF2-40B4-BE49-F238E27FC236}">
-                  <a16:creationId xmlns:a16="http://schemas.microsoft.com/office/drawing/2014/main" id="{3C454881-AAB9-82B4-175C-064785FABF8B}"/>
-                </a:ext>
-              </a:extLst>
-            </p:cNvPr>
-            <p:cNvPicPr>
-              <a:picLocks noChangeAspect="1"/>
-            </p:cNvPicPr>
-            <p:nvPr/>
-          </p:nvPicPr>
-          <p:blipFill>
-            <a:blip r:embed="rId4">
-              <a:extLst>
-                <a:ext uri="{28A0092B-C50C-407E-A947-70E740481C1C}">
-                  <a14:useLocalDpi xmlns:a14="http://schemas.microsoft.com/office/drawing/2010/main" val="0"/>
-                </a:ext>
-              </a:extLst>
-            </a:blip>
-            <a:stretch>
-              <a:fillRect/>
-            </a:stretch>
-          </p:blipFill>
-          <p:spPr>
-            <a:xfrm>
-              <a:off x="13445479" y="798017"/>
-              <a:ext cx="5420708" cy="5420708"/>
-            </a:xfrm>
-            <a:prstGeom prst="rect">
-              <a:avLst/>
-            </a:prstGeom>
-          </p:spPr>
-        </p:pic>
         <p:pic>
           <p:nvPicPr>
             <p:cNvPr id="6" name="Picture 5" descr="Chart, pie chart&#10;&#10;Description automatically generated">
@@ -6053,6 +6053,110 @@
           </a:ln>
         </p:spPr>
       </p:pic>
+      <p:sp>
+        <p:nvSpPr>
+          <p:cNvPr id="37" name="Rectangle 36">
+            <a:extLst>
+              <a:ext uri="{FF2B5EF4-FFF2-40B4-BE49-F238E27FC236}">
+                <a16:creationId xmlns:a16="http://schemas.microsoft.com/office/drawing/2014/main" id="{0D7AA161-83C1-A0F0-F45C-0DB98836E3CC}"/>
+              </a:ext>
+            </a:extLst>
+          </p:cNvPr>
+          <p:cNvSpPr/>
+          <p:nvPr/>
+        </p:nvSpPr>
+        <p:spPr>
+          <a:xfrm>
+            <a:off x="16367539" y="6610676"/>
+            <a:ext cx="484065" cy="420084"/>
+          </a:xfrm>
+          <a:prstGeom prst="rect">
+            <a:avLst/>
+          </a:prstGeom>
+          <a:solidFill>
+            <a:srgbClr val="FFD700"/>
+          </a:solidFill>
+          <a:ln>
+            <a:noFill/>
+          </a:ln>
+        </p:spPr>
+        <p:style>
+          <a:lnRef idx="2">
+            <a:schemeClr val="accent1">
+              <a:shade val="15000"/>
+            </a:schemeClr>
+          </a:lnRef>
+          <a:fillRef idx="1">
+            <a:schemeClr val="accent1"/>
+          </a:fillRef>
+          <a:effectRef idx="0">
+            <a:schemeClr val="accent1"/>
+          </a:effectRef>
+          <a:fontRef idx="minor">
+            <a:schemeClr val="lt1"/>
+          </a:fontRef>
+        </p:style>
+        <p:txBody>
+          <a:bodyPr rtlCol="0" anchor="ctr"/>
+          <a:lstStyle/>
+          <a:p>
+            <a:pPr algn="ctr"/>
+            <a:endParaRPr lang="en-US" dirty="0"/>
+          </a:p>
+        </p:txBody>
+      </p:sp>
+      <p:sp>
+        <p:nvSpPr>
+          <p:cNvPr id="42" name="Rectangle 41">
+            <a:extLst>
+              <a:ext uri="{FF2B5EF4-FFF2-40B4-BE49-F238E27FC236}">
+                <a16:creationId xmlns:a16="http://schemas.microsoft.com/office/drawing/2014/main" id="{0E6CD853-911C-D8F0-6B98-CEBE3A560A7F}"/>
+              </a:ext>
+            </a:extLst>
+          </p:cNvPr>
+          <p:cNvSpPr/>
+          <p:nvPr/>
+        </p:nvSpPr>
+        <p:spPr>
+          <a:xfrm rot="20891455">
+            <a:off x="3505359" y="8738521"/>
+            <a:ext cx="93959" cy="148746"/>
+          </a:xfrm>
+          <a:prstGeom prst="rect">
+            <a:avLst/>
+          </a:prstGeom>
+          <a:solidFill>
+            <a:srgbClr val="FFD700"/>
+          </a:solidFill>
+          <a:ln>
+            <a:noFill/>
+          </a:ln>
+        </p:spPr>
+        <p:style>
+          <a:lnRef idx="2">
+            <a:schemeClr val="accent1">
+              <a:shade val="15000"/>
+            </a:schemeClr>
+          </a:lnRef>
+          <a:fillRef idx="1">
+            <a:schemeClr val="accent1"/>
+          </a:fillRef>
+          <a:effectRef idx="0">
+            <a:schemeClr val="accent1"/>
+          </a:effectRef>
+          <a:fontRef idx="minor">
+            <a:schemeClr val="lt1"/>
+          </a:fontRef>
+        </p:style>
+        <p:txBody>
+          <a:bodyPr rtlCol="0" anchor="ctr"/>
+          <a:lstStyle/>
+          <a:p>
+            <a:pPr algn="ctr"/>
+            <a:endParaRPr lang="en-US" dirty="0"/>
+          </a:p>
+        </p:txBody>
+      </p:sp>
     </p:spTree>
     <p:extLst>
       <p:ext uri="{BB962C8B-B14F-4D97-AF65-F5344CB8AC3E}">

--- a/figures/Synthesis Figure_Revisions version.pptx
+++ b/figures/Synthesis Figure_Revisions version.pptx
@@ -249,7 +249,7 @@
           <a:p>
             <a:fld id="{FE17BAA6-2BAA-4FAA-BBCC-9D33CF1DE795}" type="datetimeFigureOut">
               <a:rPr lang="en-US" smtClean="0"/>
-              <a:t>7/17/2023</a:t>
+              <a:t>7/19/2023</a:t>
             </a:fld>
             <a:endParaRPr lang="en-US"/>
           </a:p>
@@ -419,7 +419,7 @@
           <a:p>
             <a:fld id="{FE17BAA6-2BAA-4FAA-BBCC-9D33CF1DE795}" type="datetimeFigureOut">
               <a:rPr lang="en-US" smtClean="0"/>
-              <a:t>7/17/2023</a:t>
+              <a:t>7/19/2023</a:t>
             </a:fld>
             <a:endParaRPr lang="en-US"/>
           </a:p>
@@ -599,7 +599,7 @@
           <a:p>
             <a:fld id="{FE17BAA6-2BAA-4FAA-BBCC-9D33CF1DE795}" type="datetimeFigureOut">
               <a:rPr lang="en-US" smtClean="0"/>
-              <a:t>7/17/2023</a:t>
+              <a:t>7/19/2023</a:t>
             </a:fld>
             <a:endParaRPr lang="en-US"/>
           </a:p>
@@ -769,7 +769,7 @@
           <a:p>
             <a:fld id="{FE17BAA6-2BAA-4FAA-BBCC-9D33CF1DE795}" type="datetimeFigureOut">
               <a:rPr lang="en-US" smtClean="0"/>
-              <a:t>7/17/2023</a:t>
+              <a:t>7/19/2023</a:t>
             </a:fld>
             <a:endParaRPr lang="en-US"/>
           </a:p>
@@ -1013,7 +1013,7 @@
           <a:p>
             <a:fld id="{FE17BAA6-2BAA-4FAA-BBCC-9D33CF1DE795}" type="datetimeFigureOut">
               <a:rPr lang="en-US" smtClean="0"/>
-              <a:t>7/17/2023</a:t>
+              <a:t>7/19/2023</a:t>
             </a:fld>
             <a:endParaRPr lang="en-US"/>
           </a:p>
@@ -1245,7 +1245,7 @@
           <a:p>
             <a:fld id="{FE17BAA6-2BAA-4FAA-BBCC-9D33CF1DE795}" type="datetimeFigureOut">
               <a:rPr lang="en-US" smtClean="0"/>
-              <a:t>7/17/2023</a:t>
+              <a:t>7/19/2023</a:t>
             </a:fld>
             <a:endParaRPr lang="en-US"/>
           </a:p>
@@ -1612,7 +1612,7 @@
           <a:p>
             <a:fld id="{FE17BAA6-2BAA-4FAA-BBCC-9D33CF1DE795}" type="datetimeFigureOut">
               <a:rPr lang="en-US" smtClean="0"/>
-              <a:t>7/17/2023</a:t>
+              <a:t>7/19/2023</a:t>
             </a:fld>
             <a:endParaRPr lang="en-US"/>
           </a:p>
@@ -1730,7 +1730,7 @@
           <a:p>
             <a:fld id="{FE17BAA6-2BAA-4FAA-BBCC-9D33CF1DE795}" type="datetimeFigureOut">
               <a:rPr lang="en-US" smtClean="0"/>
-              <a:t>7/17/2023</a:t>
+              <a:t>7/19/2023</a:t>
             </a:fld>
             <a:endParaRPr lang="en-US"/>
           </a:p>
@@ -1825,7 +1825,7 @@
           <a:p>
             <a:fld id="{FE17BAA6-2BAA-4FAA-BBCC-9D33CF1DE795}" type="datetimeFigureOut">
               <a:rPr lang="en-US" smtClean="0"/>
-              <a:t>7/17/2023</a:t>
+              <a:t>7/19/2023</a:t>
             </a:fld>
             <a:endParaRPr lang="en-US"/>
           </a:p>
@@ -2102,7 +2102,7 @@
           <a:p>
             <a:fld id="{FE17BAA6-2BAA-4FAA-BBCC-9D33CF1DE795}" type="datetimeFigureOut">
               <a:rPr lang="en-US" smtClean="0"/>
-              <a:t>7/17/2023</a:t>
+              <a:t>7/19/2023</a:t>
             </a:fld>
             <a:endParaRPr lang="en-US"/>
           </a:p>
@@ -2359,7 +2359,7 @@
           <a:p>
             <a:fld id="{FE17BAA6-2BAA-4FAA-BBCC-9D33CF1DE795}" type="datetimeFigureOut">
               <a:rPr lang="en-US" smtClean="0"/>
-              <a:t>7/17/2023</a:t>
+              <a:t>7/19/2023</a:t>
             </a:fld>
             <a:endParaRPr lang="en-US"/>
           </a:p>
@@ -2572,7 +2572,7 @@
           <a:p>
             <a:fld id="{FE17BAA6-2BAA-4FAA-BBCC-9D33CF1DE795}" type="datetimeFigureOut">
               <a:rPr lang="en-US" smtClean="0"/>
-              <a:t>7/17/2023</a:t>
+              <a:t>7/19/2023</a:t>
             </a:fld>
             <a:endParaRPr lang="en-US"/>
           </a:p>
@@ -2977,84 +2977,12 @@
           <a:chExt cx="0" cy="0"/>
         </a:xfrm>
       </p:grpSpPr>
-      <p:pic>
-        <p:nvPicPr>
-          <p:cNvPr id="39" name="Picture 38" descr="A colorful circle with black background&#10;&#10;Description automatically generated">
+      <p:grpSp>
+        <p:nvGrpSpPr>
+          <p:cNvPr id="4" name="Group 3">
             <a:extLst>
               <a:ext uri="{FF2B5EF4-FFF2-40B4-BE49-F238E27FC236}">
-                <a16:creationId xmlns:a16="http://schemas.microsoft.com/office/drawing/2014/main" id="{E9A022C5-C042-E391-EE85-074CF7BE23A9}"/>
-              </a:ext>
-            </a:extLst>
-          </p:cNvPr>
-          <p:cNvPicPr>
-            <a:picLocks noChangeAspect="1"/>
-          </p:cNvPicPr>
-          <p:nvPr/>
-        </p:nvPicPr>
-        <p:blipFill>
-          <a:blip r:embed="rId2">
-            <a:extLst>
-              <a:ext uri="{28A0092B-C50C-407E-A947-70E740481C1C}">
-                <a14:useLocalDpi xmlns:a14="http://schemas.microsoft.com/office/drawing/2010/main" val="0"/>
-              </a:ext>
-            </a:extLst>
-          </a:blip>
-          <a:stretch>
-            <a:fillRect/>
-          </a:stretch>
-        </p:blipFill>
-        <p:spPr>
-          <a:xfrm>
-            <a:off x="2565428" y="7829903"/>
-            <a:ext cx="2101168" cy="2101168"/>
-          </a:xfrm>
-          <a:prstGeom prst="rect">
-            <a:avLst/>
-          </a:prstGeom>
-        </p:spPr>
-      </p:pic>
-      <p:pic>
-        <p:nvPicPr>
-          <p:cNvPr id="35" name="Content Placeholder 4" descr="A colorful circle with a black background&#10;&#10;Description automatically generated">
-            <a:extLst>
-              <a:ext uri="{FF2B5EF4-FFF2-40B4-BE49-F238E27FC236}">
-                <a16:creationId xmlns:a16="http://schemas.microsoft.com/office/drawing/2014/main" id="{0287D003-6BA7-4536-172F-37B7C576884A}"/>
-              </a:ext>
-            </a:extLst>
-          </p:cNvPr>
-          <p:cNvPicPr>
-            <a:picLocks noChangeAspect="1"/>
-          </p:cNvPicPr>
-          <p:nvPr/>
-        </p:nvPicPr>
-        <p:blipFill>
-          <a:blip r:embed="rId3">
-            <a:extLst>
-              <a:ext uri="{28A0092B-C50C-407E-A947-70E740481C1C}">
-                <a14:useLocalDpi xmlns:a14="http://schemas.microsoft.com/office/drawing/2010/main" val="0"/>
-              </a:ext>
-            </a:extLst>
-          </a:blip>
-          <a:stretch>
-            <a:fillRect/>
-          </a:stretch>
-        </p:blipFill>
-        <p:spPr>
-          <a:xfrm>
-            <a:off x="14138624" y="4288150"/>
-            <a:ext cx="5447592" cy="5447592"/>
-          </a:xfrm>
-          <a:prstGeom prst="rect">
-            <a:avLst/>
-          </a:prstGeom>
-        </p:spPr>
-      </p:pic>
-      <p:grpSp>
-        <p:nvGrpSpPr>
-          <p:cNvPr id="23" name="Group 22">
-            <a:extLst>
-              <a:ext uri="{FF2B5EF4-FFF2-40B4-BE49-F238E27FC236}">
-                <a16:creationId xmlns:a16="http://schemas.microsoft.com/office/drawing/2014/main" id="{57D11FD1-3CDF-E06D-51C1-45DA83348AA8}"/>
+                <a16:creationId xmlns:a16="http://schemas.microsoft.com/office/drawing/2014/main" id="{4F53BF67-19BF-360E-F3BC-B0CA47FDB18E}"/>
               </a:ext>
             </a:extLst>
           </p:cNvPr>
@@ -3063,75 +2991,18 @@
         </p:nvGrpSpPr>
         <p:grpSpPr>
           <a:xfrm>
-            <a:off x="1195356" y="388107"/>
-            <a:ext cx="25506974" cy="25309602"/>
-            <a:chOff x="496109" y="-3108128"/>
-            <a:chExt cx="25506974" cy="25309602"/>
+            <a:off x="0" y="0"/>
+            <a:ext cx="27432000" cy="23274979"/>
+            <a:chOff x="0" y="2422730"/>
+            <a:chExt cx="27432000" cy="23274979"/>
           </a:xfrm>
         </p:grpSpPr>
-        <p:sp>
-          <p:nvSpPr>
-            <p:cNvPr id="170" name="Arc 169">
+        <p:pic>
+          <p:nvPicPr>
+            <p:cNvPr id="39" name="Picture 38" descr="A colorful circle with black background&#10;&#10;Description automatically generated">
               <a:extLst>
                 <a:ext uri="{FF2B5EF4-FFF2-40B4-BE49-F238E27FC236}">
-                  <a16:creationId xmlns:a16="http://schemas.microsoft.com/office/drawing/2014/main" id="{AD63ABE7-1EE5-357B-9BB8-14AB76D5D87B}"/>
-                </a:ext>
-              </a:extLst>
-            </p:cNvPr>
-            <p:cNvSpPr/>
-            <p:nvPr/>
-          </p:nvSpPr>
-          <p:spPr>
-            <a:xfrm rot="18486030">
-              <a:off x="6045500" y="2901124"/>
-              <a:ext cx="9724802" cy="6613058"/>
-            </a:xfrm>
-            <a:prstGeom prst="arc">
-              <a:avLst>
-                <a:gd name="adj1" fmla="val 11271281"/>
-                <a:gd name="adj2" fmla="val 21054293"/>
-              </a:avLst>
-            </a:prstGeom>
-            <a:ln w="254000">
-              <a:solidFill>
-                <a:schemeClr val="tx2">
-                  <a:lumMod val="60000"/>
-                  <a:lumOff val="40000"/>
-                </a:schemeClr>
-              </a:solidFill>
-              <a:headEnd type="stealth" w="med" len="med"/>
-              <a:tailEnd type="none" w="med" len="med"/>
-            </a:ln>
-          </p:spPr>
-          <p:style>
-            <a:lnRef idx="1">
-              <a:schemeClr val="accent1"/>
-            </a:lnRef>
-            <a:fillRef idx="0">
-              <a:schemeClr val="accent1"/>
-            </a:fillRef>
-            <a:effectRef idx="0">
-              <a:schemeClr val="accent1"/>
-            </a:effectRef>
-            <a:fontRef idx="minor">
-              <a:schemeClr val="tx1"/>
-            </a:fontRef>
-          </p:style>
-          <p:txBody>
-            <a:bodyPr rtlCol="0" anchor="ctr"/>
-            <a:lstStyle/>
-            <a:p>
-              <a:pPr algn="ctr"/>
-              <a:endParaRPr lang="en-NL"/>
-            </a:p>
-          </p:txBody>
-        </p:sp>
-        <p:pic>
-          <p:nvPicPr>
-            <p:cNvPr id="5" name="Picture 4" descr="Graphical user interface, diagram&#10;&#10;Description automatically generated">
-              <a:extLst>
-                <a:ext uri="{FF2B5EF4-FFF2-40B4-BE49-F238E27FC236}">
-                  <a16:creationId xmlns:a16="http://schemas.microsoft.com/office/drawing/2014/main" id="{AD2E10B5-97B4-2691-FD18-8A12D6854964}"/>
+                  <a16:creationId xmlns:a16="http://schemas.microsoft.com/office/drawing/2014/main" id="{E9A022C5-C042-E391-EE85-074CF7BE23A9}"/>
                 </a:ext>
               </a:extLst>
             </p:cNvPr>
@@ -3140,15 +3011,22 @@
             </p:cNvPicPr>
             <p:nvPr/>
           </p:nvPicPr>
-          <p:blipFill rotWithShape="1">
-            <a:blip r:embed="rId4"/>
-            <a:srcRect l="38193" t="38162" r="46460" b="54265"/>
-            <a:stretch/>
+          <p:blipFill>
+            <a:blip r:embed="rId2">
+              <a:extLst>
+                <a:ext uri="{28A0092B-C50C-407E-A947-70E740481C1C}">
+                  <a14:useLocalDpi xmlns:a14="http://schemas.microsoft.com/office/drawing/2010/main" val="0"/>
+                </a:ext>
+              </a:extLst>
+            </a:blip>
+            <a:stretch>
+              <a:fillRect/>
+            </a:stretch>
           </p:blipFill>
           <p:spPr>
             <a:xfrm>
-              <a:off x="665499" y="9591639"/>
-              <a:ext cx="4502587" cy="2595783"/>
+              <a:off x="2565428" y="7829903"/>
+              <a:ext cx="2101168" cy="2101168"/>
             </a:xfrm>
             <a:prstGeom prst="rect">
               <a:avLst/>
@@ -3157,10 +3035,10 @@
         </p:pic>
         <p:pic>
           <p:nvPicPr>
-            <p:cNvPr id="7" name="Picture 6" descr="Graphical user interface, diagram&#10;&#10;Description automatically generated">
+            <p:cNvPr id="35" name="Content Placeholder 4" descr="A colorful circle with a black background&#10;&#10;Description automatically generated">
               <a:extLst>
                 <a:ext uri="{FF2B5EF4-FFF2-40B4-BE49-F238E27FC236}">
-                  <a16:creationId xmlns:a16="http://schemas.microsoft.com/office/drawing/2014/main" id="{D9FE96C4-B4DF-4201-29B1-F4B3A10DD687}"/>
+                  <a16:creationId xmlns:a16="http://schemas.microsoft.com/office/drawing/2014/main" id="{0287D003-6BA7-4536-172F-37B7C576884A}"/>
                 </a:ext>
               </a:extLst>
             </p:cNvPr>
@@ -3169,85 +3047,2667 @@
             </p:cNvPicPr>
             <p:nvPr/>
           </p:nvPicPr>
-          <p:blipFill rotWithShape="1">
-            <a:blip r:embed="rId4"/>
-            <a:srcRect l="53168" t="38162" r="29986" b="54265"/>
-            <a:stretch/>
+          <p:blipFill>
+            <a:blip r:embed="rId3">
+              <a:extLst>
+                <a:ext uri="{28A0092B-C50C-407E-A947-70E740481C1C}">
+                  <a14:useLocalDpi xmlns:a14="http://schemas.microsoft.com/office/drawing/2010/main" val="0"/>
+                </a:ext>
+              </a:extLst>
+            </a:blip>
+            <a:stretch>
+              <a:fillRect/>
+            </a:stretch>
           </p:blipFill>
           <p:spPr>
             <a:xfrm>
-              <a:off x="13687033" y="9591638"/>
-              <a:ext cx="4942514" cy="2595784"/>
+              <a:off x="14138624" y="4288150"/>
+              <a:ext cx="5447592" cy="5447592"/>
             </a:xfrm>
             <a:prstGeom prst="rect">
               <a:avLst/>
             </a:prstGeom>
           </p:spPr>
         </p:pic>
-        <p:pic>
-          <p:nvPicPr>
-            <p:cNvPr id="8" name="Picture 7" descr="Graphical user interface, diagram&#10;&#10;Description automatically generated">
+        <p:grpSp>
+          <p:nvGrpSpPr>
+            <p:cNvPr id="23" name="Group 22">
               <a:extLst>
                 <a:ext uri="{FF2B5EF4-FFF2-40B4-BE49-F238E27FC236}">
-                  <a16:creationId xmlns:a16="http://schemas.microsoft.com/office/drawing/2014/main" id="{D3E60826-4606-9E46-84A1-2ECB76C85129}"/>
+                  <a16:creationId xmlns:a16="http://schemas.microsoft.com/office/drawing/2014/main" id="{57D11FD1-3CDF-E06D-51C1-45DA83348AA8}"/>
                 </a:ext>
               </a:extLst>
             </p:cNvPr>
-            <p:cNvPicPr>
-              <a:picLocks noChangeAspect="1"/>
-            </p:cNvPicPr>
+            <p:cNvGrpSpPr/>
             <p:nvPr/>
-          </p:nvPicPr>
-          <p:blipFill rotWithShape="1">
-            <a:blip r:embed="rId4"/>
-            <a:srcRect l="53168" t="38162" r="29986" b="54265"/>
-            <a:stretch/>
-          </p:blipFill>
-          <p:spPr>
+          </p:nvGrpSpPr>
+          <p:grpSpPr>
             <a:xfrm>
-              <a:off x="20519701" y="9591638"/>
-              <a:ext cx="4942514" cy="2595784"/>
+              <a:off x="1195356" y="4046705"/>
+              <a:ext cx="25506974" cy="21651004"/>
+              <a:chOff x="496109" y="550470"/>
+              <a:chExt cx="25506974" cy="21651004"/>
             </a:xfrm>
-            <a:prstGeom prst="rect">
-              <a:avLst/>
-            </a:prstGeom>
-          </p:spPr>
-        </p:pic>
-        <p:pic>
-          <p:nvPicPr>
-            <p:cNvPr id="9" name="Picture 8" descr="Graphical user interface, diagram&#10;&#10;Description automatically generated">
+          </p:grpSpPr>
+          <p:sp>
+            <p:nvSpPr>
+              <p:cNvPr id="170" name="Arc 169">
+                <a:extLst>
+                  <a:ext uri="{FF2B5EF4-FFF2-40B4-BE49-F238E27FC236}">
+                    <a16:creationId xmlns:a16="http://schemas.microsoft.com/office/drawing/2014/main" id="{AD63ABE7-1EE5-357B-9BB8-14AB76D5D87B}"/>
+                  </a:ext>
+                </a:extLst>
+              </p:cNvPr>
+              <p:cNvSpPr/>
+              <p:nvPr/>
+            </p:nvSpPr>
+            <p:spPr>
+              <a:xfrm rot="18486030">
+                <a:off x="6045500" y="2901124"/>
+                <a:ext cx="9724802" cy="6613058"/>
+              </a:xfrm>
+              <a:prstGeom prst="arc">
+                <a:avLst>
+                  <a:gd name="adj1" fmla="val 11271281"/>
+                  <a:gd name="adj2" fmla="val 21054293"/>
+                </a:avLst>
+              </a:prstGeom>
+              <a:ln w="254000">
+                <a:solidFill>
+                  <a:schemeClr val="tx2">
+                    <a:lumMod val="60000"/>
+                    <a:lumOff val="40000"/>
+                  </a:schemeClr>
+                </a:solidFill>
+                <a:headEnd type="stealth" w="med" len="med"/>
+                <a:tailEnd type="none" w="med" len="med"/>
+              </a:ln>
+            </p:spPr>
+            <p:style>
+              <a:lnRef idx="1">
+                <a:schemeClr val="accent1"/>
+              </a:lnRef>
+              <a:fillRef idx="0">
+                <a:schemeClr val="accent1"/>
+              </a:fillRef>
+              <a:effectRef idx="0">
+                <a:schemeClr val="accent1"/>
+              </a:effectRef>
+              <a:fontRef idx="minor">
+                <a:schemeClr val="tx1"/>
+              </a:fontRef>
+            </p:style>
+            <p:txBody>
+              <a:bodyPr rtlCol="0" anchor="ctr"/>
+              <a:lstStyle/>
+              <a:p>
+                <a:pPr algn="ctr"/>
+                <a:endParaRPr lang="en-NL"/>
+              </a:p>
+            </p:txBody>
+          </p:sp>
+          <p:pic>
+            <p:nvPicPr>
+              <p:cNvPr id="5" name="Picture 4" descr="Graphical user interface, diagram&#10;&#10;Description automatically generated">
+                <a:extLst>
+                  <a:ext uri="{FF2B5EF4-FFF2-40B4-BE49-F238E27FC236}">
+                    <a16:creationId xmlns:a16="http://schemas.microsoft.com/office/drawing/2014/main" id="{AD2E10B5-97B4-2691-FD18-8A12D6854964}"/>
+                  </a:ext>
+                </a:extLst>
+              </p:cNvPr>
+              <p:cNvPicPr>
+                <a:picLocks noChangeAspect="1"/>
+              </p:cNvPicPr>
+              <p:nvPr/>
+            </p:nvPicPr>
+            <p:blipFill rotWithShape="1">
+              <a:blip r:embed="rId4"/>
+              <a:srcRect l="38193" t="38162" r="46460" b="54265"/>
+              <a:stretch/>
+            </p:blipFill>
+            <p:spPr>
+              <a:xfrm>
+                <a:off x="665499" y="9591639"/>
+                <a:ext cx="4502587" cy="2595783"/>
+              </a:xfrm>
+              <a:prstGeom prst="rect">
+                <a:avLst/>
+              </a:prstGeom>
+            </p:spPr>
+          </p:pic>
+          <p:pic>
+            <p:nvPicPr>
+              <p:cNvPr id="7" name="Picture 6" descr="Graphical user interface, diagram&#10;&#10;Description automatically generated">
+                <a:extLst>
+                  <a:ext uri="{FF2B5EF4-FFF2-40B4-BE49-F238E27FC236}">
+                    <a16:creationId xmlns:a16="http://schemas.microsoft.com/office/drawing/2014/main" id="{D9FE96C4-B4DF-4201-29B1-F4B3A10DD687}"/>
+                  </a:ext>
+                </a:extLst>
+              </p:cNvPr>
+              <p:cNvPicPr>
+                <a:picLocks noChangeAspect="1"/>
+              </p:cNvPicPr>
+              <p:nvPr/>
+            </p:nvPicPr>
+            <p:blipFill rotWithShape="1">
+              <a:blip r:embed="rId4"/>
+              <a:srcRect l="53168" t="38162" r="29986" b="54265"/>
+              <a:stretch/>
+            </p:blipFill>
+            <p:spPr>
+              <a:xfrm>
+                <a:off x="13687033" y="9591638"/>
+                <a:ext cx="4942514" cy="2595784"/>
+              </a:xfrm>
+              <a:prstGeom prst="rect">
+                <a:avLst/>
+              </a:prstGeom>
+            </p:spPr>
+          </p:pic>
+          <p:pic>
+            <p:nvPicPr>
+              <p:cNvPr id="8" name="Picture 7" descr="Graphical user interface, diagram&#10;&#10;Description automatically generated">
+                <a:extLst>
+                  <a:ext uri="{FF2B5EF4-FFF2-40B4-BE49-F238E27FC236}">
+                    <a16:creationId xmlns:a16="http://schemas.microsoft.com/office/drawing/2014/main" id="{D3E60826-4606-9E46-84A1-2ECB76C85129}"/>
+                  </a:ext>
+                </a:extLst>
+              </p:cNvPr>
+              <p:cNvPicPr>
+                <a:picLocks noChangeAspect="1"/>
+              </p:cNvPicPr>
+              <p:nvPr/>
+            </p:nvPicPr>
+            <p:blipFill rotWithShape="1">
+              <a:blip r:embed="rId4"/>
+              <a:srcRect l="53168" t="38162" r="29986" b="54265"/>
+              <a:stretch/>
+            </p:blipFill>
+            <p:spPr>
+              <a:xfrm>
+                <a:off x="20519701" y="9591638"/>
+                <a:ext cx="4942514" cy="2595784"/>
+              </a:xfrm>
+              <a:prstGeom prst="rect">
+                <a:avLst/>
+              </a:prstGeom>
+            </p:spPr>
+          </p:pic>
+          <p:pic>
+            <p:nvPicPr>
+              <p:cNvPr id="9" name="Picture 8" descr="Graphical user interface, diagram&#10;&#10;Description automatically generated">
+                <a:extLst>
+                  <a:ext uri="{FF2B5EF4-FFF2-40B4-BE49-F238E27FC236}">
+                    <a16:creationId xmlns:a16="http://schemas.microsoft.com/office/drawing/2014/main" id="{337CA54C-F986-4262-F9C5-F744121A2F3C}"/>
+                  </a:ext>
+                </a:extLst>
+              </p:cNvPr>
+              <p:cNvPicPr>
+                <a:picLocks noChangeAspect="1"/>
+              </p:cNvPicPr>
+              <p:nvPr/>
+            </p:nvPicPr>
+            <p:blipFill rotWithShape="1">
+              <a:blip r:embed="rId4"/>
+              <a:srcRect l="38193" t="38162" r="46460" b="54265"/>
+              <a:stretch/>
+            </p:blipFill>
+            <p:spPr>
+              <a:xfrm>
+                <a:off x="7058240" y="9591639"/>
+                <a:ext cx="4502587" cy="2595783"/>
+              </a:xfrm>
+              <a:prstGeom prst="rect">
+                <a:avLst/>
+              </a:prstGeom>
+            </p:spPr>
+          </p:pic>
+          <p:sp>
+            <p:nvSpPr>
+              <p:cNvPr id="10" name="TextBox 9">
+                <a:extLst>
+                  <a:ext uri="{FF2B5EF4-FFF2-40B4-BE49-F238E27FC236}">
+                    <a16:creationId xmlns:a16="http://schemas.microsoft.com/office/drawing/2014/main" id="{ED33422A-C5BF-DB0A-3A4F-31FF25D14B91}"/>
+                  </a:ext>
+                </a:extLst>
+              </p:cNvPr>
+              <p:cNvSpPr txBox="1"/>
+              <p:nvPr/>
+            </p:nvSpPr>
+            <p:spPr>
+              <a:xfrm>
+                <a:off x="665500" y="12661914"/>
+                <a:ext cx="4800792" cy="523220"/>
+              </a:xfrm>
+              <a:prstGeom prst="rect">
+                <a:avLst/>
+              </a:prstGeom>
+              <a:solidFill>
+                <a:srgbClr val="00B0F0"/>
+              </a:solidFill>
+              <a:ln>
+                <a:solidFill>
+                  <a:srgbClr val="0070C0"/>
+                </a:solidFill>
+              </a:ln>
+            </p:spPr>
+            <p:txBody>
+              <a:bodyPr wrap="square" rtlCol="0">
+                <a:spAutoFit/>
+              </a:bodyPr>
+              <a:lstStyle/>
+              <a:p>
+                <a:pPr algn="ctr"/>
+                <a:r>
+                  <a:rPr lang="en-US" sz="2800" b="1" dirty="0"/>
+                  <a:t>Non-bleached + Ambient</a:t>
+                </a:r>
+              </a:p>
+            </p:txBody>
+          </p:sp>
+          <p:sp>
+            <p:nvSpPr>
+              <p:cNvPr id="11" name="TextBox 10">
+                <a:extLst>
+                  <a:ext uri="{FF2B5EF4-FFF2-40B4-BE49-F238E27FC236}">
+                    <a16:creationId xmlns:a16="http://schemas.microsoft.com/office/drawing/2014/main" id="{012E1AAA-80DD-ECF6-01C3-DA63EFA13D2B}"/>
+                  </a:ext>
+                </a:extLst>
+              </p:cNvPr>
+              <p:cNvSpPr txBox="1"/>
+              <p:nvPr/>
+            </p:nvSpPr>
+            <p:spPr>
+              <a:xfrm>
+                <a:off x="1817701" y="9312053"/>
+                <a:ext cx="2378249" cy="646331"/>
+              </a:xfrm>
+              <a:prstGeom prst="rect">
+                <a:avLst/>
+              </a:prstGeom>
+              <a:noFill/>
+            </p:spPr>
+            <p:txBody>
+              <a:bodyPr wrap="square" rtlCol="0">
+                <a:spAutoFit/>
+              </a:bodyPr>
+              <a:lstStyle/>
+              <a:p>
+                <a:pPr algn="ctr"/>
+                <a:r>
+                  <a:rPr lang="en-US" sz="2400" dirty="0"/>
+                  <a:t>“</a:t>
+                </a:r>
+                <a:r>
+                  <a:rPr lang="en-US" sz="3600" dirty="0"/>
+                  <a:t>Healthy</a:t>
+                </a:r>
+                <a:r>
+                  <a:rPr lang="en-US" sz="2400" dirty="0"/>
+                  <a:t>”</a:t>
+                </a:r>
+              </a:p>
+            </p:txBody>
+          </p:sp>
+          <p:sp>
+            <p:nvSpPr>
+              <p:cNvPr id="12" name="TextBox 11">
+                <a:extLst>
+                  <a:ext uri="{FF2B5EF4-FFF2-40B4-BE49-F238E27FC236}">
+                    <a16:creationId xmlns:a16="http://schemas.microsoft.com/office/drawing/2014/main" id="{F06A7102-DAF2-66CA-CF8E-EBE5B73496A2}"/>
+                  </a:ext>
+                </a:extLst>
+              </p:cNvPr>
+              <p:cNvSpPr txBox="1"/>
+              <p:nvPr/>
+            </p:nvSpPr>
+            <p:spPr>
+              <a:xfrm>
+                <a:off x="7489357" y="9000359"/>
+                <a:ext cx="3994017" cy="1200329"/>
+              </a:xfrm>
+              <a:prstGeom prst="rect">
+                <a:avLst/>
+              </a:prstGeom>
+              <a:noFill/>
+            </p:spPr>
+            <p:txBody>
+              <a:bodyPr wrap="square" rtlCol="0">
+                <a:spAutoFit/>
+              </a:bodyPr>
+              <a:lstStyle/>
+              <a:p>
+                <a:pPr algn="ctr"/>
+                <a:r>
+                  <a:rPr lang="en-US" sz="3600" dirty="0"/>
+                  <a:t>“Thermal Stress Onset”</a:t>
+                </a:r>
+              </a:p>
+            </p:txBody>
+          </p:sp>
+          <p:sp>
+            <p:nvSpPr>
+              <p:cNvPr id="13" name="TextBox 12">
+                <a:extLst>
+                  <a:ext uri="{FF2B5EF4-FFF2-40B4-BE49-F238E27FC236}">
+                    <a16:creationId xmlns:a16="http://schemas.microsoft.com/office/drawing/2014/main" id="{FE19BE1D-95AF-6C9D-4280-B2927502BA71}"/>
+                  </a:ext>
+                </a:extLst>
+              </p:cNvPr>
+              <p:cNvSpPr txBox="1"/>
+              <p:nvPr/>
+            </p:nvSpPr>
+            <p:spPr>
+              <a:xfrm>
+                <a:off x="7058241" y="12661914"/>
+                <a:ext cx="4800792" cy="523220"/>
+              </a:xfrm>
+              <a:prstGeom prst="rect">
+                <a:avLst/>
+              </a:prstGeom>
+              <a:solidFill>
+                <a:srgbClr val="FF3030"/>
+              </a:solidFill>
+              <a:ln>
+                <a:solidFill>
+                  <a:srgbClr val="C00000"/>
+                </a:solidFill>
+              </a:ln>
+            </p:spPr>
+            <p:txBody>
+              <a:bodyPr wrap="square" rtlCol="0">
+                <a:spAutoFit/>
+              </a:bodyPr>
+              <a:lstStyle/>
+              <a:p>
+                <a:pPr algn="ctr"/>
+                <a:r>
+                  <a:rPr lang="en-US" sz="2800" b="1" dirty="0"/>
+                  <a:t>Non-bleached + Heated</a:t>
+                </a:r>
+              </a:p>
+            </p:txBody>
+          </p:sp>
+          <p:sp>
+            <p:nvSpPr>
+              <p:cNvPr id="15" name="TextBox 14">
+                <a:extLst>
+                  <a:ext uri="{FF2B5EF4-FFF2-40B4-BE49-F238E27FC236}">
+                    <a16:creationId xmlns:a16="http://schemas.microsoft.com/office/drawing/2014/main" id="{4303233C-EC04-5F86-7FDA-952B3D9DF657}"/>
+                  </a:ext>
+                </a:extLst>
+              </p:cNvPr>
+              <p:cNvSpPr txBox="1"/>
+              <p:nvPr/>
+            </p:nvSpPr>
+            <p:spPr>
+              <a:xfrm>
+                <a:off x="14207868" y="9225624"/>
+                <a:ext cx="3994017" cy="646331"/>
+              </a:xfrm>
+              <a:prstGeom prst="rect">
+                <a:avLst/>
+              </a:prstGeom>
+              <a:noFill/>
+            </p:spPr>
+            <p:txBody>
+              <a:bodyPr wrap="square" rtlCol="0">
+                <a:spAutoFit/>
+              </a:bodyPr>
+              <a:lstStyle/>
+              <a:p>
+                <a:pPr algn="ctr"/>
+                <a:r>
+                  <a:rPr lang="en-US" sz="3600" dirty="0"/>
+                  <a:t>“Peak Bleaching”</a:t>
+                </a:r>
+              </a:p>
+            </p:txBody>
+          </p:sp>
+          <p:sp>
+            <p:nvSpPr>
+              <p:cNvPr id="16" name="TextBox 15">
+                <a:extLst>
+                  <a:ext uri="{FF2B5EF4-FFF2-40B4-BE49-F238E27FC236}">
+                    <a16:creationId xmlns:a16="http://schemas.microsoft.com/office/drawing/2014/main" id="{A20F05C7-6714-60D2-8A23-04051D3BD450}"/>
+                  </a:ext>
+                </a:extLst>
+              </p:cNvPr>
+              <p:cNvSpPr txBox="1"/>
+              <p:nvPr/>
+            </p:nvSpPr>
+            <p:spPr>
+              <a:xfrm>
+                <a:off x="13687033" y="12629594"/>
+                <a:ext cx="4800792" cy="523220"/>
+              </a:xfrm>
+              <a:prstGeom prst="rect">
+                <a:avLst/>
+              </a:prstGeom>
+              <a:noFill/>
+              <a:ln>
+                <a:solidFill>
+                  <a:srgbClr val="CD2626"/>
+                </a:solidFill>
+              </a:ln>
+            </p:spPr>
+            <p:txBody>
+              <a:bodyPr wrap="square" rtlCol="0">
+                <a:spAutoFit/>
+              </a:bodyPr>
+              <a:lstStyle/>
+              <a:p>
+                <a:pPr algn="ctr"/>
+                <a:r>
+                  <a:rPr lang="en-US" sz="2800" b="1" dirty="0">
+                    <a:solidFill>
+                      <a:srgbClr val="CD2626"/>
+                    </a:solidFill>
+                  </a:rPr>
+                  <a:t>Bleached + Heated</a:t>
+                </a:r>
+              </a:p>
+            </p:txBody>
+          </p:sp>
+          <p:sp>
+            <p:nvSpPr>
+              <p:cNvPr id="17" name="TextBox 16">
+                <a:extLst>
+                  <a:ext uri="{FF2B5EF4-FFF2-40B4-BE49-F238E27FC236}">
+                    <a16:creationId xmlns:a16="http://schemas.microsoft.com/office/drawing/2014/main" id="{9AA714EA-21DE-DFFC-9936-A2C27EA21506}"/>
+                  </a:ext>
+                </a:extLst>
+              </p:cNvPr>
+              <p:cNvSpPr txBox="1"/>
+              <p:nvPr/>
+            </p:nvSpPr>
+            <p:spPr>
+              <a:xfrm>
+                <a:off x="20430939" y="12554553"/>
+                <a:ext cx="4800792" cy="523220"/>
+              </a:xfrm>
+              <a:prstGeom prst="rect">
+                <a:avLst/>
+              </a:prstGeom>
+              <a:noFill/>
+              <a:ln>
+                <a:solidFill>
+                  <a:schemeClr val="accent1"/>
+                </a:solidFill>
+              </a:ln>
+            </p:spPr>
+            <p:txBody>
+              <a:bodyPr wrap="square" rtlCol="0">
+                <a:spAutoFit/>
+              </a:bodyPr>
+              <a:lstStyle/>
+              <a:p>
+                <a:pPr algn="ctr"/>
+                <a:r>
+                  <a:rPr lang="en-US" sz="2800" b="1" dirty="0">
+                    <a:solidFill>
+                      <a:srgbClr val="0070C0"/>
+                    </a:solidFill>
+                  </a:rPr>
+                  <a:t>Bleached + Ambient</a:t>
+                </a:r>
+              </a:p>
+            </p:txBody>
+          </p:sp>
+          <p:sp>
+            <p:nvSpPr>
+              <p:cNvPr id="18" name="TextBox 17">
+                <a:extLst>
+                  <a:ext uri="{FF2B5EF4-FFF2-40B4-BE49-F238E27FC236}">
+                    <a16:creationId xmlns:a16="http://schemas.microsoft.com/office/drawing/2014/main" id="{4E40DC79-AF58-F1A5-EC1E-FAE18E19B995}"/>
+                  </a:ext>
+                </a:extLst>
+              </p:cNvPr>
+              <p:cNvSpPr txBox="1"/>
+              <p:nvPr/>
+            </p:nvSpPr>
+            <p:spPr>
+              <a:xfrm>
+                <a:off x="21103212" y="9142539"/>
+                <a:ext cx="3994017" cy="646331"/>
+              </a:xfrm>
+              <a:prstGeom prst="rect">
+                <a:avLst/>
+              </a:prstGeom>
+              <a:noFill/>
+            </p:spPr>
+            <p:txBody>
+              <a:bodyPr wrap="square" rtlCol="0">
+                <a:spAutoFit/>
+              </a:bodyPr>
+              <a:lstStyle/>
+              <a:p>
+                <a:pPr algn="ctr"/>
+                <a:r>
+                  <a:rPr lang="en-US" sz="3600" dirty="0"/>
+                  <a:t>“Recovering”</a:t>
+                </a:r>
+              </a:p>
+            </p:txBody>
+          </p:sp>
+          <p:sp>
+            <p:nvSpPr>
+              <p:cNvPr id="2" name="TextBox 1">
+                <a:extLst>
+                  <a:ext uri="{FF2B5EF4-FFF2-40B4-BE49-F238E27FC236}">
+                    <a16:creationId xmlns:a16="http://schemas.microsoft.com/office/drawing/2014/main" id="{26AD2894-BDD2-8320-37B1-4716A36BB74E}"/>
+                  </a:ext>
+                </a:extLst>
+              </p:cNvPr>
+              <p:cNvSpPr txBox="1"/>
+              <p:nvPr/>
+            </p:nvSpPr>
+            <p:spPr>
+              <a:xfrm>
+                <a:off x="2399845" y="7349768"/>
+                <a:ext cx="1332102" cy="646331"/>
+              </a:xfrm>
+              <a:prstGeom prst="rect">
+                <a:avLst/>
+              </a:prstGeom>
+              <a:solidFill>
+                <a:srgbClr val="FFFBFB"/>
+              </a:solidFill>
+            </p:spPr>
+            <p:txBody>
+              <a:bodyPr wrap="square" rtlCol="0">
+                <a:spAutoFit/>
+              </a:bodyPr>
+              <a:lstStyle/>
+              <a:p>
+                <a:r>
+                  <a:rPr lang="en-US" sz="3600" b="1" dirty="0"/>
+                  <a:t>DOM</a:t>
+                </a:r>
+              </a:p>
+            </p:txBody>
+          </p:sp>
+          <p:sp>
+            <p:nvSpPr>
+              <p:cNvPr id="14" name="Arrow: Down 13">
+                <a:extLst>
+                  <a:ext uri="{FF2B5EF4-FFF2-40B4-BE49-F238E27FC236}">
+                    <a16:creationId xmlns:a16="http://schemas.microsoft.com/office/drawing/2014/main" id="{5EF845D6-FB72-A6F5-F52E-668FB78F52EE}"/>
+                  </a:ext>
+                </a:extLst>
+              </p:cNvPr>
+              <p:cNvSpPr/>
+              <p:nvPr/>
+            </p:nvSpPr>
+            <p:spPr>
+              <a:xfrm rot="9455432">
+                <a:off x="1641205" y="8420725"/>
+                <a:ext cx="321047" cy="588349"/>
+              </a:xfrm>
+              <a:prstGeom prst="downArrow">
+                <a:avLst/>
+              </a:prstGeom>
+              <a:solidFill>
+                <a:srgbClr val="FFFBFB"/>
+              </a:solidFill>
+              <a:ln>
+                <a:solidFill>
+                  <a:schemeClr val="tx1"/>
+                </a:solidFill>
+              </a:ln>
+              <a:effectLst>
+                <a:glow rad="228600">
+                  <a:schemeClr val="accent6">
+                    <a:satMod val="175000"/>
+                    <a:alpha val="40000"/>
+                  </a:schemeClr>
+                </a:glow>
+              </a:effectLst>
+            </p:spPr>
+            <p:style>
+              <a:lnRef idx="2">
+                <a:schemeClr val="accent1">
+                  <a:shade val="50000"/>
+                </a:schemeClr>
+              </a:lnRef>
+              <a:fillRef idx="1">
+                <a:schemeClr val="accent1"/>
+              </a:fillRef>
+              <a:effectRef idx="0">
+                <a:schemeClr val="accent1"/>
+              </a:effectRef>
+              <a:fontRef idx="minor">
+                <a:schemeClr val="lt1"/>
+              </a:fontRef>
+            </p:style>
+            <p:txBody>
+              <a:bodyPr rtlCol="0" anchor="ctr"/>
+              <a:lstStyle/>
+              <a:p>
+                <a:pPr algn="ctr"/>
+                <a:endParaRPr lang="en-US" sz="2800">
+                  <a:solidFill>
+                    <a:srgbClr val="FF0000"/>
+                  </a:solidFill>
+                </a:endParaRPr>
+              </a:p>
+            </p:txBody>
+          </p:sp>
+          <p:sp>
+            <p:nvSpPr>
+              <p:cNvPr id="21" name="Arrow: Down 20">
+                <a:extLst>
+                  <a:ext uri="{FF2B5EF4-FFF2-40B4-BE49-F238E27FC236}">
+                    <a16:creationId xmlns:a16="http://schemas.microsoft.com/office/drawing/2014/main" id="{E949DD3F-400F-7F9B-D204-605B27B0B838}"/>
+                  </a:ext>
+                </a:extLst>
+              </p:cNvPr>
+              <p:cNvSpPr/>
+              <p:nvPr/>
+            </p:nvSpPr>
+            <p:spPr>
+              <a:xfrm rot="10800000">
+                <a:off x="2341540" y="8128399"/>
+                <a:ext cx="321047" cy="588349"/>
+              </a:xfrm>
+              <a:prstGeom prst="downArrow">
+                <a:avLst/>
+              </a:prstGeom>
+              <a:solidFill>
+                <a:srgbClr val="FFFBFB"/>
+              </a:solidFill>
+              <a:ln>
+                <a:solidFill>
+                  <a:schemeClr val="tx1"/>
+                </a:solidFill>
+              </a:ln>
+              <a:effectLst>
+                <a:glow rad="228600">
+                  <a:schemeClr val="accent6">
+                    <a:satMod val="175000"/>
+                    <a:alpha val="40000"/>
+                  </a:schemeClr>
+                </a:glow>
+              </a:effectLst>
+            </p:spPr>
+            <p:style>
+              <a:lnRef idx="2">
+                <a:schemeClr val="accent1">
+                  <a:shade val="50000"/>
+                </a:schemeClr>
+              </a:lnRef>
+              <a:fillRef idx="1">
+                <a:schemeClr val="accent1"/>
+              </a:fillRef>
+              <a:effectRef idx="0">
+                <a:schemeClr val="accent1"/>
+              </a:effectRef>
+              <a:fontRef idx="minor">
+                <a:schemeClr val="lt1"/>
+              </a:fontRef>
+            </p:style>
+            <p:txBody>
+              <a:bodyPr rtlCol="0" anchor="ctr"/>
+              <a:lstStyle/>
+              <a:p>
+                <a:pPr algn="ctr"/>
+                <a:endParaRPr lang="en-US" sz="2800">
+                  <a:solidFill>
+                    <a:srgbClr val="FF0000"/>
+                  </a:solidFill>
+                </a:endParaRPr>
+              </a:p>
+            </p:txBody>
+          </p:sp>
+          <p:sp>
+            <p:nvSpPr>
+              <p:cNvPr id="24" name="Arrow: Down 23">
+                <a:extLst>
+                  <a:ext uri="{FF2B5EF4-FFF2-40B4-BE49-F238E27FC236}">
+                    <a16:creationId xmlns:a16="http://schemas.microsoft.com/office/drawing/2014/main" id="{CC64686B-D461-752F-4EC1-C94D2E6BB865}"/>
+                  </a:ext>
+                </a:extLst>
+              </p:cNvPr>
+              <p:cNvSpPr/>
+              <p:nvPr/>
+            </p:nvSpPr>
+            <p:spPr>
+              <a:xfrm rot="10800000">
+                <a:off x="3175316" y="8127805"/>
+                <a:ext cx="321047" cy="588349"/>
+              </a:xfrm>
+              <a:prstGeom prst="downArrow">
+                <a:avLst/>
+              </a:prstGeom>
+              <a:solidFill>
+                <a:srgbClr val="FFFBFB"/>
+              </a:solidFill>
+              <a:ln>
+                <a:solidFill>
+                  <a:schemeClr val="tx1"/>
+                </a:solidFill>
+              </a:ln>
+              <a:effectLst>
+                <a:glow rad="228600">
+                  <a:schemeClr val="accent6">
+                    <a:satMod val="175000"/>
+                    <a:alpha val="40000"/>
+                  </a:schemeClr>
+                </a:glow>
+              </a:effectLst>
+            </p:spPr>
+            <p:style>
+              <a:lnRef idx="2">
+                <a:schemeClr val="accent1">
+                  <a:shade val="50000"/>
+                </a:schemeClr>
+              </a:lnRef>
+              <a:fillRef idx="1">
+                <a:schemeClr val="accent1"/>
+              </a:fillRef>
+              <a:effectRef idx="0">
+                <a:schemeClr val="accent1"/>
+              </a:effectRef>
+              <a:fontRef idx="minor">
+                <a:schemeClr val="lt1"/>
+              </a:fontRef>
+            </p:style>
+            <p:txBody>
+              <a:bodyPr rtlCol="0" anchor="ctr"/>
+              <a:lstStyle/>
+              <a:p>
+                <a:pPr algn="ctr"/>
+                <a:endParaRPr lang="en-US" sz="2800">
+                  <a:solidFill>
+                    <a:srgbClr val="FF0000"/>
+                  </a:solidFill>
+                </a:endParaRPr>
+              </a:p>
+            </p:txBody>
+          </p:sp>
+          <p:sp>
+            <p:nvSpPr>
+              <p:cNvPr id="25" name="Arrow: Down 24">
+                <a:extLst>
+                  <a:ext uri="{FF2B5EF4-FFF2-40B4-BE49-F238E27FC236}">
+                    <a16:creationId xmlns:a16="http://schemas.microsoft.com/office/drawing/2014/main" id="{AB0D2A19-C37C-2507-091E-C3BA47B95CF7}"/>
+                  </a:ext>
+                </a:extLst>
+              </p:cNvPr>
+              <p:cNvSpPr/>
+              <p:nvPr/>
+            </p:nvSpPr>
+            <p:spPr>
+              <a:xfrm rot="12103310">
+                <a:off x="3906466" y="8334030"/>
+                <a:ext cx="321047" cy="588349"/>
+              </a:xfrm>
+              <a:prstGeom prst="downArrow">
+                <a:avLst/>
+              </a:prstGeom>
+              <a:solidFill>
+                <a:srgbClr val="FFFBFB"/>
+              </a:solidFill>
+              <a:ln>
+                <a:solidFill>
+                  <a:schemeClr val="tx1"/>
+                </a:solidFill>
+              </a:ln>
+              <a:effectLst>
+                <a:glow rad="228600">
+                  <a:schemeClr val="accent6">
+                    <a:satMod val="175000"/>
+                    <a:alpha val="40000"/>
+                  </a:schemeClr>
+                </a:glow>
+              </a:effectLst>
+            </p:spPr>
+            <p:style>
+              <a:lnRef idx="2">
+                <a:schemeClr val="accent1">
+                  <a:shade val="50000"/>
+                </a:schemeClr>
+              </a:lnRef>
+              <a:fillRef idx="1">
+                <a:schemeClr val="accent1"/>
+              </a:fillRef>
+              <a:effectRef idx="0">
+                <a:schemeClr val="accent1"/>
+              </a:effectRef>
+              <a:fontRef idx="minor">
+                <a:schemeClr val="lt1"/>
+              </a:fontRef>
+            </p:style>
+            <p:txBody>
+              <a:bodyPr rtlCol="0" anchor="ctr"/>
+              <a:lstStyle/>
+              <a:p>
+                <a:pPr algn="ctr"/>
+                <a:endParaRPr lang="en-US" sz="2800">
+                  <a:solidFill>
+                    <a:srgbClr val="FF0000"/>
+                  </a:solidFill>
+                </a:endParaRPr>
+              </a:p>
+            </p:txBody>
+          </p:sp>
+          <p:sp>
+            <p:nvSpPr>
+              <p:cNvPr id="31" name="TextBox 30">
+                <a:extLst>
+                  <a:ext uri="{FF2B5EF4-FFF2-40B4-BE49-F238E27FC236}">
+                    <a16:creationId xmlns:a16="http://schemas.microsoft.com/office/drawing/2014/main" id="{656ECBBE-DD3A-348C-5ACB-8E2EFC96028F}"/>
+                  </a:ext>
+                </a:extLst>
+              </p:cNvPr>
+              <p:cNvSpPr txBox="1"/>
+              <p:nvPr/>
+            </p:nvSpPr>
+            <p:spPr>
+              <a:xfrm>
+                <a:off x="8050689" y="6599841"/>
+                <a:ext cx="2960995" cy="1015663"/>
+              </a:xfrm>
+              <a:prstGeom prst="rect">
+                <a:avLst/>
+              </a:prstGeom>
+              <a:noFill/>
+            </p:spPr>
+            <p:txBody>
+              <a:bodyPr wrap="square" rtlCol="0">
+                <a:spAutoFit/>
+              </a:bodyPr>
+              <a:lstStyle/>
+              <a:p>
+                <a:pPr algn="ctr"/>
+                <a:r>
+                  <a:rPr lang="en-US" sz="6000" b="1" dirty="0">
+                    <a:solidFill>
+                      <a:srgbClr val="C00000"/>
+                    </a:solidFill>
+                  </a:rPr>
+                  <a:t>DOM</a:t>
+                </a:r>
+              </a:p>
+            </p:txBody>
+          </p:sp>
+          <p:sp>
+            <p:nvSpPr>
+              <p:cNvPr id="32" name="Arrow: Down 31">
+                <a:extLst>
+                  <a:ext uri="{FF2B5EF4-FFF2-40B4-BE49-F238E27FC236}">
+                    <a16:creationId xmlns:a16="http://schemas.microsoft.com/office/drawing/2014/main" id="{BCFEADB4-A093-D35E-973E-9D285F48FAA4}"/>
+                  </a:ext>
+                </a:extLst>
+              </p:cNvPr>
+              <p:cNvSpPr/>
+              <p:nvPr/>
+            </p:nvSpPr>
+            <p:spPr>
+              <a:xfrm rot="9455432">
+                <a:off x="7923177" y="7706080"/>
+                <a:ext cx="713623" cy="1203704"/>
+              </a:xfrm>
+              <a:prstGeom prst="downArrow">
+                <a:avLst/>
+              </a:prstGeom>
+              <a:solidFill>
+                <a:schemeClr val="bg1"/>
+              </a:solidFill>
+              <a:ln>
+                <a:solidFill>
+                  <a:schemeClr val="tx1"/>
+                </a:solidFill>
+              </a:ln>
+              <a:effectLst>
+                <a:glow rad="228600">
+                  <a:srgbClr val="C00000">
+                    <a:alpha val="40000"/>
+                  </a:srgbClr>
+                </a:glow>
+              </a:effectLst>
+            </p:spPr>
+            <p:style>
+              <a:lnRef idx="2">
+                <a:schemeClr val="accent1">
+                  <a:shade val="50000"/>
+                </a:schemeClr>
+              </a:lnRef>
+              <a:fillRef idx="1">
+                <a:schemeClr val="accent1"/>
+              </a:fillRef>
+              <a:effectRef idx="0">
+                <a:schemeClr val="accent1"/>
+              </a:effectRef>
+              <a:fontRef idx="minor">
+                <a:schemeClr val="lt1"/>
+              </a:fontRef>
+            </p:style>
+            <p:txBody>
+              <a:bodyPr rtlCol="0" anchor="ctr"/>
+              <a:lstStyle/>
+              <a:p>
+                <a:pPr algn="ctr"/>
+                <a:endParaRPr lang="en-US" sz="2800">
+                  <a:solidFill>
+                    <a:srgbClr val="FF0000"/>
+                  </a:solidFill>
+                </a:endParaRPr>
+              </a:p>
+            </p:txBody>
+          </p:sp>
+          <p:sp>
+            <p:nvSpPr>
+              <p:cNvPr id="36" name="TextBox 35">
+                <a:extLst>
+                  <a:ext uri="{FF2B5EF4-FFF2-40B4-BE49-F238E27FC236}">
+                    <a16:creationId xmlns:a16="http://schemas.microsoft.com/office/drawing/2014/main" id="{4477350B-D6D7-6ADA-B390-E0BBE83A0FDB}"/>
+                  </a:ext>
+                </a:extLst>
+              </p:cNvPr>
+              <p:cNvSpPr txBox="1"/>
+              <p:nvPr/>
+            </p:nvSpPr>
+            <p:spPr>
+              <a:xfrm>
+                <a:off x="22380850" y="7178222"/>
+                <a:ext cx="1923431" cy="769441"/>
+              </a:xfrm>
+              <a:prstGeom prst="rect">
+                <a:avLst/>
+              </a:prstGeom>
+              <a:noFill/>
+            </p:spPr>
+            <p:txBody>
+              <a:bodyPr wrap="square" rtlCol="0">
+                <a:spAutoFit/>
+              </a:bodyPr>
+              <a:lstStyle/>
+              <a:p>
+                <a:r>
+                  <a:rPr lang="en-US" sz="4400" b="1" dirty="0">
+                    <a:solidFill>
+                      <a:srgbClr val="C00000"/>
+                    </a:solidFill>
+                  </a:rPr>
+                  <a:t>DOM</a:t>
+                </a:r>
+                <a:endParaRPr lang="en-US" sz="3600" b="1" dirty="0">
+                  <a:solidFill>
+                    <a:srgbClr val="C00000"/>
+                  </a:solidFill>
+                </a:endParaRPr>
+              </a:p>
+            </p:txBody>
+          </p:sp>
+          <p:sp>
+            <p:nvSpPr>
+              <p:cNvPr id="41" name="TextBox 40">
+                <a:extLst>
+                  <a:ext uri="{FF2B5EF4-FFF2-40B4-BE49-F238E27FC236}">
+                    <a16:creationId xmlns:a16="http://schemas.microsoft.com/office/drawing/2014/main" id="{10C2C235-2512-9DF0-AB2F-D2B1BCF5B95E}"/>
+                  </a:ext>
+                </a:extLst>
+              </p:cNvPr>
+              <p:cNvSpPr txBox="1"/>
+              <p:nvPr/>
+            </p:nvSpPr>
+            <p:spPr>
+              <a:xfrm rot="10800000" flipV="1">
+                <a:off x="15856501" y="7926695"/>
+                <a:ext cx="1108445" cy="461665"/>
+              </a:xfrm>
+              <a:prstGeom prst="rect">
+                <a:avLst/>
+              </a:prstGeom>
+              <a:noFill/>
+              <a:effectLst>
+                <a:glow rad="228600">
+                  <a:schemeClr val="accent6">
+                    <a:satMod val="175000"/>
+                    <a:alpha val="40000"/>
+                  </a:schemeClr>
+                </a:glow>
+              </a:effectLst>
+            </p:spPr>
+            <p:txBody>
+              <a:bodyPr wrap="square" rtlCol="0">
+                <a:spAutoFit/>
+              </a:bodyPr>
+              <a:lstStyle/>
+              <a:p>
+                <a:r>
+                  <a:rPr lang="en-US" sz="2400" b="1" dirty="0">
+                    <a:solidFill>
+                      <a:srgbClr val="C00000"/>
+                    </a:solidFill>
+                  </a:rPr>
+                  <a:t>DOM</a:t>
+                </a:r>
+              </a:p>
+            </p:txBody>
+          </p:sp>
+          <p:sp>
+            <p:nvSpPr>
+              <p:cNvPr id="59" name="Arrow: Down 58">
+                <a:extLst>
+                  <a:ext uri="{FF2B5EF4-FFF2-40B4-BE49-F238E27FC236}">
+                    <a16:creationId xmlns:a16="http://schemas.microsoft.com/office/drawing/2014/main" id="{BF42F833-B97D-10B5-396A-4C426DDB664A}"/>
+                  </a:ext>
+                </a:extLst>
+              </p:cNvPr>
+              <p:cNvSpPr/>
+              <p:nvPr/>
+            </p:nvSpPr>
+            <p:spPr>
+              <a:xfrm rot="13875344">
+                <a:off x="10939837" y="4522882"/>
+                <a:ext cx="1279711" cy="2402425"/>
+              </a:xfrm>
+              <a:prstGeom prst="downArrow">
+                <a:avLst/>
+              </a:prstGeom>
+              <a:solidFill>
+                <a:srgbClr val="C00000"/>
+              </a:solidFill>
+              <a:ln>
+                <a:solidFill>
+                  <a:schemeClr val="tx1"/>
+                </a:solidFill>
+              </a:ln>
+            </p:spPr>
+            <p:style>
+              <a:lnRef idx="2">
+                <a:schemeClr val="accent1">
+                  <a:shade val="50000"/>
+                </a:schemeClr>
+              </a:lnRef>
+              <a:fillRef idx="1">
+                <a:schemeClr val="accent1"/>
+              </a:fillRef>
+              <a:effectRef idx="0">
+                <a:schemeClr val="accent1"/>
+              </a:effectRef>
+              <a:fontRef idx="minor">
+                <a:schemeClr val="lt1"/>
+              </a:fontRef>
+            </p:style>
+            <p:txBody>
+              <a:bodyPr rtlCol="0" anchor="ctr"/>
+              <a:lstStyle/>
+              <a:p>
+                <a:pPr algn="ctr"/>
+                <a:endParaRPr lang="en-US" sz="2800">
+                  <a:solidFill>
+                    <a:srgbClr val="FF0000"/>
+                  </a:solidFill>
+                </a:endParaRPr>
+              </a:p>
+            </p:txBody>
+          </p:sp>
+          <p:sp>
+            <p:nvSpPr>
+              <p:cNvPr id="3" name="TextBox 2">
+                <a:extLst>
+                  <a:ext uri="{FF2B5EF4-FFF2-40B4-BE49-F238E27FC236}">
+                    <a16:creationId xmlns:a16="http://schemas.microsoft.com/office/drawing/2014/main" id="{8A12FAB8-BEFB-3F08-C6D5-DE29840EBC8B}"/>
+                  </a:ext>
+                </a:extLst>
+              </p:cNvPr>
+              <p:cNvSpPr txBox="1"/>
+              <p:nvPr/>
+            </p:nvSpPr>
+            <p:spPr>
+              <a:xfrm>
+                <a:off x="496109" y="3840538"/>
+                <a:ext cx="4744148" cy="584775"/>
+              </a:xfrm>
+              <a:prstGeom prst="rect">
+                <a:avLst/>
+              </a:prstGeom>
+              <a:noFill/>
+            </p:spPr>
+            <p:txBody>
+              <a:bodyPr wrap="square" rtlCol="0">
+                <a:spAutoFit/>
+              </a:bodyPr>
+              <a:lstStyle/>
+              <a:p>
+                <a:pPr algn="ctr"/>
+                <a:r>
+                  <a:rPr lang="en-US" sz="3200" b="1" dirty="0"/>
+                  <a:t>Healthy</a:t>
+                </a:r>
+              </a:p>
+            </p:txBody>
+          </p:sp>
+          <p:sp>
+            <p:nvSpPr>
+              <p:cNvPr id="47" name="TextBox 46">
+                <a:extLst>
+                  <a:ext uri="{FF2B5EF4-FFF2-40B4-BE49-F238E27FC236}">
+                    <a16:creationId xmlns:a16="http://schemas.microsoft.com/office/drawing/2014/main" id="{D1DCC34F-0A60-CEA6-CFA2-4276612D79BF}"/>
+                  </a:ext>
+                </a:extLst>
+              </p:cNvPr>
+              <p:cNvSpPr txBox="1"/>
+              <p:nvPr/>
+            </p:nvSpPr>
+            <p:spPr>
+              <a:xfrm>
+                <a:off x="14109781" y="550470"/>
+                <a:ext cx="4092104" cy="584775"/>
+              </a:xfrm>
+              <a:prstGeom prst="rect">
+                <a:avLst/>
+              </a:prstGeom>
+              <a:noFill/>
+            </p:spPr>
+            <p:txBody>
+              <a:bodyPr wrap="square" rtlCol="0">
+                <a:spAutoFit/>
+              </a:bodyPr>
+              <a:lstStyle/>
+              <a:p>
+                <a:pPr algn="ctr"/>
+                <a:r>
+                  <a:rPr lang="en-US" sz="3200" b="1" dirty="0" err="1">
+                    <a:solidFill>
+                      <a:srgbClr val="C00000"/>
+                    </a:solidFill>
+                  </a:rPr>
+                  <a:t>Microbialized</a:t>
+                </a:r>
+                <a:endParaRPr lang="en-US" sz="3600" b="1" dirty="0">
+                  <a:solidFill>
+                    <a:srgbClr val="C00000"/>
+                  </a:solidFill>
+                </a:endParaRPr>
+              </a:p>
+            </p:txBody>
+          </p:sp>
+          <p:sp>
+            <p:nvSpPr>
+              <p:cNvPr id="28" name="TextBox 27">
+                <a:extLst>
+                  <a:ext uri="{FF2B5EF4-FFF2-40B4-BE49-F238E27FC236}">
+                    <a16:creationId xmlns:a16="http://schemas.microsoft.com/office/drawing/2014/main" id="{89A67D55-1A79-ABE4-6ACD-DA72895C5E15}"/>
+                  </a:ext>
+                </a:extLst>
+              </p:cNvPr>
+              <p:cNvSpPr txBox="1"/>
+              <p:nvPr/>
+            </p:nvSpPr>
+            <p:spPr>
+              <a:xfrm rot="5400000">
+                <a:off x="23789304" y="16700007"/>
+                <a:ext cx="3104120" cy="1323439"/>
+              </a:xfrm>
+              <a:prstGeom prst="rect">
+                <a:avLst/>
+              </a:prstGeom>
+              <a:noFill/>
+            </p:spPr>
+            <p:txBody>
+              <a:bodyPr wrap="square" rtlCol="0">
+                <a:spAutoFit/>
+              </a:bodyPr>
+              <a:lstStyle/>
+              <a:p>
+                <a:pPr algn="ctr"/>
+                <a:r>
+                  <a:rPr lang="en-US" sz="4000" dirty="0">
+                    <a:solidFill>
+                      <a:srgbClr val="CD2626"/>
+                    </a:solidFill>
+                  </a:rPr>
+                  <a:t>Temperature stress</a:t>
+                </a:r>
+                <a:endParaRPr lang="en-US" sz="3600" dirty="0">
+                  <a:solidFill>
+                    <a:srgbClr val="CD2626"/>
+                  </a:solidFill>
+                </a:endParaRPr>
+              </a:p>
+            </p:txBody>
+          </p:sp>
+          <p:sp>
+            <p:nvSpPr>
+              <p:cNvPr id="29" name="TextBox 28">
+                <a:extLst>
+                  <a:ext uri="{FF2B5EF4-FFF2-40B4-BE49-F238E27FC236}">
+                    <a16:creationId xmlns:a16="http://schemas.microsoft.com/office/drawing/2014/main" id="{6CCDEB7F-FE22-B44C-63C3-C79B2BFD02E2}"/>
+                  </a:ext>
+                </a:extLst>
+              </p:cNvPr>
+              <p:cNvSpPr txBox="1"/>
+              <p:nvPr/>
+            </p:nvSpPr>
+            <p:spPr>
+              <a:xfrm>
+                <a:off x="12227103" y="21432033"/>
+                <a:ext cx="2585363" cy="769441"/>
+              </a:xfrm>
+              <a:prstGeom prst="rect">
+                <a:avLst/>
+              </a:prstGeom>
+              <a:noFill/>
+            </p:spPr>
+            <p:txBody>
+              <a:bodyPr wrap="square" rtlCol="0">
+                <a:spAutoFit/>
+              </a:bodyPr>
+              <a:lstStyle/>
+              <a:p>
+                <a:pPr algn="ctr"/>
+                <a:r>
+                  <a:rPr lang="en-US" sz="4400" dirty="0"/>
+                  <a:t>Time</a:t>
+                </a:r>
+                <a:endParaRPr lang="en-US" sz="5400" dirty="0"/>
+              </a:p>
+            </p:txBody>
+          </p:sp>
+          <p:grpSp>
+            <p:nvGrpSpPr>
+              <p:cNvPr id="51" name="Group 50">
+                <a:extLst>
+                  <a:ext uri="{FF2B5EF4-FFF2-40B4-BE49-F238E27FC236}">
+                    <a16:creationId xmlns:a16="http://schemas.microsoft.com/office/drawing/2014/main" id="{6EBD8620-1055-E3D7-324A-794CC1986EA4}"/>
+                  </a:ext>
+                </a:extLst>
+              </p:cNvPr>
+              <p:cNvGrpSpPr/>
+              <p:nvPr/>
+            </p:nvGrpSpPr>
+            <p:grpSpPr>
+              <a:xfrm>
+                <a:off x="1211653" y="13997021"/>
+                <a:ext cx="23382859" cy="7503406"/>
+                <a:chOff x="2868183" y="17457166"/>
+                <a:chExt cx="20321051" cy="6238577"/>
+              </a:xfrm>
+            </p:grpSpPr>
+            <p:pic>
+              <p:nvPicPr>
+                <p:cNvPr id="49" name="Picture 48" descr="Chart&#10;&#10;Description automatically generated">
+                  <a:extLst>
+                    <a:ext uri="{FF2B5EF4-FFF2-40B4-BE49-F238E27FC236}">
+                      <a16:creationId xmlns:a16="http://schemas.microsoft.com/office/drawing/2014/main" id="{88263C26-BCC9-3A07-91DF-EA57DA49FAED}"/>
+                    </a:ext>
+                  </a:extLst>
+                </p:cNvPr>
+                <p:cNvPicPr>
+                  <a:picLocks noChangeAspect="1"/>
+                </p:cNvPicPr>
+                <p:nvPr/>
+              </p:nvPicPr>
+              <p:blipFill rotWithShape="1">
+                <a:blip r:embed="rId5">
+                  <a:extLst>
+                    <a:ext uri="{28A0092B-C50C-407E-A947-70E740481C1C}">
+                      <a14:useLocalDpi xmlns:a14="http://schemas.microsoft.com/office/drawing/2010/main" val="0"/>
+                    </a:ext>
+                  </a:extLst>
+                </a:blip>
+                <a:srcRect r="94397"/>
+                <a:stretch/>
+              </p:blipFill>
+              <p:spPr>
+                <a:xfrm>
+                  <a:off x="2868183" y="17457166"/>
+                  <a:ext cx="1398256" cy="6238577"/>
+                </a:xfrm>
+                <a:prstGeom prst="rect">
+                  <a:avLst/>
+                </a:prstGeom>
+              </p:spPr>
+            </p:pic>
+            <p:pic>
+              <p:nvPicPr>
+                <p:cNvPr id="50" name="Picture 49" descr="Chart&#10;&#10;Description automatically generated">
+                  <a:extLst>
+                    <a:ext uri="{FF2B5EF4-FFF2-40B4-BE49-F238E27FC236}">
+                      <a16:creationId xmlns:a16="http://schemas.microsoft.com/office/drawing/2014/main" id="{4DF5DCD5-0452-1A59-58DF-6865355D9A24}"/>
+                    </a:ext>
+                  </a:extLst>
+                </p:cNvPr>
+                <p:cNvPicPr>
+                  <a:picLocks noChangeAspect="1"/>
+                </p:cNvPicPr>
+                <p:nvPr/>
+              </p:nvPicPr>
+              <p:blipFill rotWithShape="1">
+                <a:blip r:embed="rId5">
+                  <a:extLst>
+                    <a:ext uri="{28A0092B-C50C-407E-A947-70E740481C1C}">
+                      <a14:useLocalDpi xmlns:a14="http://schemas.microsoft.com/office/drawing/2010/main" val="0"/>
+                    </a:ext>
+                  </a:extLst>
+                </a:blip>
+                <a:srcRect l="15631" r="8257"/>
+                <a:stretch/>
+              </p:blipFill>
+              <p:spPr>
+                <a:xfrm>
+                  <a:off x="4195950" y="17457166"/>
+                  <a:ext cx="18993284" cy="6238577"/>
+                </a:xfrm>
+                <a:prstGeom prst="rect">
+                  <a:avLst/>
+                </a:prstGeom>
+              </p:spPr>
+            </p:pic>
+          </p:grpSp>
+          <p:cxnSp>
+            <p:nvCxnSpPr>
+              <p:cNvPr id="22" name="Straight Connector 21">
+                <a:extLst>
+                  <a:ext uri="{FF2B5EF4-FFF2-40B4-BE49-F238E27FC236}">
+                    <a16:creationId xmlns:a16="http://schemas.microsoft.com/office/drawing/2014/main" id="{BAE23B92-A9EC-B7F3-F3C2-DDC5D66953B9}"/>
+                  </a:ext>
+                </a:extLst>
+              </p:cNvPr>
+              <p:cNvCxnSpPr>
+                <a:cxnSpLocks/>
+              </p:cNvCxnSpPr>
+              <p:nvPr/>
+            </p:nvCxnSpPr>
+            <p:spPr>
+              <a:xfrm>
+                <a:off x="24594512" y="13997021"/>
+                <a:ext cx="0" cy="7218699"/>
+              </a:xfrm>
+              <a:prstGeom prst="line">
+                <a:avLst/>
+              </a:prstGeom>
+              <a:ln w="38100">
+                <a:solidFill>
+                  <a:srgbClr val="C00000"/>
+                </a:solidFill>
+              </a:ln>
+            </p:spPr>
+            <p:style>
+              <a:lnRef idx="1">
+                <a:schemeClr val="dk1"/>
+              </a:lnRef>
+              <a:fillRef idx="0">
+                <a:schemeClr val="dk1"/>
+              </a:fillRef>
+              <a:effectRef idx="0">
+                <a:schemeClr val="dk1"/>
+              </a:effectRef>
+              <a:fontRef idx="minor">
+                <a:schemeClr val="tx1"/>
+              </a:fontRef>
+            </p:style>
+          </p:cxnSp>
+          <p:cxnSp>
+            <p:nvCxnSpPr>
+              <p:cNvPr id="53" name="Straight Connector 52">
+                <a:extLst>
+                  <a:ext uri="{FF2B5EF4-FFF2-40B4-BE49-F238E27FC236}">
+                    <a16:creationId xmlns:a16="http://schemas.microsoft.com/office/drawing/2014/main" id="{19E67042-1E55-80DE-5B02-D403DC209A04}"/>
+                  </a:ext>
+                </a:extLst>
+              </p:cNvPr>
+              <p:cNvCxnSpPr>
+                <a:cxnSpLocks/>
+              </p:cNvCxnSpPr>
+              <p:nvPr/>
+            </p:nvCxnSpPr>
+            <p:spPr>
+              <a:xfrm>
+                <a:off x="3363997" y="20716500"/>
+                <a:ext cx="2529582" cy="0"/>
+              </a:xfrm>
+              <a:prstGeom prst="line">
+                <a:avLst/>
+              </a:prstGeom>
+              <a:ln w="76200">
+                <a:solidFill>
+                  <a:srgbClr val="CD2626"/>
+                </a:solidFill>
+              </a:ln>
+            </p:spPr>
+            <p:style>
+              <a:lnRef idx="1">
+                <a:schemeClr val="accent1"/>
+              </a:lnRef>
+              <a:fillRef idx="0">
+                <a:schemeClr val="accent1"/>
+              </a:fillRef>
+              <a:effectRef idx="0">
+                <a:schemeClr val="accent1"/>
+              </a:effectRef>
+              <a:fontRef idx="minor">
+                <a:schemeClr val="tx1"/>
+              </a:fontRef>
+            </p:style>
+          </p:cxnSp>
+          <p:cxnSp>
+            <p:nvCxnSpPr>
+              <p:cNvPr id="54" name="Straight Connector 53">
+                <a:extLst>
+                  <a:ext uri="{FF2B5EF4-FFF2-40B4-BE49-F238E27FC236}">
+                    <a16:creationId xmlns:a16="http://schemas.microsoft.com/office/drawing/2014/main" id="{F88F2714-6EF8-1DF8-8DAD-977161355B4B}"/>
+                  </a:ext>
+                </a:extLst>
+              </p:cNvPr>
+              <p:cNvCxnSpPr>
+                <a:cxnSpLocks/>
+              </p:cNvCxnSpPr>
+              <p:nvPr/>
+            </p:nvCxnSpPr>
+            <p:spPr>
+              <a:xfrm flipV="1">
+                <a:off x="5893578" y="14843325"/>
+                <a:ext cx="8849885" cy="5873175"/>
+              </a:xfrm>
+              <a:prstGeom prst="line">
+                <a:avLst/>
+              </a:prstGeom>
+              <a:ln w="76200">
+                <a:solidFill>
+                  <a:srgbClr val="CD2626"/>
+                </a:solidFill>
+              </a:ln>
+            </p:spPr>
+            <p:style>
+              <a:lnRef idx="1">
+                <a:schemeClr val="accent1"/>
+              </a:lnRef>
+              <a:fillRef idx="0">
+                <a:schemeClr val="accent1"/>
+              </a:fillRef>
+              <a:effectRef idx="0">
+                <a:schemeClr val="accent1"/>
+              </a:effectRef>
+              <a:fontRef idx="minor">
+                <a:schemeClr val="tx1"/>
+              </a:fontRef>
+            </p:style>
+          </p:cxnSp>
+          <p:cxnSp>
+            <p:nvCxnSpPr>
+              <p:cNvPr id="61" name="Straight Connector 60">
+                <a:extLst>
+                  <a:ext uri="{FF2B5EF4-FFF2-40B4-BE49-F238E27FC236}">
+                    <a16:creationId xmlns:a16="http://schemas.microsoft.com/office/drawing/2014/main" id="{30275821-880B-D496-C1EA-2EDC2C20E88A}"/>
+                  </a:ext>
+                </a:extLst>
+              </p:cNvPr>
+              <p:cNvCxnSpPr>
+                <a:cxnSpLocks/>
+              </p:cNvCxnSpPr>
+              <p:nvPr/>
+            </p:nvCxnSpPr>
+            <p:spPr>
+              <a:xfrm>
+                <a:off x="14743463" y="14843325"/>
+                <a:ext cx="5079423" cy="0"/>
+              </a:xfrm>
+              <a:prstGeom prst="line">
+                <a:avLst/>
+              </a:prstGeom>
+              <a:ln w="76200">
+                <a:solidFill>
+                  <a:srgbClr val="CD2626"/>
+                </a:solidFill>
+              </a:ln>
+            </p:spPr>
+            <p:style>
+              <a:lnRef idx="1">
+                <a:schemeClr val="accent1"/>
+              </a:lnRef>
+              <a:fillRef idx="0">
+                <a:schemeClr val="accent1"/>
+              </a:fillRef>
+              <a:effectRef idx="0">
+                <a:schemeClr val="accent1"/>
+              </a:effectRef>
+              <a:fontRef idx="minor">
+                <a:schemeClr val="tx1"/>
+              </a:fontRef>
+            </p:style>
+          </p:cxnSp>
+          <p:cxnSp>
+            <p:nvCxnSpPr>
+              <p:cNvPr id="63" name="Straight Connector 62">
+                <a:extLst>
+                  <a:ext uri="{FF2B5EF4-FFF2-40B4-BE49-F238E27FC236}">
+                    <a16:creationId xmlns:a16="http://schemas.microsoft.com/office/drawing/2014/main" id="{AD754C0A-0B94-A178-72D3-829D6216204F}"/>
+                  </a:ext>
+                </a:extLst>
+              </p:cNvPr>
+              <p:cNvCxnSpPr>
+                <a:cxnSpLocks/>
+              </p:cNvCxnSpPr>
+              <p:nvPr/>
+            </p:nvCxnSpPr>
+            <p:spPr>
+              <a:xfrm>
+                <a:off x="19757571" y="14859000"/>
+                <a:ext cx="4833258" cy="5976257"/>
+              </a:xfrm>
+              <a:prstGeom prst="line">
+                <a:avLst/>
+              </a:prstGeom>
+              <a:ln w="76200">
+                <a:solidFill>
+                  <a:srgbClr val="CD2626"/>
+                </a:solidFill>
+              </a:ln>
+            </p:spPr>
+            <p:style>
+              <a:lnRef idx="1">
+                <a:schemeClr val="accent1"/>
+              </a:lnRef>
+              <a:fillRef idx="0">
+                <a:schemeClr val="accent1"/>
+              </a:fillRef>
+              <a:effectRef idx="0">
+                <a:schemeClr val="accent1"/>
+              </a:effectRef>
+              <a:fontRef idx="minor">
+                <a:schemeClr val="tx1"/>
+              </a:fontRef>
+            </p:style>
+          </p:cxnSp>
+          <p:sp>
+            <p:nvSpPr>
+              <p:cNvPr id="52" name="Arrow: Down 51">
+                <a:extLst>
+                  <a:ext uri="{FF2B5EF4-FFF2-40B4-BE49-F238E27FC236}">
+                    <a16:creationId xmlns:a16="http://schemas.microsoft.com/office/drawing/2014/main" id="{F1C22E97-04AB-241E-39A7-F333B21CD10E}"/>
+                  </a:ext>
+                </a:extLst>
+              </p:cNvPr>
+              <p:cNvSpPr/>
+              <p:nvPr/>
+            </p:nvSpPr>
+            <p:spPr>
+              <a:xfrm rot="10800000" flipH="1">
+                <a:off x="15858982" y="6290747"/>
+                <a:ext cx="706714" cy="1326728"/>
+              </a:xfrm>
+              <a:prstGeom prst="downArrow">
+                <a:avLst/>
+              </a:prstGeom>
+              <a:solidFill>
+                <a:srgbClr val="C00000"/>
+              </a:solidFill>
+              <a:ln>
+                <a:solidFill>
+                  <a:schemeClr val="tx1"/>
+                </a:solidFill>
+              </a:ln>
+            </p:spPr>
+            <p:style>
+              <a:lnRef idx="2">
+                <a:schemeClr val="accent1">
+                  <a:shade val="50000"/>
+                </a:schemeClr>
+              </a:lnRef>
+              <a:fillRef idx="1">
+                <a:schemeClr val="accent1"/>
+              </a:fillRef>
+              <a:effectRef idx="0">
+                <a:schemeClr val="accent1"/>
+              </a:effectRef>
+              <a:fontRef idx="minor">
+                <a:schemeClr val="lt1"/>
+              </a:fontRef>
+            </p:style>
+            <p:txBody>
+              <a:bodyPr rtlCol="0" anchor="ctr"/>
+              <a:lstStyle/>
+              <a:p>
+                <a:pPr algn="ctr"/>
+                <a:endParaRPr lang="en-US" sz="2800">
+                  <a:solidFill>
+                    <a:srgbClr val="FF0000"/>
+                  </a:solidFill>
+                </a:endParaRPr>
+              </a:p>
+            </p:txBody>
+          </p:sp>
+          <p:sp>
+            <p:nvSpPr>
+              <p:cNvPr id="55" name="Arrow: Down 54">
+                <a:extLst>
+                  <a:ext uri="{FF2B5EF4-FFF2-40B4-BE49-F238E27FC236}">
+                    <a16:creationId xmlns:a16="http://schemas.microsoft.com/office/drawing/2014/main" id="{8AD619CB-61EC-5687-BED9-458A9DA4AE43}"/>
+                  </a:ext>
+                </a:extLst>
+              </p:cNvPr>
+              <p:cNvSpPr/>
+              <p:nvPr/>
+            </p:nvSpPr>
+            <p:spPr>
+              <a:xfrm rot="8170142" flipH="1">
+                <a:off x="20858217" y="5441818"/>
+                <a:ext cx="529357" cy="993773"/>
+              </a:xfrm>
+              <a:prstGeom prst="downArrow">
+                <a:avLst/>
+              </a:prstGeom>
+              <a:solidFill>
+                <a:srgbClr val="C00000"/>
+              </a:solidFill>
+              <a:ln>
+                <a:solidFill>
+                  <a:schemeClr val="tx1"/>
+                </a:solidFill>
+              </a:ln>
+            </p:spPr>
+            <p:style>
+              <a:lnRef idx="2">
+                <a:schemeClr val="accent1">
+                  <a:shade val="50000"/>
+                </a:schemeClr>
+              </a:lnRef>
+              <a:fillRef idx="1">
+                <a:schemeClr val="accent1"/>
+              </a:fillRef>
+              <a:effectRef idx="0">
+                <a:schemeClr val="accent1"/>
+              </a:effectRef>
+              <a:fontRef idx="minor">
+                <a:schemeClr val="lt1"/>
+              </a:fontRef>
+            </p:style>
+            <p:txBody>
+              <a:bodyPr rtlCol="0" anchor="ctr"/>
+              <a:lstStyle/>
+              <a:p>
+                <a:pPr algn="ctr"/>
+                <a:endParaRPr lang="en-US" sz="2800">
+                  <a:solidFill>
+                    <a:srgbClr val="FF0000"/>
+                  </a:solidFill>
+                </a:endParaRPr>
+              </a:p>
+            </p:txBody>
+          </p:sp>
+          <p:sp>
+            <p:nvSpPr>
+              <p:cNvPr id="56" name="Arrow: Down 55">
+                <a:extLst>
+                  <a:ext uri="{FF2B5EF4-FFF2-40B4-BE49-F238E27FC236}">
+                    <a16:creationId xmlns:a16="http://schemas.microsoft.com/office/drawing/2014/main" id="{A0E5B703-2BB7-3584-68AD-B1B92018D076}"/>
+                  </a:ext>
+                </a:extLst>
+              </p:cNvPr>
+              <p:cNvSpPr/>
+              <p:nvPr/>
+            </p:nvSpPr>
+            <p:spPr>
+              <a:xfrm rot="10800000" flipH="1">
+                <a:off x="2711040" y="6453250"/>
+                <a:ext cx="373046" cy="700327"/>
+              </a:xfrm>
+              <a:prstGeom prst="downArrow">
+                <a:avLst/>
+              </a:prstGeom>
+              <a:noFill/>
+              <a:ln>
+                <a:solidFill>
+                  <a:schemeClr val="tx1"/>
+                </a:solidFill>
+              </a:ln>
+            </p:spPr>
+            <p:style>
+              <a:lnRef idx="2">
+                <a:schemeClr val="accent1">
+                  <a:shade val="50000"/>
+                </a:schemeClr>
+              </a:lnRef>
+              <a:fillRef idx="1">
+                <a:schemeClr val="accent1"/>
+              </a:fillRef>
+              <a:effectRef idx="0">
+                <a:schemeClr val="accent1"/>
+              </a:effectRef>
+              <a:fontRef idx="minor">
+                <a:schemeClr val="lt1"/>
+              </a:fontRef>
+            </p:style>
+            <p:txBody>
+              <a:bodyPr rtlCol="0" anchor="ctr"/>
+              <a:lstStyle/>
+              <a:p>
+                <a:pPr algn="ctr"/>
+                <a:endParaRPr lang="en-US" sz="2800">
+                  <a:solidFill>
+                    <a:srgbClr val="FF0000"/>
+                  </a:solidFill>
+                </a:endParaRPr>
+              </a:p>
+            </p:txBody>
+          </p:sp>
+          <p:cxnSp>
+            <p:nvCxnSpPr>
+              <p:cNvPr id="162" name="Straight Connector 161">
+                <a:extLst>
+                  <a:ext uri="{FF2B5EF4-FFF2-40B4-BE49-F238E27FC236}">
+                    <a16:creationId xmlns:a16="http://schemas.microsoft.com/office/drawing/2014/main" id="{18FC2C1E-1543-759E-84B6-C3EABF1DF101}"/>
+                  </a:ext>
+                </a:extLst>
+              </p:cNvPr>
+              <p:cNvCxnSpPr>
+                <a:cxnSpLocks/>
+              </p:cNvCxnSpPr>
+              <p:nvPr/>
+            </p:nvCxnSpPr>
+            <p:spPr>
+              <a:xfrm flipH="1">
+                <a:off x="5893579" y="1717791"/>
+                <a:ext cx="76449" cy="19497929"/>
+              </a:xfrm>
+              <a:prstGeom prst="line">
+                <a:avLst/>
+              </a:prstGeom>
+              <a:ln w="76200">
+                <a:solidFill>
+                  <a:srgbClr val="C00000"/>
+                </a:solidFill>
+                <a:prstDash val="dash"/>
+              </a:ln>
+            </p:spPr>
+            <p:style>
+              <a:lnRef idx="1">
+                <a:schemeClr val="accent1"/>
+              </a:lnRef>
+              <a:fillRef idx="0">
+                <a:schemeClr val="accent1"/>
+              </a:fillRef>
+              <a:effectRef idx="0">
+                <a:schemeClr val="accent1"/>
+              </a:effectRef>
+              <a:fontRef idx="minor">
+                <a:schemeClr val="tx1"/>
+              </a:fontRef>
+            </p:style>
+          </p:cxnSp>
+          <p:sp>
+            <p:nvSpPr>
+              <p:cNvPr id="169" name="Arc 168">
+                <a:extLst>
+                  <a:ext uri="{FF2B5EF4-FFF2-40B4-BE49-F238E27FC236}">
+                    <a16:creationId xmlns:a16="http://schemas.microsoft.com/office/drawing/2014/main" id="{57CB802F-B0D1-1A70-39B5-9186A5E5C120}"/>
+                  </a:ext>
+                </a:extLst>
+              </p:cNvPr>
+              <p:cNvSpPr/>
+              <p:nvPr/>
+            </p:nvSpPr>
+            <p:spPr>
+              <a:xfrm rot="18486030">
+                <a:off x="12359215" y="2560108"/>
+                <a:ext cx="9724802" cy="6613058"/>
+              </a:xfrm>
+              <a:prstGeom prst="arc">
+                <a:avLst>
+                  <a:gd name="adj1" fmla="val 11271281"/>
+                  <a:gd name="adj2" fmla="val 14689392"/>
+                </a:avLst>
+              </a:prstGeom>
+              <a:ln w="254000">
+                <a:solidFill>
+                  <a:schemeClr val="tx2">
+                    <a:lumMod val="60000"/>
+                    <a:lumOff val="40000"/>
+                  </a:schemeClr>
+                </a:solidFill>
+                <a:headEnd type="stealth" w="med" len="med"/>
+                <a:tailEnd type="none" w="med" len="med"/>
+              </a:ln>
+            </p:spPr>
+            <p:style>
+              <a:lnRef idx="1">
+                <a:schemeClr val="accent1"/>
+              </a:lnRef>
+              <a:fillRef idx="0">
+                <a:schemeClr val="accent1"/>
+              </a:fillRef>
+              <a:effectRef idx="0">
+                <a:schemeClr val="accent1"/>
+              </a:effectRef>
+              <a:fontRef idx="minor">
+                <a:schemeClr val="tx1"/>
+              </a:fontRef>
+            </p:style>
+            <p:txBody>
+              <a:bodyPr rtlCol="0" anchor="ctr"/>
+              <a:lstStyle/>
+              <a:p>
+                <a:pPr algn="ctr"/>
+                <a:endParaRPr lang="en-NL"/>
+              </a:p>
+            </p:txBody>
+          </p:sp>
+          <p:sp>
+            <p:nvSpPr>
+              <p:cNvPr id="208" name="TextBox 207">
+                <a:extLst>
+                  <a:ext uri="{FF2B5EF4-FFF2-40B4-BE49-F238E27FC236}">
+                    <a16:creationId xmlns:a16="http://schemas.microsoft.com/office/drawing/2014/main" id="{54AA77C7-B4D2-11AE-233F-6AEA58F7C819}"/>
+                  </a:ext>
+                </a:extLst>
+              </p:cNvPr>
+              <p:cNvSpPr txBox="1"/>
+              <p:nvPr/>
+            </p:nvSpPr>
+            <p:spPr>
+              <a:xfrm>
+                <a:off x="6924732" y="3354872"/>
+                <a:ext cx="2983441" cy="1358373"/>
+              </a:xfrm>
+              <a:prstGeom prst="rect">
+                <a:avLst/>
+              </a:prstGeom>
+              <a:solidFill>
+                <a:srgbClr val="C00000"/>
+              </a:solidFill>
+            </p:spPr>
+            <p:txBody>
+              <a:bodyPr wrap="square" rtlCol="0">
+                <a:spAutoFit/>
+              </a:bodyPr>
+              <a:lstStyle/>
+              <a:p>
+                <a:pPr algn="ctr"/>
+                <a:r>
+                  <a:rPr lang="en-US" sz="4000" b="1" dirty="0">
+                    <a:solidFill>
+                      <a:schemeClr val="bg1"/>
+                    </a:solidFill>
+                  </a:rPr>
+                  <a:t>Hypoxia, disease </a:t>
+                </a:r>
+              </a:p>
+            </p:txBody>
+          </p:sp>
+          <p:sp>
+            <p:nvSpPr>
+              <p:cNvPr id="171" name="Arc 170">
+                <a:extLst>
+                  <a:ext uri="{FF2B5EF4-FFF2-40B4-BE49-F238E27FC236}">
+                    <a16:creationId xmlns:a16="http://schemas.microsoft.com/office/drawing/2014/main" id="{05461F58-FBD5-24F1-46CF-22258624B25A}"/>
+                  </a:ext>
+                </a:extLst>
+              </p:cNvPr>
+              <p:cNvSpPr/>
+              <p:nvPr/>
+            </p:nvSpPr>
+            <p:spPr>
+              <a:xfrm rot="12456759" flipV="1">
+                <a:off x="11466583" y="4991481"/>
+                <a:ext cx="9724802" cy="5255800"/>
+              </a:xfrm>
+              <a:prstGeom prst="arc">
+                <a:avLst>
+                  <a:gd name="adj1" fmla="val 11497846"/>
+                  <a:gd name="adj2" fmla="val 15289800"/>
+                </a:avLst>
+              </a:prstGeom>
+              <a:ln w="254000">
+                <a:solidFill>
+                  <a:schemeClr val="tx2">
+                    <a:lumMod val="60000"/>
+                    <a:lumOff val="40000"/>
+                  </a:schemeClr>
+                </a:solidFill>
+                <a:headEnd type="stealth" w="med" len="med"/>
+                <a:tailEnd type="none" w="med" len="med"/>
+              </a:ln>
+            </p:spPr>
+            <p:style>
+              <a:lnRef idx="1">
+                <a:schemeClr val="accent1"/>
+              </a:lnRef>
+              <a:fillRef idx="0">
+                <a:schemeClr val="accent1"/>
+              </a:fillRef>
+              <a:effectRef idx="0">
+                <a:schemeClr val="accent1"/>
+              </a:effectRef>
+              <a:fontRef idx="minor">
+                <a:schemeClr val="tx1"/>
+              </a:fontRef>
+            </p:style>
+            <p:txBody>
+              <a:bodyPr rtlCol="0" anchor="ctr"/>
+              <a:lstStyle/>
+              <a:p>
+                <a:pPr algn="ctr"/>
+                <a:endParaRPr lang="en-NL"/>
+              </a:p>
+            </p:txBody>
+          </p:sp>
+          <p:sp>
+            <p:nvSpPr>
+              <p:cNvPr id="172" name="Arrow: Down 31">
+                <a:extLst>
+                  <a:ext uri="{FF2B5EF4-FFF2-40B4-BE49-F238E27FC236}">
+                    <a16:creationId xmlns:a16="http://schemas.microsoft.com/office/drawing/2014/main" id="{C0424ED8-1387-AFE0-0F0F-12AAD36AA77F}"/>
+                  </a:ext>
+                </a:extLst>
+              </p:cNvPr>
+              <p:cNvSpPr/>
+              <p:nvPr/>
+            </p:nvSpPr>
+            <p:spPr>
+              <a:xfrm rot="10610240">
+                <a:off x="8786779" y="7553679"/>
+                <a:ext cx="713623" cy="1203704"/>
+              </a:xfrm>
+              <a:prstGeom prst="downArrow">
+                <a:avLst/>
+              </a:prstGeom>
+              <a:solidFill>
+                <a:schemeClr val="bg1"/>
+              </a:solidFill>
+              <a:ln>
+                <a:solidFill>
+                  <a:schemeClr val="tx1"/>
+                </a:solidFill>
+              </a:ln>
+              <a:effectLst>
+                <a:glow rad="228600">
+                  <a:srgbClr val="C00000">
+                    <a:alpha val="40000"/>
+                  </a:srgbClr>
+                </a:glow>
+              </a:effectLst>
+            </p:spPr>
+            <p:style>
+              <a:lnRef idx="2">
+                <a:schemeClr val="accent1">
+                  <a:shade val="50000"/>
+                </a:schemeClr>
+              </a:lnRef>
+              <a:fillRef idx="1">
+                <a:schemeClr val="accent1"/>
+              </a:fillRef>
+              <a:effectRef idx="0">
+                <a:schemeClr val="accent1"/>
+              </a:effectRef>
+              <a:fontRef idx="minor">
+                <a:schemeClr val="lt1"/>
+              </a:fontRef>
+            </p:style>
+            <p:txBody>
+              <a:bodyPr rtlCol="0" anchor="ctr"/>
+              <a:lstStyle/>
+              <a:p>
+                <a:pPr algn="ctr"/>
+                <a:endParaRPr lang="en-US" sz="2800" dirty="0">
+                  <a:solidFill>
+                    <a:srgbClr val="FF0000"/>
+                  </a:solidFill>
+                </a:endParaRPr>
+              </a:p>
+            </p:txBody>
+          </p:sp>
+          <p:sp>
+            <p:nvSpPr>
+              <p:cNvPr id="173" name="Arrow: Down 31">
+                <a:extLst>
+                  <a:ext uri="{FF2B5EF4-FFF2-40B4-BE49-F238E27FC236}">
+                    <a16:creationId xmlns:a16="http://schemas.microsoft.com/office/drawing/2014/main" id="{68DFB761-C173-B22B-2D2F-082797EA0353}"/>
+                  </a:ext>
+                </a:extLst>
+              </p:cNvPr>
+              <p:cNvSpPr/>
+              <p:nvPr/>
+            </p:nvSpPr>
+            <p:spPr>
+              <a:xfrm rot="10964048">
+                <a:off x="9624977" y="7528280"/>
+                <a:ext cx="713623" cy="1203704"/>
+              </a:xfrm>
+              <a:prstGeom prst="downArrow">
+                <a:avLst/>
+              </a:prstGeom>
+              <a:solidFill>
+                <a:schemeClr val="bg1"/>
+              </a:solidFill>
+              <a:ln>
+                <a:solidFill>
+                  <a:schemeClr val="tx1"/>
+                </a:solidFill>
+              </a:ln>
+              <a:effectLst>
+                <a:glow rad="228600">
+                  <a:srgbClr val="C00000">
+                    <a:alpha val="40000"/>
+                  </a:srgbClr>
+                </a:glow>
+              </a:effectLst>
+            </p:spPr>
+            <p:style>
+              <a:lnRef idx="2">
+                <a:schemeClr val="accent1">
+                  <a:shade val="50000"/>
+                </a:schemeClr>
+              </a:lnRef>
+              <a:fillRef idx="1">
+                <a:schemeClr val="accent1"/>
+              </a:fillRef>
+              <a:effectRef idx="0">
+                <a:schemeClr val="accent1"/>
+              </a:effectRef>
+              <a:fontRef idx="minor">
+                <a:schemeClr val="lt1"/>
+              </a:fontRef>
+            </p:style>
+            <p:txBody>
+              <a:bodyPr rtlCol="0" anchor="ctr"/>
+              <a:lstStyle/>
+              <a:p>
+                <a:pPr algn="ctr"/>
+                <a:endParaRPr lang="en-US" sz="2800">
+                  <a:solidFill>
+                    <a:srgbClr val="FF0000"/>
+                  </a:solidFill>
+                </a:endParaRPr>
+              </a:p>
+            </p:txBody>
+          </p:sp>
+          <p:sp>
+            <p:nvSpPr>
+              <p:cNvPr id="174" name="Arrow: Down 31">
+                <a:extLst>
+                  <a:ext uri="{FF2B5EF4-FFF2-40B4-BE49-F238E27FC236}">
+                    <a16:creationId xmlns:a16="http://schemas.microsoft.com/office/drawing/2014/main" id="{20AA80E5-6E59-FA6C-DF52-AAF7574FAB6F}"/>
+                  </a:ext>
+                </a:extLst>
+              </p:cNvPr>
+              <p:cNvSpPr/>
+              <p:nvPr/>
+            </p:nvSpPr>
+            <p:spPr>
+              <a:xfrm rot="12262398">
+                <a:off x="10513976" y="7680678"/>
+                <a:ext cx="713623" cy="1203704"/>
+              </a:xfrm>
+              <a:prstGeom prst="downArrow">
+                <a:avLst/>
+              </a:prstGeom>
+              <a:solidFill>
+                <a:schemeClr val="bg1"/>
+              </a:solidFill>
+              <a:ln>
+                <a:solidFill>
+                  <a:schemeClr val="tx1"/>
+                </a:solidFill>
+              </a:ln>
+              <a:effectLst>
+                <a:glow rad="228600">
+                  <a:srgbClr val="C00000">
+                    <a:alpha val="40000"/>
+                  </a:srgbClr>
+                </a:glow>
+              </a:effectLst>
+            </p:spPr>
+            <p:style>
+              <a:lnRef idx="2">
+                <a:schemeClr val="accent1">
+                  <a:shade val="50000"/>
+                </a:schemeClr>
+              </a:lnRef>
+              <a:fillRef idx="1">
+                <a:schemeClr val="accent1"/>
+              </a:fillRef>
+              <a:effectRef idx="0">
+                <a:schemeClr val="accent1"/>
+              </a:effectRef>
+              <a:fontRef idx="minor">
+                <a:schemeClr val="lt1"/>
+              </a:fontRef>
+            </p:style>
+            <p:txBody>
+              <a:bodyPr rtlCol="0" anchor="ctr"/>
+              <a:lstStyle/>
+              <a:p>
+                <a:pPr algn="ctr"/>
+                <a:endParaRPr lang="en-US" sz="2800">
+                  <a:solidFill>
+                    <a:srgbClr val="FF0000"/>
+                  </a:solidFill>
+                </a:endParaRPr>
+              </a:p>
+            </p:txBody>
+          </p:sp>
+          <p:sp>
+            <p:nvSpPr>
+              <p:cNvPr id="175" name="Arrow: Down 31">
+                <a:extLst>
+                  <a:ext uri="{FF2B5EF4-FFF2-40B4-BE49-F238E27FC236}">
+                    <a16:creationId xmlns:a16="http://schemas.microsoft.com/office/drawing/2014/main" id="{CC719311-0544-0117-9319-013319233108}"/>
+                  </a:ext>
+                </a:extLst>
+              </p:cNvPr>
+              <p:cNvSpPr/>
+              <p:nvPr/>
+            </p:nvSpPr>
+            <p:spPr>
+              <a:xfrm rot="8585449">
+                <a:off x="15088227" y="8714688"/>
+                <a:ext cx="228716" cy="327619"/>
+              </a:xfrm>
+              <a:prstGeom prst="downArrow">
+                <a:avLst/>
+              </a:prstGeom>
+              <a:solidFill>
+                <a:schemeClr val="bg1"/>
+              </a:solidFill>
+              <a:ln>
+                <a:solidFill>
+                  <a:schemeClr val="tx1"/>
+                </a:solidFill>
+              </a:ln>
+              <a:effectLst>
+                <a:glow rad="228600">
+                  <a:srgbClr val="C00000">
+                    <a:alpha val="40000"/>
+                  </a:srgbClr>
+                </a:glow>
+              </a:effectLst>
+            </p:spPr>
+            <p:style>
+              <a:lnRef idx="2">
+                <a:schemeClr val="accent1">
+                  <a:shade val="50000"/>
+                </a:schemeClr>
+              </a:lnRef>
+              <a:fillRef idx="1">
+                <a:schemeClr val="accent1"/>
+              </a:fillRef>
+              <a:effectRef idx="0">
+                <a:schemeClr val="accent1"/>
+              </a:effectRef>
+              <a:fontRef idx="minor">
+                <a:schemeClr val="lt1"/>
+              </a:fontRef>
+            </p:style>
+            <p:txBody>
+              <a:bodyPr rtlCol="0" anchor="ctr"/>
+              <a:lstStyle/>
+              <a:p>
+                <a:pPr algn="ctr"/>
+                <a:endParaRPr lang="en-US" sz="2800">
+                  <a:solidFill>
+                    <a:srgbClr val="FF0000"/>
+                  </a:solidFill>
+                </a:endParaRPr>
+              </a:p>
+            </p:txBody>
+          </p:sp>
+          <p:sp>
+            <p:nvSpPr>
+              <p:cNvPr id="176" name="Arrow: Down 31">
+                <a:extLst>
+                  <a:ext uri="{FF2B5EF4-FFF2-40B4-BE49-F238E27FC236}">
+                    <a16:creationId xmlns:a16="http://schemas.microsoft.com/office/drawing/2014/main" id="{F89B318B-DEAF-ED13-75D6-BAC0FC1EBC80}"/>
+                  </a:ext>
+                </a:extLst>
+              </p:cNvPr>
+              <p:cNvSpPr/>
+              <p:nvPr/>
+            </p:nvSpPr>
+            <p:spPr>
+              <a:xfrm rot="10373852">
+                <a:off x="15850226" y="8562289"/>
+                <a:ext cx="228716" cy="327619"/>
+              </a:xfrm>
+              <a:prstGeom prst="downArrow">
+                <a:avLst/>
+              </a:prstGeom>
+              <a:solidFill>
+                <a:schemeClr val="bg1"/>
+              </a:solidFill>
+              <a:ln>
+                <a:solidFill>
+                  <a:schemeClr val="tx1"/>
+                </a:solidFill>
+              </a:ln>
+              <a:effectLst>
+                <a:glow rad="228600">
+                  <a:srgbClr val="C00000">
+                    <a:alpha val="40000"/>
+                  </a:srgbClr>
+                </a:glow>
+              </a:effectLst>
+            </p:spPr>
+            <p:style>
+              <a:lnRef idx="2">
+                <a:schemeClr val="accent1">
+                  <a:shade val="50000"/>
+                </a:schemeClr>
+              </a:lnRef>
+              <a:fillRef idx="1">
+                <a:schemeClr val="accent1"/>
+              </a:fillRef>
+              <a:effectRef idx="0">
+                <a:schemeClr val="accent1"/>
+              </a:effectRef>
+              <a:fontRef idx="minor">
+                <a:schemeClr val="lt1"/>
+              </a:fontRef>
+            </p:style>
+            <p:txBody>
+              <a:bodyPr rtlCol="0" anchor="ctr"/>
+              <a:lstStyle/>
+              <a:p>
+                <a:pPr algn="ctr"/>
+                <a:endParaRPr lang="en-US" sz="2800">
+                  <a:solidFill>
+                    <a:srgbClr val="FF0000"/>
+                  </a:solidFill>
+                </a:endParaRPr>
+              </a:p>
+            </p:txBody>
+          </p:sp>
+          <p:sp>
+            <p:nvSpPr>
+              <p:cNvPr id="177" name="Arrow: Down 31">
+                <a:extLst>
+                  <a:ext uri="{FF2B5EF4-FFF2-40B4-BE49-F238E27FC236}">
+                    <a16:creationId xmlns:a16="http://schemas.microsoft.com/office/drawing/2014/main" id="{2A8B6BB0-0545-4213-FAC5-0F50D0926278}"/>
+                  </a:ext>
+                </a:extLst>
+              </p:cNvPr>
+              <p:cNvSpPr/>
+              <p:nvPr/>
+            </p:nvSpPr>
+            <p:spPr>
+              <a:xfrm rot="11186113">
+                <a:off x="16612227" y="8587688"/>
+                <a:ext cx="228716" cy="327619"/>
+              </a:xfrm>
+              <a:prstGeom prst="downArrow">
+                <a:avLst/>
+              </a:prstGeom>
+              <a:solidFill>
+                <a:schemeClr val="bg1"/>
+              </a:solidFill>
+              <a:ln>
+                <a:solidFill>
+                  <a:schemeClr val="tx1"/>
+                </a:solidFill>
+              </a:ln>
+              <a:effectLst>
+                <a:glow rad="228600">
+                  <a:srgbClr val="C00000">
+                    <a:alpha val="40000"/>
+                  </a:srgbClr>
+                </a:glow>
+              </a:effectLst>
+            </p:spPr>
+            <p:style>
+              <a:lnRef idx="2">
+                <a:schemeClr val="accent1">
+                  <a:shade val="50000"/>
+                </a:schemeClr>
+              </a:lnRef>
+              <a:fillRef idx="1">
+                <a:schemeClr val="accent1"/>
+              </a:fillRef>
+              <a:effectRef idx="0">
+                <a:schemeClr val="accent1"/>
+              </a:effectRef>
+              <a:fontRef idx="minor">
+                <a:schemeClr val="lt1"/>
+              </a:fontRef>
+            </p:style>
+            <p:txBody>
+              <a:bodyPr rtlCol="0" anchor="ctr"/>
+              <a:lstStyle/>
+              <a:p>
+                <a:pPr algn="ctr"/>
+                <a:endParaRPr lang="en-US" sz="2800">
+                  <a:solidFill>
+                    <a:srgbClr val="FF0000"/>
+                  </a:solidFill>
+                </a:endParaRPr>
+              </a:p>
+            </p:txBody>
+          </p:sp>
+          <p:sp>
+            <p:nvSpPr>
+              <p:cNvPr id="178" name="Arrow: Down 31">
+                <a:extLst>
+                  <a:ext uri="{FF2B5EF4-FFF2-40B4-BE49-F238E27FC236}">
+                    <a16:creationId xmlns:a16="http://schemas.microsoft.com/office/drawing/2014/main" id="{F3D8B158-ADE8-454F-8B00-65F38192CCEF}"/>
+                  </a:ext>
+                </a:extLst>
+              </p:cNvPr>
+              <p:cNvSpPr/>
+              <p:nvPr/>
+            </p:nvSpPr>
+            <p:spPr>
+              <a:xfrm rot="12286839">
+                <a:off x="17475826" y="8714689"/>
+                <a:ext cx="228716" cy="327619"/>
+              </a:xfrm>
+              <a:prstGeom prst="downArrow">
+                <a:avLst/>
+              </a:prstGeom>
+              <a:solidFill>
+                <a:schemeClr val="bg1"/>
+              </a:solidFill>
+              <a:ln>
+                <a:solidFill>
+                  <a:schemeClr val="tx1"/>
+                </a:solidFill>
+              </a:ln>
+              <a:effectLst>
+                <a:glow rad="228600">
+                  <a:srgbClr val="C00000">
+                    <a:alpha val="40000"/>
+                  </a:srgbClr>
+                </a:glow>
+              </a:effectLst>
+            </p:spPr>
+            <p:style>
+              <a:lnRef idx="2">
+                <a:schemeClr val="accent1">
+                  <a:shade val="50000"/>
+                </a:schemeClr>
+              </a:lnRef>
+              <a:fillRef idx="1">
+                <a:schemeClr val="accent1"/>
+              </a:fillRef>
+              <a:effectRef idx="0">
+                <a:schemeClr val="accent1"/>
+              </a:effectRef>
+              <a:fontRef idx="minor">
+                <a:schemeClr val="lt1"/>
+              </a:fontRef>
+            </p:style>
+            <p:txBody>
+              <a:bodyPr rtlCol="0" anchor="ctr"/>
+              <a:lstStyle/>
+              <a:p>
+                <a:pPr algn="ctr"/>
+                <a:endParaRPr lang="en-US" sz="2800">
+                  <a:solidFill>
+                    <a:srgbClr val="FF0000"/>
+                  </a:solidFill>
+                </a:endParaRPr>
+              </a:p>
+            </p:txBody>
+          </p:sp>
+          <p:sp>
+            <p:nvSpPr>
+              <p:cNvPr id="179" name="Arrow: Down 31">
+                <a:extLst>
+                  <a:ext uri="{FF2B5EF4-FFF2-40B4-BE49-F238E27FC236}">
+                    <a16:creationId xmlns:a16="http://schemas.microsoft.com/office/drawing/2014/main" id="{A6A54DA6-F726-8D6B-5D6E-4F830EFFDDD6}"/>
+                  </a:ext>
+                </a:extLst>
+              </p:cNvPr>
+              <p:cNvSpPr/>
+              <p:nvPr/>
+            </p:nvSpPr>
+            <p:spPr>
+              <a:xfrm rot="9055299">
+                <a:off x="21437919" y="8274005"/>
+                <a:ext cx="493802" cy="791612"/>
+              </a:xfrm>
+              <a:prstGeom prst="downArrow">
+                <a:avLst/>
+              </a:prstGeom>
+              <a:solidFill>
+                <a:schemeClr val="bg1"/>
+              </a:solidFill>
+              <a:ln>
+                <a:solidFill>
+                  <a:schemeClr val="tx1"/>
+                </a:solidFill>
+              </a:ln>
+              <a:effectLst>
+                <a:glow rad="228600">
+                  <a:srgbClr val="C00000">
+                    <a:alpha val="40000"/>
+                  </a:srgbClr>
+                </a:glow>
+              </a:effectLst>
+            </p:spPr>
+            <p:style>
+              <a:lnRef idx="2">
+                <a:schemeClr val="accent1">
+                  <a:shade val="50000"/>
+                </a:schemeClr>
+              </a:lnRef>
+              <a:fillRef idx="1">
+                <a:schemeClr val="accent1"/>
+              </a:fillRef>
+              <a:effectRef idx="0">
+                <a:schemeClr val="accent1"/>
+              </a:effectRef>
+              <a:fontRef idx="minor">
+                <a:schemeClr val="lt1"/>
+              </a:fontRef>
+            </p:style>
+            <p:txBody>
+              <a:bodyPr rtlCol="0" anchor="ctr"/>
+              <a:lstStyle/>
+              <a:p>
+                <a:pPr algn="ctr"/>
+                <a:endParaRPr lang="en-US" sz="2800">
+                  <a:solidFill>
+                    <a:srgbClr val="FF0000"/>
+                  </a:solidFill>
+                </a:endParaRPr>
+              </a:p>
+            </p:txBody>
+          </p:sp>
+          <p:sp>
+            <p:nvSpPr>
+              <p:cNvPr id="180" name="Arrow: Down 31">
+                <a:extLst>
+                  <a:ext uri="{FF2B5EF4-FFF2-40B4-BE49-F238E27FC236}">
+                    <a16:creationId xmlns:a16="http://schemas.microsoft.com/office/drawing/2014/main" id="{25794646-538B-E750-15C3-93EF2EAE2BC7}"/>
+                  </a:ext>
+                </a:extLst>
+              </p:cNvPr>
+              <p:cNvSpPr/>
+              <p:nvPr/>
+            </p:nvSpPr>
+            <p:spPr>
+              <a:xfrm rot="10293014">
+                <a:off x="22403118" y="8096205"/>
+                <a:ext cx="493802" cy="791612"/>
+              </a:xfrm>
+              <a:prstGeom prst="downArrow">
+                <a:avLst/>
+              </a:prstGeom>
+              <a:solidFill>
+                <a:schemeClr val="bg1"/>
+              </a:solidFill>
+              <a:ln>
+                <a:solidFill>
+                  <a:schemeClr val="tx1"/>
+                </a:solidFill>
+              </a:ln>
+              <a:effectLst>
+                <a:glow rad="228600">
+                  <a:srgbClr val="C00000">
+                    <a:alpha val="40000"/>
+                  </a:srgbClr>
+                </a:glow>
+              </a:effectLst>
+            </p:spPr>
+            <p:style>
+              <a:lnRef idx="2">
+                <a:schemeClr val="accent1">
+                  <a:shade val="50000"/>
+                </a:schemeClr>
+              </a:lnRef>
+              <a:fillRef idx="1">
+                <a:schemeClr val="accent1"/>
+              </a:fillRef>
+              <a:effectRef idx="0">
+                <a:schemeClr val="accent1"/>
+              </a:effectRef>
+              <a:fontRef idx="minor">
+                <a:schemeClr val="lt1"/>
+              </a:fontRef>
+            </p:style>
+            <p:txBody>
+              <a:bodyPr rtlCol="0" anchor="ctr"/>
+              <a:lstStyle/>
+              <a:p>
+                <a:pPr algn="ctr"/>
+                <a:endParaRPr lang="en-US" sz="2800">
+                  <a:solidFill>
+                    <a:srgbClr val="FF0000"/>
+                  </a:solidFill>
+                </a:endParaRPr>
+              </a:p>
+            </p:txBody>
+          </p:sp>
+          <p:sp>
+            <p:nvSpPr>
+              <p:cNvPr id="182" name="Arrow: Down 31">
+                <a:extLst>
+                  <a:ext uri="{FF2B5EF4-FFF2-40B4-BE49-F238E27FC236}">
+                    <a16:creationId xmlns:a16="http://schemas.microsoft.com/office/drawing/2014/main" id="{563A62D2-1F67-5B70-58B9-89FFAAE623CC}"/>
+                  </a:ext>
+                </a:extLst>
+              </p:cNvPr>
+              <p:cNvSpPr/>
+              <p:nvPr/>
+            </p:nvSpPr>
+            <p:spPr>
+              <a:xfrm rot="10800000">
+                <a:off x="23317518" y="8045405"/>
+                <a:ext cx="493802" cy="791612"/>
+              </a:xfrm>
+              <a:prstGeom prst="downArrow">
+                <a:avLst/>
+              </a:prstGeom>
+              <a:solidFill>
+                <a:schemeClr val="bg1"/>
+              </a:solidFill>
+              <a:ln>
+                <a:solidFill>
+                  <a:schemeClr val="tx1"/>
+                </a:solidFill>
+              </a:ln>
+              <a:effectLst>
+                <a:glow rad="228600">
+                  <a:srgbClr val="C00000">
+                    <a:alpha val="40000"/>
+                  </a:srgbClr>
+                </a:glow>
+              </a:effectLst>
+            </p:spPr>
+            <p:style>
+              <a:lnRef idx="2">
+                <a:schemeClr val="accent1">
+                  <a:shade val="50000"/>
+                </a:schemeClr>
+              </a:lnRef>
+              <a:fillRef idx="1">
+                <a:schemeClr val="accent1"/>
+              </a:fillRef>
+              <a:effectRef idx="0">
+                <a:schemeClr val="accent1"/>
+              </a:effectRef>
+              <a:fontRef idx="minor">
+                <a:schemeClr val="lt1"/>
+              </a:fontRef>
+            </p:style>
+            <p:txBody>
+              <a:bodyPr rtlCol="0" anchor="ctr"/>
+              <a:lstStyle/>
+              <a:p>
+                <a:pPr algn="ctr"/>
+                <a:endParaRPr lang="en-US" sz="2800">
+                  <a:solidFill>
+                    <a:srgbClr val="FF0000"/>
+                  </a:solidFill>
+                </a:endParaRPr>
+              </a:p>
+            </p:txBody>
+          </p:sp>
+          <p:sp>
+            <p:nvSpPr>
+              <p:cNvPr id="183" name="Arrow: Down 31">
+                <a:extLst>
+                  <a:ext uri="{FF2B5EF4-FFF2-40B4-BE49-F238E27FC236}">
+                    <a16:creationId xmlns:a16="http://schemas.microsoft.com/office/drawing/2014/main" id="{4D41C86F-07EA-C6DA-AFBB-D5C3C6763C0D}"/>
+                  </a:ext>
+                </a:extLst>
+              </p:cNvPr>
+              <p:cNvSpPr/>
+              <p:nvPr/>
+            </p:nvSpPr>
+            <p:spPr>
+              <a:xfrm rot="11541922">
+                <a:off x="24181118" y="8147006"/>
+                <a:ext cx="493802" cy="791612"/>
+              </a:xfrm>
+              <a:prstGeom prst="downArrow">
+                <a:avLst/>
+              </a:prstGeom>
+              <a:solidFill>
+                <a:schemeClr val="bg1"/>
+              </a:solidFill>
+              <a:ln>
+                <a:solidFill>
+                  <a:schemeClr val="tx1"/>
+                </a:solidFill>
+              </a:ln>
+              <a:effectLst>
+                <a:glow rad="228600">
+                  <a:srgbClr val="C00000">
+                    <a:alpha val="40000"/>
+                  </a:srgbClr>
+                </a:glow>
+              </a:effectLst>
+            </p:spPr>
+            <p:style>
+              <a:lnRef idx="2">
+                <a:schemeClr val="accent1">
+                  <a:shade val="50000"/>
+                </a:schemeClr>
+              </a:lnRef>
+              <a:fillRef idx="1">
+                <a:schemeClr val="accent1"/>
+              </a:fillRef>
+              <a:effectRef idx="0">
+                <a:schemeClr val="accent1"/>
+              </a:effectRef>
+              <a:fontRef idx="minor">
+                <a:schemeClr val="lt1"/>
+              </a:fontRef>
+            </p:style>
+            <p:txBody>
+              <a:bodyPr rtlCol="0" anchor="ctr"/>
+              <a:lstStyle/>
+              <a:p>
+                <a:pPr algn="ctr"/>
+                <a:endParaRPr lang="en-US" sz="2800">
+                  <a:solidFill>
+                    <a:srgbClr val="FF0000"/>
+                  </a:solidFill>
+                </a:endParaRPr>
+              </a:p>
+            </p:txBody>
+          </p:sp>
+        </p:grpSp>
+        <p:sp>
+          <p:nvSpPr>
+            <p:cNvPr id="19" name="TextBox 18">
               <a:extLst>
                 <a:ext uri="{FF2B5EF4-FFF2-40B4-BE49-F238E27FC236}">
-                  <a16:creationId xmlns:a16="http://schemas.microsoft.com/office/drawing/2014/main" id="{337CA54C-F986-4262-F9C5-F744121A2F3C}"/>
-                </a:ext>
-              </a:extLst>
-            </p:cNvPr>
-            <p:cNvPicPr>
-              <a:picLocks noChangeAspect="1"/>
-            </p:cNvPicPr>
-            <p:nvPr/>
-          </p:nvPicPr>
-          <p:blipFill rotWithShape="1">
-            <a:blip r:embed="rId4"/>
-            <a:srcRect l="38193" t="38162" r="46460" b="54265"/>
-            <a:stretch/>
-          </p:blipFill>
-          <p:spPr>
-            <a:xfrm>
-              <a:off x="7058240" y="9591639"/>
-              <a:ext cx="4502587" cy="2595783"/>
-            </a:xfrm>
-            <a:prstGeom prst="rect">
-              <a:avLst/>
-            </a:prstGeom>
-          </p:spPr>
-        </p:pic>
-        <p:sp>
-          <p:nvSpPr>
-            <p:cNvPr id="10" name="TextBox 9">
-              <a:extLst>
-                <a:ext uri="{FF2B5EF4-FFF2-40B4-BE49-F238E27FC236}">
-                  <a16:creationId xmlns:a16="http://schemas.microsoft.com/office/drawing/2014/main" id="{ED33422A-C5BF-DB0A-3A4F-31FF25D14B91}"/>
+                  <a16:creationId xmlns:a16="http://schemas.microsoft.com/office/drawing/2014/main" id="{56DF426B-7C32-2D8B-3D47-5BB7978C7BBE}"/>
                 </a:ext>
               </a:extLst>
             </p:cNvPr>
@@ -3256,51 +5716,8 @@
           </p:nvSpPr>
           <p:spPr>
             <a:xfrm>
-              <a:off x="665500" y="12661914"/>
-              <a:ext cx="4800792" cy="523220"/>
-            </a:xfrm>
-            <a:prstGeom prst="rect">
-              <a:avLst/>
-            </a:prstGeom>
-            <a:solidFill>
-              <a:srgbClr val="00B0F0"/>
-            </a:solidFill>
-            <a:ln>
-              <a:solidFill>
-                <a:srgbClr val="0070C0"/>
-              </a:solidFill>
-            </a:ln>
-          </p:spPr>
-          <p:txBody>
-            <a:bodyPr wrap="square" rtlCol="0">
-              <a:spAutoFit/>
-            </a:bodyPr>
-            <a:lstStyle/>
-            <a:p>
-              <a:pPr algn="ctr"/>
-              <a:r>
-                <a:rPr lang="en-US" sz="2800" b="1" dirty="0"/>
-                <a:t>Non-bleached + Ambient</a:t>
-              </a:r>
-            </a:p>
-          </p:txBody>
-        </p:sp>
-        <p:sp>
-          <p:nvSpPr>
-            <p:cNvPr id="11" name="TextBox 10">
-              <a:extLst>
-                <a:ext uri="{FF2B5EF4-FFF2-40B4-BE49-F238E27FC236}">
-                  <a16:creationId xmlns:a16="http://schemas.microsoft.com/office/drawing/2014/main" id="{012E1AAA-80DD-ECF6-01C3-DA63EFA13D2B}"/>
-                </a:ext>
-              </a:extLst>
-            </p:cNvPr>
-            <p:cNvSpPr txBox="1"/>
-            <p:nvPr/>
-          </p:nvSpPr>
-          <p:spPr>
-            <a:xfrm>
-              <a:off x="1817701" y="9312053"/>
-              <a:ext cx="2378249" cy="646331"/>
+              <a:off x="18924762" y="6052647"/>
+              <a:ext cx="3056022" cy="369332"/>
             </a:xfrm>
             <a:prstGeom prst="rect">
               <a:avLst/>
@@ -3313,28 +5730,28 @@
             </a:bodyPr>
             <a:lstStyle/>
             <a:p>
-              <a:pPr algn="ctr"/>
               <a:r>
-                <a:rPr lang="en-US" sz="2400" dirty="0"/>
-                <a:t>“</a:t>
+                <a:rPr lang="en-US" sz="1800" b="1" dirty="0" err="1">
+                  <a:solidFill>
+                    <a:srgbClr val="FF3030"/>
+                  </a:solidFill>
+                </a:rPr>
+                <a:t>Pseudoalteromonadacea</a:t>
               </a:r>
-              <a:r>
-                <a:rPr lang="en-US" sz="3600" dirty="0"/>
-                <a:t>Healthy</a:t>
-              </a:r>
-              <a:r>
-                <a:rPr lang="en-US" sz="2400" dirty="0"/>
-                <a:t>”</a:t>
-              </a:r>
+              <a:endParaRPr lang="en-US" sz="1800" b="1" dirty="0">
+                <a:solidFill>
+                  <a:srgbClr val="FF3030"/>
+                </a:solidFill>
+              </a:endParaRPr>
             </a:p>
           </p:txBody>
         </p:sp>
         <p:sp>
           <p:nvSpPr>
-            <p:cNvPr id="12" name="TextBox 11">
+            <p:cNvPr id="20" name="TextBox 19">
               <a:extLst>
                 <a:ext uri="{FF2B5EF4-FFF2-40B4-BE49-F238E27FC236}">
-                  <a16:creationId xmlns:a16="http://schemas.microsoft.com/office/drawing/2014/main" id="{F06A7102-DAF2-66CA-CF8E-EBE5B73496A2}"/>
+                  <a16:creationId xmlns:a16="http://schemas.microsoft.com/office/drawing/2014/main" id="{2BA128B9-91AE-9ABD-9D13-04B9C2562DE5}"/>
                 </a:ext>
               </a:extLst>
             </p:cNvPr>
@@ -3343,8 +5760,8 @@
           </p:nvSpPr>
           <p:spPr>
             <a:xfrm>
-              <a:off x="7489357" y="9000359"/>
-              <a:ext cx="3994017" cy="1200329"/>
+              <a:off x="18421421" y="8464439"/>
+              <a:ext cx="3056022" cy="369332"/>
             </a:xfrm>
             <a:prstGeom prst="rect">
               <a:avLst/>
@@ -3357,20 +5774,28 @@
             </a:bodyPr>
             <a:lstStyle/>
             <a:p>
-              <a:pPr algn="ctr"/>
               <a:r>
-                <a:rPr lang="en-US" sz="3600" dirty="0"/>
-                <a:t>“Thermal Stress Onset”</a:t>
+                <a:rPr lang="en-US" sz="1800" b="1" dirty="0" err="1">
+                  <a:solidFill>
+                    <a:srgbClr val="AA7AA1"/>
+                  </a:solidFill>
+                </a:rPr>
+                <a:t>Flavobacteriaceae</a:t>
               </a:r>
+              <a:endParaRPr lang="en-US" sz="1800" b="1" dirty="0">
+                <a:solidFill>
+                  <a:srgbClr val="AA7AA1"/>
+                </a:solidFill>
+              </a:endParaRPr>
             </a:p>
           </p:txBody>
         </p:sp>
         <p:sp>
           <p:nvSpPr>
-            <p:cNvPr id="13" name="TextBox 12">
+            <p:cNvPr id="26" name="TextBox 25">
               <a:extLst>
                 <a:ext uri="{FF2B5EF4-FFF2-40B4-BE49-F238E27FC236}">
-                  <a16:creationId xmlns:a16="http://schemas.microsoft.com/office/drawing/2014/main" id="{FE19BE1D-95AF-6C9D-4280-B2927502BA71}"/>
+                  <a16:creationId xmlns:a16="http://schemas.microsoft.com/office/drawing/2014/main" id="{E8267A0D-5F9E-D232-A527-2B0DD5B47626}"/>
                 </a:ext>
               </a:extLst>
             </p:cNvPr>
@@ -3379,51 +5804,8 @@
           </p:nvSpPr>
           <p:spPr>
             <a:xfrm>
-              <a:off x="7058241" y="12661914"/>
-              <a:ext cx="4800792" cy="523220"/>
-            </a:xfrm>
-            <a:prstGeom prst="rect">
-              <a:avLst/>
-            </a:prstGeom>
-            <a:solidFill>
-              <a:srgbClr val="FF3030"/>
-            </a:solidFill>
-            <a:ln>
-              <a:solidFill>
-                <a:srgbClr val="C00000"/>
-              </a:solidFill>
-            </a:ln>
-          </p:spPr>
-          <p:txBody>
-            <a:bodyPr wrap="square" rtlCol="0">
-              <a:spAutoFit/>
-            </a:bodyPr>
-            <a:lstStyle/>
-            <a:p>
-              <a:pPr algn="ctr"/>
-              <a:r>
-                <a:rPr lang="en-US" sz="2800" b="1" dirty="0"/>
-                <a:t>Non-bleached + Heated</a:t>
-              </a:r>
-            </a:p>
-          </p:txBody>
-        </p:sp>
-        <p:sp>
-          <p:nvSpPr>
-            <p:cNvPr id="15" name="TextBox 14">
-              <a:extLst>
-                <a:ext uri="{FF2B5EF4-FFF2-40B4-BE49-F238E27FC236}">
-                  <a16:creationId xmlns:a16="http://schemas.microsoft.com/office/drawing/2014/main" id="{4303233C-EC04-5F86-7FDA-952B3D9DF657}"/>
-                </a:ext>
-              </a:extLst>
-            </p:cNvPr>
-            <p:cNvSpPr txBox="1"/>
-            <p:nvPr/>
-          </p:nvSpPr>
-          <p:spPr>
-            <a:xfrm>
-              <a:off x="14207868" y="9225624"/>
-              <a:ext cx="3994017" cy="646331"/>
+              <a:off x="11607275" y="6671862"/>
+              <a:ext cx="3056022" cy="369332"/>
             </a:xfrm>
             <a:prstGeom prst="rect">
               <a:avLst/>
@@ -3436,183 +5818,35 @@
             </a:bodyPr>
             <a:lstStyle/>
             <a:p>
-              <a:pPr algn="ctr"/>
+              <a:pPr algn="r"/>
               <a:r>
-                <a:rPr lang="en-US" sz="3600" dirty="0"/>
-                <a:t>“Peak Bleaching”</a:t>
+                <a:rPr lang="en-US" sz="1800" b="1" dirty="0" err="1">
+                  <a:solidFill>
+                    <a:schemeClr val="tx1"/>
+                  </a:solidFill>
+                  <a:highlight>
+                    <a:srgbClr val="FFD700"/>
+                  </a:highlight>
+                </a:rPr>
+                <a:t>Alteromonadaceae</a:t>
               </a:r>
+              <a:endParaRPr lang="en-US" sz="1800" b="1" dirty="0">
+                <a:solidFill>
+                  <a:schemeClr val="tx1"/>
+                </a:solidFill>
+                <a:highlight>
+                  <a:srgbClr val="FFD700"/>
+                </a:highlight>
+              </a:endParaRPr>
             </a:p>
           </p:txBody>
         </p:sp>
         <p:sp>
           <p:nvSpPr>
-            <p:cNvPr id="16" name="TextBox 15">
+            <p:cNvPr id="27" name="Arrow: Down 26">
               <a:extLst>
                 <a:ext uri="{FF2B5EF4-FFF2-40B4-BE49-F238E27FC236}">
-                  <a16:creationId xmlns:a16="http://schemas.microsoft.com/office/drawing/2014/main" id="{A20F05C7-6714-60D2-8A23-04051D3BD450}"/>
-                </a:ext>
-              </a:extLst>
-            </p:cNvPr>
-            <p:cNvSpPr txBox="1"/>
-            <p:nvPr/>
-          </p:nvSpPr>
-          <p:spPr>
-            <a:xfrm>
-              <a:off x="13687033" y="12629594"/>
-              <a:ext cx="4800792" cy="523220"/>
-            </a:xfrm>
-            <a:prstGeom prst="rect">
-              <a:avLst/>
-            </a:prstGeom>
-            <a:noFill/>
-            <a:ln>
-              <a:solidFill>
-                <a:srgbClr val="CD2626"/>
-              </a:solidFill>
-            </a:ln>
-          </p:spPr>
-          <p:txBody>
-            <a:bodyPr wrap="square" rtlCol="0">
-              <a:spAutoFit/>
-            </a:bodyPr>
-            <a:lstStyle/>
-            <a:p>
-              <a:pPr algn="ctr"/>
-              <a:r>
-                <a:rPr lang="en-US" sz="2800" b="1" dirty="0">
-                  <a:solidFill>
-                    <a:srgbClr val="CD2626"/>
-                  </a:solidFill>
-                </a:rPr>
-                <a:t>Bleached + Heated</a:t>
-              </a:r>
-            </a:p>
-          </p:txBody>
-        </p:sp>
-        <p:sp>
-          <p:nvSpPr>
-            <p:cNvPr id="17" name="TextBox 16">
-              <a:extLst>
-                <a:ext uri="{FF2B5EF4-FFF2-40B4-BE49-F238E27FC236}">
-                  <a16:creationId xmlns:a16="http://schemas.microsoft.com/office/drawing/2014/main" id="{9AA714EA-21DE-DFFC-9936-A2C27EA21506}"/>
-                </a:ext>
-              </a:extLst>
-            </p:cNvPr>
-            <p:cNvSpPr txBox="1"/>
-            <p:nvPr/>
-          </p:nvSpPr>
-          <p:spPr>
-            <a:xfrm>
-              <a:off x="20430939" y="12554553"/>
-              <a:ext cx="4800792" cy="523220"/>
-            </a:xfrm>
-            <a:prstGeom prst="rect">
-              <a:avLst/>
-            </a:prstGeom>
-            <a:noFill/>
-            <a:ln>
-              <a:solidFill>
-                <a:schemeClr val="accent1"/>
-              </a:solidFill>
-            </a:ln>
-          </p:spPr>
-          <p:txBody>
-            <a:bodyPr wrap="square" rtlCol="0">
-              <a:spAutoFit/>
-            </a:bodyPr>
-            <a:lstStyle/>
-            <a:p>
-              <a:pPr algn="ctr"/>
-              <a:r>
-                <a:rPr lang="en-US" sz="2800" b="1" dirty="0">
-                  <a:solidFill>
-                    <a:srgbClr val="0070C0"/>
-                  </a:solidFill>
-                </a:rPr>
-                <a:t>Bleached + Ambient</a:t>
-              </a:r>
-            </a:p>
-          </p:txBody>
-        </p:sp>
-        <p:sp>
-          <p:nvSpPr>
-            <p:cNvPr id="18" name="TextBox 17">
-              <a:extLst>
-                <a:ext uri="{FF2B5EF4-FFF2-40B4-BE49-F238E27FC236}">
-                  <a16:creationId xmlns:a16="http://schemas.microsoft.com/office/drawing/2014/main" id="{4E40DC79-AF58-F1A5-EC1E-FAE18E19B995}"/>
-                </a:ext>
-              </a:extLst>
-            </p:cNvPr>
-            <p:cNvSpPr txBox="1"/>
-            <p:nvPr/>
-          </p:nvSpPr>
-          <p:spPr>
-            <a:xfrm>
-              <a:off x="21103212" y="9142539"/>
-              <a:ext cx="3994017" cy="646331"/>
-            </a:xfrm>
-            <a:prstGeom prst="rect">
-              <a:avLst/>
-            </a:prstGeom>
-            <a:noFill/>
-          </p:spPr>
-          <p:txBody>
-            <a:bodyPr wrap="square" rtlCol="0">
-              <a:spAutoFit/>
-            </a:bodyPr>
-            <a:lstStyle/>
-            <a:p>
-              <a:pPr algn="ctr"/>
-              <a:r>
-                <a:rPr lang="en-US" sz="3600" dirty="0"/>
-                <a:t>“Recovering”</a:t>
-              </a:r>
-            </a:p>
-          </p:txBody>
-        </p:sp>
-        <p:sp>
-          <p:nvSpPr>
-            <p:cNvPr id="2" name="TextBox 1">
-              <a:extLst>
-                <a:ext uri="{FF2B5EF4-FFF2-40B4-BE49-F238E27FC236}">
-                  <a16:creationId xmlns:a16="http://schemas.microsoft.com/office/drawing/2014/main" id="{26AD2894-BDD2-8320-37B1-4716A36BB74E}"/>
-                </a:ext>
-              </a:extLst>
-            </p:cNvPr>
-            <p:cNvSpPr txBox="1"/>
-            <p:nvPr/>
-          </p:nvSpPr>
-          <p:spPr>
-            <a:xfrm>
-              <a:off x="2399845" y="7349768"/>
-              <a:ext cx="1332102" cy="646331"/>
-            </a:xfrm>
-            <a:prstGeom prst="rect">
-              <a:avLst/>
-            </a:prstGeom>
-            <a:solidFill>
-              <a:srgbClr val="FFFBFB"/>
-            </a:solidFill>
-          </p:spPr>
-          <p:txBody>
-            <a:bodyPr wrap="square" rtlCol="0">
-              <a:spAutoFit/>
-            </a:bodyPr>
-            <a:lstStyle/>
-            <a:p>
-              <a:r>
-                <a:rPr lang="en-US" sz="3600" b="1" dirty="0"/>
-                <a:t>DOM</a:t>
-              </a:r>
-            </a:p>
-          </p:txBody>
-        </p:sp>
-        <p:sp>
-          <p:nvSpPr>
-            <p:cNvPr id="14" name="Arrow: Down 13">
-              <a:extLst>
-                <a:ext uri="{FF2B5EF4-FFF2-40B4-BE49-F238E27FC236}">
-                  <a16:creationId xmlns:a16="http://schemas.microsoft.com/office/drawing/2014/main" id="{5EF845D6-FB72-A6F5-F52E-668FB78F52EE}"/>
+                  <a16:creationId xmlns:a16="http://schemas.microsoft.com/office/drawing/2014/main" id="{98290CDC-19A1-2097-5748-9A608D5D0C37}"/>
                 </a:ext>
               </a:extLst>
             </p:cNvPr>
@@ -3620,34 +5854,24 @@
             <p:nvPr/>
           </p:nvSpPr>
           <p:spPr>
-            <a:xfrm rot="9455432">
-              <a:off x="1641205" y="8420725"/>
-              <a:ext cx="321047" cy="588349"/>
+            <a:xfrm rot="10800000">
+              <a:off x="15665732" y="6576892"/>
+              <a:ext cx="350520" cy="502920"/>
             </a:xfrm>
             <a:prstGeom prst="downArrow">
               <a:avLst/>
             </a:prstGeom>
-            <a:solidFill>
-              <a:srgbClr val="FFFBFB"/>
-            </a:solidFill>
-            <a:ln>
+            <a:noFill/>
+            <a:ln w="38100">
               <a:solidFill>
                 <a:schemeClr val="tx1"/>
               </a:solidFill>
             </a:ln>
-            <a:effectLst>
-              <a:glow rad="228600">
-                <a:schemeClr val="accent6">
-                  <a:satMod val="175000"/>
-                  <a:alpha val="40000"/>
-                </a:schemeClr>
-              </a:glow>
-            </a:effectLst>
           </p:spPr>
           <p:style>
             <a:lnRef idx="2">
               <a:schemeClr val="accent1">
-                <a:shade val="50000"/>
+                <a:shade val="15000"/>
               </a:schemeClr>
             </a:lnRef>
             <a:fillRef idx="1">
@@ -3665,20 +5889,16 @@
             <a:lstStyle/>
             <a:p>
               <a:pPr algn="ctr"/>
-              <a:endParaRPr lang="en-US" sz="2800">
-                <a:solidFill>
-                  <a:srgbClr val="FF0000"/>
-                </a:solidFill>
-              </a:endParaRPr>
+              <a:endParaRPr lang="en-US"/>
             </a:p>
           </p:txBody>
         </p:sp>
         <p:sp>
           <p:nvSpPr>
-            <p:cNvPr id="21" name="Arrow: Down 20">
+            <p:cNvPr id="30" name="Arrow: Down 29">
               <a:extLst>
                 <a:ext uri="{FF2B5EF4-FFF2-40B4-BE49-F238E27FC236}">
-                  <a16:creationId xmlns:a16="http://schemas.microsoft.com/office/drawing/2014/main" id="{E949DD3F-400F-7F9B-D204-605B27B0B838}"/>
+                  <a16:creationId xmlns:a16="http://schemas.microsoft.com/office/drawing/2014/main" id="{92E3D098-FDBF-4356-B836-DD6B87000F28}"/>
                 </a:ext>
               </a:extLst>
             </p:cNvPr>
@@ -3687,33 +5907,23 @@
           </p:nvSpPr>
           <p:spPr>
             <a:xfrm rot="10800000">
-              <a:off x="2341540" y="8128399"/>
-              <a:ext cx="321047" cy="588349"/>
+              <a:off x="18286659" y="6053441"/>
+              <a:ext cx="350520" cy="502920"/>
             </a:xfrm>
             <a:prstGeom prst="downArrow">
               <a:avLst/>
             </a:prstGeom>
-            <a:solidFill>
-              <a:srgbClr val="FFFBFB"/>
-            </a:solidFill>
-            <a:ln>
+            <a:noFill/>
+            <a:ln w="38100">
               <a:solidFill>
                 <a:schemeClr val="tx1"/>
               </a:solidFill>
             </a:ln>
-            <a:effectLst>
-              <a:glow rad="228600">
-                <a:schemeClr val="accent6">
-                  <a:satMod val="175000"/>
-                  <a:alpha val="40000"/>
-                </a:schemeClr>
-              </a:glow>
-            </a:effectLst>
           </p:spPr>
           <p:style>
             <a:lnRef idx="2">
               <a:schemeClr val="accent1">
-                <a:shade val="50000"/>
+                <a:shade val="15000"/>
               </a:schemeClr>
             </a:lnRef>
             <a:fillRef idx="1">
@@ -3731,20 +5941,16 @@
             <a:lstStyle/>
             <a:p>
               <a:pPr algn="ctr"/>
-              <a:endParaRPr lang="en-US" sz="2800">
-                <a:solidFill>
-                  <a:srgbClr val="FF0000"/>
-                </a:solidFill>
-              </a:endParaRPr>
+              <a:endParaRPr lang="en-US"/>
             </a:p>
           </p:txBody>
         </p:sp>
         <p:sp>
           <p:nvSpPr>
-            <p:cNvPr id="24" name="Arrow: Down 23">
+            <p:cNvPr id="33" name="Arrow: Down 32">
               <a:extLst>
                 <a:ext uri="{FF2B5EF4-FFF2-40B4-BE49-F238E27FC236}">
-                  <a16:creationId xmlns:a16="http://schemas.microsoft.com/office/drawing/2014/main" id="{CC64686B-D461-752F-4EC1-C94D2E6BB865}"/>
+                  <a16:creationId xmlns:a16="http://schemas.microsoft.com/office/drawing/2014/main" id="{DDE61CA6-0C09-2F9D-F3B0-4ED04770F4C6}"/>
                 </a:ext>
               </a:extLst>
             </p:cNvPr>
@@ -3753,33 +5959,23 @@
           </p:nvSpPr>
           <p:spPr>
             <a:xfrm rot="10800000">
-              <a:off x="3175316" y="8127805"/>
-              <a:ext cx="321047" cy="588349"/>
+              <a:off x="17926725" y="8055304"/>
+              <a:ext cx="350520" cy="502920"/>
             </a:xfrm>
             <a:prstGeom prst="downArrow">
               <a:avLst/>
             </a:prstGeom>
-            <a:solidFill>
-              <a:srgbClr val="FFFBFB"/>
-            </a:solidFill>
-            <a:ln>
+            <a:noFill/>
+            <a:ln w="38100">
               <a:solidFill>
                 <a:schemeClr val="tx1"/>
               </a:solidFill>
             </a:ln>
-            <a:effectLst>
-              <a:glow rad="228600">
-                <a:schemeClr val="accent6">
-                  <a:satMod val="175000"/>
-                  <a:alpha val="40000"/>
-                </a:schemeClr>
-              </a:glow>
-            </a:effectLst>
           </p:spPr>
           <p:style>
             <a:lnRef idx="2">
               <a:schemeClr val="accent1">
-                <a:shade val="50000"/>
+                <a:shade val="15000"/>
               </a:schemeClr>
             </a:lnRef>
             <a:fillRef idx="1">
@@ -3797,20 +5993,16 @@
             <a:lstStyle/>
             <a:p>
               <a:pPr algn="ctr"/>
-              <a:endParaRPr lang="en-US" sz="2800">
-                <a:solidFill>
-                  <a:srgbClr val="FF0000"/>
-                </a:solidFill>
-              </a:endParaRPr>
+              <a:endParaRPr lang="en-US"/>
             </a:p>
           </p:txBody>
         </p:sp>
         <p:sp>
           <p:nvSpPr>
-            <p:cNvPr id="25" name="Arrow: Down 24">
+            <p:cNvPr id="37" name="Rectangle 36">
               <a:extLst>
                 <a:ext uri="{FF2B5EF4-FFF2-40B4-BE49-F238E27FC236}">
-                  <a16:creationId xmlns:a16="http://schemas.microsoft.com/office/drawing/2014/main" id="{AB0D2A19-C37C-2507-091E-C3BA47B95CF7}"/>
+                  <a16:creationId xmlns:a16="http://schemas.microsoft.com/office/drawing/2014/main" id="{0D7AA161-83C1-A0F0-F45C-0DB98836E3CC}"/>
                 </a:ext>
               </a:extLst>
             </p:cNvPr>
@@ -3818,34 +6010,24 @@
             <p:nvPr/>
           </p:nvSpPr>
           <p:spPr>
-            <a:xfrm rot="12103310">
-              <a:off x="3906466" y="8334030"/>
-              <a:ext cx="321047" cy="588349"/>
+            <a:xfrm>
+              <a:off x="16367539" y="6610676"/>
+              <a:ext cx="484065" cy="420084"/>
             </a:xfrm>
-            <a:prstGeom prst="downArrow">
+            <a:prstGeom prst="rect">
               <a:avLst/>
             </a:prstGeom>
             <a:solidFill>
-              <a:srgbClr val="FFFBFB"/>
+              <a:srgbClr val="FFD700"/>
             </a:solidFill>
             <a:ln>
-              <a:solidFill>
-                <a:schemeClr val="tx1"/>
-              </a:solidFill>
+              <a:noFill/>
             </a:ln>
-            <a:effectLst>
-              <a:glow rad="228600">
-                <a:schemeClr val="accent6">
-                  <a:satMod val="175000"/>
-                  <a:alpha val="40000"/>
-                </a:schemeClr>
-              </a:glow>
-            </a:effectLst>
           </p:spPr>
           <p:style>
             <a:lnRef idx="2">
               <a:schemeClr val="accent1">
-                <a:shade val="50000"/>
+                <a:shade val="15000"/>
               </a:schemeClr>
             </a:lnRef>
             <a:fillRef idx="1">
@@ -3863,60 +6045,16 @@
             <a:lstStyle/>
             <a:p>
               <a:pPr algn="ctr"/>
-              <a:endParaRPr lang="en-US" sz="2800">
-                <a:solidFill>
-                  <a:srgbClr val="FF0000"/>
-                </a:solidFill>
-              </a:endParaRPr>
+              <a:endParaRPr lang="en-US" dirty="0"/>
             </a:p>
           </p:txBody>
         </p:sp>
         <p:sp>
           <p:nvSpPr>
-            <p:cNvPr id="31" name="TextBox 30">
+            <p:cNvPr id="42" name="Rectangle 41">
               <a:extLst>
                 <a:ext uri="{FF2B5EF4-FFF2-40B4-BE49-F238E27FC236}">
-                  <a16:creationId xmlns:a16="http://schemas.microsoft.com/office/drawing/2014/main" id="{656ECBBE-DD3A-348C-5ACB-8E2EFC96028F}"/>
-                </a:ext>
-              </a:extLst>
-            </p:cNvPr>
-            <p:cNvSpPr txBox="1"/>
-            <p:nvPr/>
-          </p:nvSpPr>
-          <p:spPr>
-            <a:xfrm>
-              <a:off x="8050689" y="6599841"/>
-              <a:ext cx="2960995" cy="1015663"/>
-            </a:xfrm>
-            <a:prstGeom prst="rect">
-              <a:avLst/>
-            </a:prstGeom>
-            <a:noFill/>
-          </p:spPr>
-          <p:txBody>
-            <a:bodyPr wrap="square" rtlCol="0">
-              <a:spAutoFit/>
-            </a:bodyPr>
-            <a:lstStyle/>
-            <a:p>
-              <a:pPr algn="ctr"/>
-              <a:r>
-                <a:rPr lang="en-US" sz="6000" b="1" dirty="0">
-                  <a:solidFill>
-                    <a:srgbClr val="C00000"/>
-                  </a:solidFill>
-                </a:rPr>
-                <a:t>DOM</a:t>
-              </a:r>
-            </a:p>
-          </p:txBody>
-        </p:sp>
-        <p:sp>
-          <p:nvSpPr>
-            <p:cNvPr id="32" name="Arrow: Down 31">
-              <a:extLst>
-                <a:ext uri="{FF2B5EF4-FFF2-40B4-BE49-F238E27FC236}">
-                  <a16:creationId xmlns:a16="http://schemas.microsoft.com/office/drawing/2014/main" id="{BCFEADB4-A093-D35E-973E-9D285F48FAA4}"/>
+                  <a16:creationId xmlns:a16="http://schemas.microsoft.com/office/drawing/2014/main" id="{0E6CD853-911C-D8F0-6B98-CEBE3A560A7F}"/>
                 </a:ext>
               </a:extLst>
             </p:cNvPr>
@@ -3924,33 +6062,24 @@
             <p:nvPr/>
           </p:nvSpPr>
           <p:spPr>
-            <a:xfrm rot="9455432">
-              <a:off x="7923177" y="7706080"/>
-              <a:ext cx="713623" cy="1203704"/>
+            <a:xfrm rot="20891455">
+              <a:off x="3505359" y="8738521"/>
+              <a:ext cx="93959" cy="148746"/>
             </a:xfrm>
-            <a:prstGeom prst="downArrow">
+            <a:prstGeom prst="rect">
               <a:avLst/>
             </a:prstGeom>
             <a:solidFill>
-              <a:schemeClr val="bg1"/>
+              <a:srgbClr val="FFD700"/>
             </a:solidFill>
             <a:ln>
-              <a:solidFill>
-                <a:schemeClr val="tx1"/>
-              </a:solidFill>
+              <a:noFill/>
             </a:ln>
-            <a:effectLst>
-              <a:glow rad="228600">
-                <a:srgbClr val="C00000">
-                  <a:alpha val="40000"/>
-                </a:srgbClr>
-              </a:glow>
-            </a:effectLst>
           </p:spPr>
           <p:style>
             <a:lnRef idx="2">
               <a:schemeClr val="accent1">
-                <a:shade val="50000"/>
+                <a:shade val="15000"/>
               </a:schemeClr>
             </a:lnRef>
             <a:fillRef idx="1">
@@ -3968,169 +6097,16 @@
             <a:lstStyle/>
             <a:p>
               <a:pPr algn="ctr"/>
-              <a:endParaRPr lang="en-US" sz="2800">
-                <a:solidFill>
-                  <a:srgbClr val="FF0000"/>
-                </a:solidFill>
-              </a:endParaRPr>
-            </a:p>
-          </p:txBody>
-        </p:sp>
-        <p:sp>
-          <p:nvSpPr>
-            <p:cNvPr id="36" name="TextBox 35">
-              <a:extLst>
-                <a:ext uri="{FF2B5EF4-FFF2-40B4-BE49-F238E27FC236}">
-                  <a16:creationId xmlns:a16="http://schemas.microsoft.com/office/drawing/2014/main" id="{4477350B-D6D7-6ADA-B390-E0BBE83A0FDB}"/>
-                </a:ext>
-              </a:extLst>
-            </p:cNvPr>
-            <p:cNvSpPr txBox="1"/>
-            <p:nvPr/>
-          </p:nvSpPr>
-          <p:spPr>
-            <a:xfrm>
-              <a:off x="22380850" y="7178222"/>
-              <a:ext cx="1923431" cy="769441"/>
-            </a:xfrm>
-            <a:prstGeom prst="rect">
-              <a:avLst/>
-            </a:prstGeom>
-            <a:noFill/>
-          </p:spPr>
-          <p:txBody>
-            <a:bodyPr wrap="square" rtlCol="0">
-              <a:spAutoFit/>
-            </a:bodyPr>
-            <a:lstStyle/>
-            <a:p>
-              <a:r>
-                <a:rPr lang="en-US" sz="4400" b="1" dirty="0">
-                  <a:solidFill>
-                    <a:srgbClr val="C00000"/>
-                  </a:solidFill>
-                </a:rPr>
-                <a:t>DOM</a:t>
-              </a:r>
-              <a:endParaRPr lang="en-US" sz="3600" b="1" dirty="0">
-                <a:solidFill>
-                  <a:srgbClr val="C00000"/>
-                </a:solidFill>
-              </a:endParaRPr>
-            </a:p>
-          </p:txBody>
-        </p:sp>
-        <p:sp>
-          <p:nvSpPr>
-            <p:cNvPr id="41" name="TextBox 40">
-              <a:extLst>
-                <a:ext uri="{FF2B5EF4-FFF2-40B4-BE49-F238E27FC236}">
-                  <a16:creationId xmlns:a16="http://schemas.microsoft.com/office/drawing/2014/main" id="{10C2C235-2512-9DF0-AB2F-D2B1BCF5B95E}"/>
-                </a:ext>
-              </a:extLst>
-            </p:cNvPr>
-            <p:cNvSpPr txBox="1"/>
-            <p:nvPr/>
-          </p:nvSpPr>
-          <p:spPr>
-            <a:xfrm rot="10800000" flipV="1">
-              <a:off x="15856501" y="7926695"/>
-              <a:ext cx="1108445" cy="461665"/>
-            </a:xfrm>
-            <a:prstGeom prst="rect">
-              <a:avLst/>
-            </a:prstGeom>
-            <a:noFill/>
-            <a:effectLst>
-              <a:glow rad="228600">
-                <a:schemeClr val="accent6">
-                  <a:satMod val="175000"/>
-                  <a:alpha val="40000"/>
-                </a:schemeClr>
-              </a:glow>
-            </a:effectLst>
-          </p:spPr>
-          <p:txBody>
-            <a:bodyPr wrap="square" rtlCol="0">
-              <a:spAutoFit/>
-            </a:bodyPr>
-            <a:lstStyle/>
-            <a:p>
-              <a:r>
-                <a:rPr lang="en-US" sz="2400" b="1" dirty="0">
-                  <a:solidFill>
-                    <a:srgbClr val="C00000"/>
-                  </a:solidFill>
-                </a:rPr>
-                <a:t>DOM</a:t>
-              </a:r>
-            </a:p>
-          </p:txBody>
-        </p:sp>
-        <p:sp>
-          <p:nvSpPr>
-            <p:cNvPr id="59" name="Arrow: Down 58">
-              <a:extLst>
-                <a:ext uri="{FF2B5EF4-FFF2-40B4-BE49-F238E27FC236}">
-                  <a16:creationId xmlns:a16="http://schemas.microsoft.com/office/drawing/2014/main" id="{BF42F833-B97D-10B5-396A-4C426DDB664A}"/>
-                </a:ext>
-              </a:extLst>
-            </p:cNvPr>
-            <p:cNvSpPr/>
-            <p:nvPr/>
-          </p:nvSpPr>
-          <p:spPr>
-            <a:xfrm rot="13875344">
-              <a:off x="10939837" y="4522882"/>
-              <a:ext cx="1279711" cy="2402425"/>
-            </a:xfrm>
-            <a:prstGeom prst="downArrow">
-              <a:avLst/>
-            </a:prstGeom>
-            <a:solidFill>
-              <a:srgbClr val="C00000"/>
-            </a:solidFill>
-            <a:ln>
-              <a:solidFill>
-                <a:schemeClr val="tx1"/>
-              </a:solidFill>
-            </a:ln>
-          </p:spPr>
-          <p:style>
-            <a:lnRef idx="2">
-              <a:schemeClr val="accent1">
-                <a:shade val="50000"/>
-              </a:schemeClr>
-            </a:lnRef>
-            <a:fillRef idx="1">
-              <a:schemeClr val="accent1"/>
-            </a:fillRef>
-            <a:effectRef idx="0">
-              <a:schemeClr val="accent1"/>
-            </a:effectRef>
-            <a:fontRef idx="minor">
-              <a:schemeClr val="lt1"/>
-            </a:fontRef>
-          </p:style>
-          <p:txBody>
-            <a:bodyPr rtlCol="0" anchor="ctr"/>
-            <a:lstStyle/>
-            <a:p>
-              <a:pPr algn="ctr"/>
-              <a:endParaRPr lang="en-US" sz="2800">
-                <a:solidFill>
-                  <a:srgbClr val="FF0000"/>
-                </a:solidFill>
-              </a:endParaRPr>
+              <a:endParaRPr lang="en-US" dirty="0"/>
             </a:p>
           </p:txBody>
         </p:sp>
         <p:pic>
           <p:nvPicPr>
-            <p:cNvPr id="6" name="Picture 5" descr="Chart, pie chart&#10;&#10;Description automatically generated">
+            <p:cNvPr id="38" name="Picture 37" descr="A line of colorful squares&#10;&#10;Description automatically generated">
               <a:extLst>
                 <a:ext uri="{FF2B5EF4-FFF2-40B4-BE49-F238E27FC236}">
-                  <a16:creationId xmlns:a16="http://schemas.microsoft.com/office/drawing/2014/main" id="{ED127A9C-9529-5701-35C5-3C78FAA16FAB}"/>
+                  <a16:creationId xmlns:a16="http://schemas.microsoft.com/office/drawing/2014/main" id="{89ADBE3B-343C-B9BD-8FCC-56FCC1706C36}"/>
                 </a:ext>
               </a:extLst>
             </p:cNvPr>
@@ -4140,2023 +6116,27 @@
             <p:nvPr/>
           </p:nvPicPr>
           <p:blipFill rotWithShape="1">
-            <a:blip r:embed="rId5">
+            <a:blip r:embed="rId6">
               <a:extLst>
                 <a:ext uri="{28A0092B-C50C-407E-A947-70E740481C1C}">
                   <a14:useLocalDpi xmlns:a14="http://schemas.microsoft.com/office/drawing/2010/main" val="0"/>
                 </a:ext>
               </a:extLst>
             </a:blip>
-            <a:srcRect l="57576" t="18314" b="48530"/>
+            <a:srcRect l="13638" t="43923" b="40064"/>
             <a:stretch/>
           </p:blipFill>
           <p:spPr>
             <a:xfrm>
-              <a:off x="14547857" y="-3108128"/>
-              <a:ext cx="5971844" cy="2800314"/>
+              <a:off x="0" y="2422730"/>
+              <a:ext cx="27432000" cy="1525880"/>
             </a:xfrm>
             <a:prstGeom prst="rect">
               <a:avLst/>
             </a:prstGeom>
-            <a:ln>
-              <a:noFill/>
-            </a:ln>
           </p:spPr>
         </p:pic>
-        <p:sp>
-          <p:nvSpPr>
-            <p:cNvPr id="3" name="TextBox 2">
-              <a:extLst>
-                <a:ext uri="{FF2B5EF4-FFF2-40B4-BE49-F238E27FC236}">
-                  <a16:creationId xmlns:a16="http://schemas.microsoft.com/office/drawing/2014/main" id="{8A12FAB8-BEFB-3F08-C6D5-DE29840EBC8B}"/>
-                </a:ext>
-              </a:extLst>
-            </p:cNvPr>
-            <p:cNvSpPr txBox="1"/>
-            <p:nvPr/>
-          </p:nvSpPr>
-          <p:spPr>
-            <a:xfrm>
-              <a:off x="496109" y="3840538"/>
-              <a:ext cx="4744148" cy="584775"/>
-            </a:xfrm>
-            <a:prstGeom prst="rect">
-              <a:avLst/>
-            </a:prstGeom>
-            <a:noFill/>
-          </p:spPr>
-          <p:txBody>
-            <a:bodyPr wrap="square" rtlCol="0">
-              <a:spAutoFit/>
-            </a:bodyPr>
-            <a:lstStyle/>
-            <a:p>
-              <a:pPr algn="ctr"/>
-              <a:r>
-                <a:rPr lang="en-US" sz="3200" b="1" dirty="0"/>
-                <a:t>Healthy</a:t>
-              </a:r>
-            </a:p>
-          </p:txBody>
-        </p:sp>
-        <p:sp>
-          <p:nvSpPr>
-            <p:cNvPr id="47" name="TextBox 46">
-              <a:extLst>
-                <a:ext uri="{FF2B5EF4-FFF2-40B4-BE49-F238E27FC236}">
-                  <a16:creationId xmlns:a16="http://schemas.microsoft.com/office/drawing/2014/main" id="{D1DCC34F-0A60-CEA6-CFA2-4276612D79BF}"/>
-                </a:ext>
-              </a:extLst>
-            </p:cNvPr>
-            <p:cNvSpPr txBox="1"/>
-            <p:nvPr/>
-          </p:nvSpPr>
-          <p:spPr>
-            <a:xfrm>
-              <a:off x="14109781" y="550470"/>
-              <a:ext cx="4092104" cy="584775"/>
-            </a:xfrm>
-            <a:prstGeom prst="rect">
-              <a:avLst/>
-            </a:prstGeom>
-            <a:noFill/>
-          </p:spPr>
-          <p:txBody>
-            <a:bodyPr wrap="square" rtlCol="0">
-              <a:spAutoFit/>
-            </a:bodyPr>
-            <a:lstStyle/>
-            <a:p>
-              <a:pPr algn="ctr"/>
-              <a:r>
-                <a:rPr lang="en-US" sz="3200" b="1" dirty="0" err="1">
-                  <a:solidFill>
-                    <a:srgbClr val="C00000"/>
-                  </a:solidFill>
-                </a:rPr>
-                <a:t>Microbialized</a:t>
-              </a:r>
-              <a:endParaRPr lang="en-US" sz="3600" b="1" dirty="0">
-                <a:solidFill>
-                  <a:srgbClr val="C00000"/>
-                </a:solidFill>
-              </a:endParaRPr>
-            </a:p>
-          </p:txBody>
-        </p:sp>
-        <p:sp>
-          <p:nvSpPr>
-            <p:cNvPr id="28" name="TextBox 27">
-              <a:extLst>
-                <a:ext uri="{FF2B5EF4-FFF2-40B4-BE49-F238E27FC236}">
-                  <a16:creationId xmlns:a16="http://schemas.microsoft.com/office/drawing/2014/main" id="{89A67D55-1A79-ABE4-6ACD-DA72895C5E15}"/>
-                </a:ext>
-              </a:extLst>
-            </p:cNvPr>
-            <p:cNvSpPr txBox="1"/>
-            <p:nvPr/>
-          </p:nvSpPr>
-          <p:spPr>
-            <a:xfrm rot="5400000">
-              <a:off x="23789304" y="16700007"/>
-              <a:ext cx="3104120" cy="1323439"/>
-            </a:xfrm>
-            <a:prstGeom prst="rect">
-              <a:avLst/>
-            </a:prstGeom>
-            <a:noFill/>
-          </p:spPr>
-          <p:txBody>
-            <a:bodyPr wrap="square" rtlCol="0">
-              <a:spAutoFit/>
-            </a:bodyPr>
-            <a:lstStyle/>
-            <a:p>
-              <a:pPr algn="ctr"/>
-              <a:r>
-                <a:rPr lang="en-US" sz="4000" dirty="0">
-                  <a:solidFill>
-                    <a:srgbClr val="CD2626"/>
-                  </a:solidFill>
-                </a:rPr>
-                <a:t>Temperature stress</a:t>
-              </a:r>
-              <a:endParaRPr lang="en-US" sz="3600" dirty="0">
-                <a:solidFill>
-                  <a:srgbClr val="CD2626"/>
-                </a:solidFill>
-              </a:endParaRPr>
-            </a:p>
-          </p:txBody>
-        </p:sp>
-        <p:sp>
-          <p:nvSpPr>
-            <p:cNvPr id="29" name="TextBox 28">
-              <a:extLst>
-                <a:ext uri="{FF2B5EF4-FFF2-40B4-BE49-F238E27FC236}">
-                  <a16:creationId xmlns:a16="http://schemas.microsoft.com/office/drawing/2014/main" id="{6CCDEB7F-FE22-B44C-63C3-C79B2BFD02E2}"/>
-                </a:ext>
-              </a:extLst>
-            </p:cNvPr>
-            <p:cNvSpPr txBox="1"/>
-            <p:nvPr/>
-          </p:nvSpPr>
-          <p:spPr>
-            <a:xfrm>
-              <a:off x="12227103" y="21432033"/>
-              <a:ext cx="2585363" cy="769441"/>
-            </a:xfrm>
-            <a:prstGeom prst="rect">
-              <a:avLst/>
-            </a:prstGeom>
-            <a:noFill/>
-          </p:spPr>
-          <p:txBody>
-            <a:bodyPr wrap="square" rtlCol="0">
-              <a:spAutoFit/>
-            </a:bodyPr>
-            <a:lstStyle/>
-            <a:p>
-              <a:pPr algn="ctr"/>
-              <a:r>
-                <a:rPr lang="en-US" sz="4400" dirty="0"/>
-                <a:t>Time</a:t>
-              </a:r>
-              <a:endParaRPr lang="en-US" sz="5400" dirty="0"/>
-            </a:p>
-          </p:txBody>
-        </p:sp>
-        <p:grpSp>
-          <p:nvGrpSpPr>
-            <p:cNvPr id="51" name="Group 50">
-              <a:extLst>
-                <a:ext uri="{FF2B5EF4-FFF2-40B4-BE49-F238E27FC236}">
-                  <a16:creationId xmlns:a16="http://schemas.microsoft.com/office/drawing/2014/main" id="{6EBD8620-1055-E3D7-324A-794CC1986EA4}"/>
-                </a:ext>
-              </a:extLst>
-            </p:cNvPr>
-            <p:cNvGrpSpPr/>
-            <p:nvPr/>
-          </p:nvGrpSpPr>
-          <p:grpSpPr>
-            <a:xfrm>
-              <a:off x="1211653" y="13997021"/>
-              <a:ext cx="23382859" cy="7503406"/>
-              <a:chOff x="2868183" y="17457166"/>
-              <a:chExt cx="20321051" cy="6238577"/>
-            </a:xfrm>
-          </p:grpSpPr>
-          <p:pic>
-            <p:nvPicPr>
-              <p:cNvPr id="49" name="Picture 48" descr="Chart&#10;&#10;Description automatically generated">
-                <a:extLst>
-                  <a:ext uri="{FF2B5EF4-FFF2-40B4-BE49-F238E27FC236}">
-                    <a16:creationId xmlns:a16="http://schemas.microsoft.com/office/drawing/2014/main" id="{88263C26-BCC9-3A07-91DF-EA57DA49FAED}"/>
-                  </a:ext>
-                </a:extLst>
-              </p:cNvPr>
-              <p:cNvPicPr>
-                <a:picLocks noChangeAspect="1"/>
-              </p:cNvPicPr>
-              <p:nvPr/>
-            </p:nvPicPr>
-            <p:blipFill rotWithShape="1">
-              <a:blip r:embed="rId6">
-                <a:extLst>
-                  <a:ext uri="{28A0092B-C50C-407E-A947-70E740481C1C}">
-                    <a14:useLocalDpi xmlns:a14="http://schemas.microsoft.com/office/drawing/2010/main" val="0"/>
-                  </a:ext>
-                </a:extLst>
-              </a:blip>
-              <a:srcRect r="94397"/>
-              <a:stretch/>
-            </p:blipFill>
-            <p:spPr>
-              <a:xfrm>
-                <a:off x="2868183" y="17457166"/>
-                <a:ext cx="1398256" cy="6238577"/>
-              </a:xfrm>
-              <a:prstGeom prst="rect">
-                <a:avLst/>
-              </a:prstGeom>
-            </p:spPr>
-          </p:pic>
-          <p:pic>
-            <p:nvPicPr>
-              <p:cNvPr id="50" name="Picture 49" descr="Chart&#10;&#10;Description automatically generated">
-                <a:extLst>
-                  <a:ext uri="{FF2B5EF4-FFF2-40B4-BE49-F238E27FC236}">
-                    <a16:creationId xmlns:a16="http://schemas.microsoft.com/office/drawing/2014/main" id="{4DF5DCD5-0452-1A59-58DF-6865355D9A24}"/>
-                  </a:ext>
-                </a:extLst>
-              </p:cNvPr>
-              <p:cNvPicPr>
-                <a:picLocks noChangeAspect="1"/>
-              </p:cNvPicPr>
-              <p:nvPr/>
-            </p:nvPicPr>
-            <p:blipFill rotWithShape="1">
-              <a:blip r:embed="rId6">
-                <a:extLst>
-                  <a:ext uri="{28A0092B-C50C-407E-A947-70E740481C1C}">
-                    <a14:useLocalDpi xmlns:a14="http://schemas.microsoft.com/office/drawing/2010/main" val="0"/>
-                  </a:ext>
-                </a:extLst>
-              </a:blip>
-              <a:srcRect l="15631" r="8257"/>
-              <a:stretch/>
-            </p:blipFill>
-            <p:spPr>
-              <a:xfrm>
-                <a:off x="4195950" y="17457166"/>
-                <a:ext cx="18993284" cy="6238577"/>
-              </a:xfrm>
-              <a:prstGeom prst="rect">
-                <a:avLst/>
-              </a:prstGeom>
-            </p:spPr>
-          </p:pic>
-        </p:grpSp>
-        <p:cxnSp>
-          <p:nvCxnSpPr>
-            <p:cNvPr id="22" name="Straight Connector 21">
-              <a:extLst>
-                <a:ext uri="{FF2B5EF4-FFF2-40B4-BE49-F238E27FC236}">
-                  <a16:creationId xmlns:a16="http://schemas.microsoft.com/office/drawing/2014/main" id="{BAE23B92-A9EC-B7F3-F3C2-DDC5D66953B9}"/>
-                </a:ext>
-              </a:extLst>
-            </p:cNvPr>
-            <p:cNvCxnSpPr>
-              <a:cxnSpLocks/>
-            </p:cNvCxnSpPr>
-            <p:nvPr/>
-          </p:nvCxnSpPr>
-          <p:spPr>
-            <a:xfrm>
-              <a:off x="24594512" y="13997021"/>
-              <a:ext cx="0" cy="7218699"/>
-            </a:xfrm>
-            <a:prstGeom prst="line">
-              <a:avLst/>
-            </a:prstGeom>
-            <a:ln w="38100">
-              <a:solidFill>
-                <a:srgbClr val="C00000"/>
-              </a:solidFill>
-            </a:ln>
-          </p:spPr>
-          <p:style>
-            <a:lnRef idx="1">
-              <a:schemeClr val="dk1"/>
-            </a:lnRef>
-            <a:fillRef idx="0">
-              <a:schemeClr val="dk1"/>
-            </a:fillRef>
-            <a:effectRef idx="0">
-              <a:schemeClr val="dk1"/>
-            </a:effectRef>
-            <a:fontRef idx="minor">
-              <a:schemeClr val="tx1"/>
-            </a:fontRef>
-          </p:style>
-        </p:cxnSp>
-        <p:cxnSp>
-          <p:nvCxnSpPr>
-            <p:cNvPr id="53" name="Straight Connector 52">
-              <a:extLst>
-                <a:ext uri="{FF2B5EF4-FFF2-40B4-BE49-F238E27FC236}">
-                  <a16:creationId xmlns:a16="http://schemas.microsoft.com/office/drawing/2014/main" id="{19E67042-1E55-80DE-5B02-D403DC209A04}"/>
-                </a:ext>
-              </a:extLst>
-            </p:cNvPr>
-            <p:cNvCxnSpPr>
-              <a:cxnSpLocks/>
-            </p:cNvCxnSpPr>
-            <p:nvPr/>
-          </p:nvCxnSpPr>
-          <p:spPr>
-            <a:xfrm>
-              <a:off x="3363997" y="20716500"/>
-              <a:ext cx="2529582" cy="0"/>
-            </a:xfrm>
-            <a:prstGeom prst="line">
-              <a:avLst/>
-            </a:prstGeom>
-            <a:ln w="76200">
-              <a:solidFill>
-                <a:srgbClr val="CD2626"/>
-              </a:solidFill>
-            </a:ln>
-          </p:spPr>
-          <p:style>
-            <a:lnRef idx="1">
-              <a:schemeClr val="accent1"/>
-            </a:lnRef>
-            <a:fillRef idx="0">
-              <a:schemeClr val="accent1"/>
-            </a:fillRef>
-            <a:effectRef idx="0">
-              <a:schemeClr val="accent1"/>
-            </a:effectRef>
-            <a:fontRef idx="minor">
-              <a:schemeClr val="tx1"/>
-            </a:fontRef>
-          </p:style>
-        </p:cxnSp>
-        <p:cxnSp>
-          <p:nvCxnSpPr>
-            <p:cNvPr id="54" name="Straight Connector 53">
-              <a:extLst>
-                <a:ext uri="{FF2B5EF4-FFF2-40B4-BE49-F238E27FC236}">
-                  <a16:creationId xmlns:a16="http://schemas.microsoft.com/office/drawing/2014/main" id="{F88F2714-6EF8-1DF8-8DAD-977161355B4B}"/>
-                </a:ext>
-              </a:extLst>
-            </p:cNvPr>
-            <p:cNvCxnSpPr>
-              <a:cxnSpLocks/>
-            </p:cNvCxnSpPr>
-            <p:nvPr/>
-          </p:nvCxnSpPr>
-          <p:spPr>
-            <a:xfrm flipV="1">
-              <a:off x="5893578" y="14843325"/>
-              <a:ext cx="8849885" cy="5873175"/>
-            </a:xfrm>
-            <a:prstGeom prst="line">
-              <a:avLst/>
-            </a:prstGeom>
-            <a:ln w="76200">
-              <a:solidFill>
-                <a:srgbClr val="CD2626"/>
-              </a:solidFill>
-            </a:ln>
-          </p:spPr>
-          <p:style>
-            <a:lnRef idx="1">
-              <a:schemeClr val="accent1"/>
-            </a:lnRef>
-            <a:fillRef idx="0">
-              <a:schemeClr val="accent1"/>
-            </a:fillRef>
-            <a:effectRef idx="0">
-              <a:schemeClr val="accent1"/>
-            </a:effectRef>
-            <a:fontRef idx="minor">
-              <a:schemeClr val="tx1"/>
-            </a:fontRef>
-          </p:style>
-        </p:cxnSp>
-        <p:cxnSp>
-          <p:nvCxnSpPr>
-            <p:cNvPr id="61" name="Straight Connector 60">
-              <a:extLst>
-                <a:ext uri="{FF2B5EF4-FFF2-40B4-BE49-F238E27FC236}">
-                  <a16:creationId xmlns:a16="http://schemas.microsoft.com/office/drawing/2014/main" id="{30275821-880B-D496-C1EA-2EDC2C20E88A}"/>
-                </a:ext>
-              </a:extLst>
-            </p:cNvPr>
-            <p:cNvCxnSpPr>
-              <a:cxnSpLocks/>
-            </p:cNvCxnSpPr>
-            <p:nvPr/>
-          </p:nvCxnSpPr>
-          <p:spPr>
-            <a:xfrm>
-              <a:off x="14743463" y="14843325"/>
-              <a:ext cx="5079423" cy="0"/>
-            </a:xfrm>
-            <a:prstGeom prst="line">
-              <a:avLst/>
-            </a:prstGeom>
-            <a:ln w="76200">
-              <a:solidFill>
-                <a:srgbClr val="CD2626"/>
-              </a:solidFill>
-            </a:ln>
-          </p:spPr>
-          <p:style>
-            <a:lnRef idx="1">
-              <a:schemeClr val="accent1"/>
-            </a:lnRef>
-            <a:fillRef idx="0">
-              <a:schemeClr val="accent1"/>
-            </a:fillRef>
-            <a:effectRef idx="0">
-              <a:schemeClr val="accent1"/>
-            </a:effectRef>
-            <a:fontRef idx="minor">
-              <a:schemeClr val="tx1"/>
-            </a:fontRef>
-          </p:style>
-        </p:cxnSp>
-        <p:cxnSp>
-          <p:nvCxnSpPr>
-            <p:cNvPr id="63" name="Straight Connector 62">
-              <a:extLst>
-                <a:ext uri="{FF2B5EF4-FFF2-40B4-BE49-F238E27FC236}">
-                  <a16:creationId xmlns:a16="http://schemas.microsoft.com/office/drawing/2014/main" id="{AD754C0A-0B94-A178-72D3-829D6216204F}"/>
-                </a:ext>
-              </a:extLst>
-            </p:cNvPr>
-            <p:cNvCxnSpPr>
-              <a:cxnSpLocks/>
-            </p:cNvCxnSpPr>
-            <p:nvPr/>
-          </p:nvCxnSpPr>
-          <p:spPr>
-            <a:xfrm>
-              <a:off x="19757571" y="14859000"/>
-              <a:ext cx="4833258" cy="5976257"/>
-            </a:xfrm>
-            <a:prstGeom prst="line">
-              <a:avLst/>
-            </a:prstGeom>
-            <a:ln w="76200">
-              <a:solidFill>
-                <a:srgbClr val="CD2626"/>
-              </a:solidFill>
-            </a:ln>
-          </p:spPr>
-          <p:style>
-            <a:lnRef idx="1">
-              <a:schemeClr val="accent1"/>
-            </a:lnRef>
-            <a:fillRef idx="0">
-              <a:schemeClr val="accent1"/>
-            </a:fillRef>
-            <a:effectRef idx="0">
-              <a:schemeClr val="accent1"/>
-            </a:effectRef>
-            <a:fontRef idx="minor">
-              <a:schemeClr val="tx1"/>
-            </a:fontRef>
-          </p:style>
-        </p:cxnSp>
-        <p:sp>
-          <p:nvSpPr>
-            <p:cNvPr id="52" name="Arrow: Down 51">
-              <a:extLst>
-                <a:ext uri="{FF2B5EF4-FFF2-40B4-BE49-F238E27FC236}">
-                  <a16:creationId xmlns:a16="http://schemas.microsoft.com/office/drawing/2014/main" id="{F1C22E97-04AB-241E-39A7-F333B21CD10E}"/>
-                </a:ext>
-              </a:extLst>
-            </p:cNvPr>
-            <p:cNvSpPr/>
-            <p:nvPr/>
-          </p:nvSpPr>
-          <p:spPr>
-            <a:xfrm rot="10800000" flipH="1">
-              <a:off x="15858982" y="6290747"/>
-              <a:ext cx="706714" cy="1326728"/>
-            </a:xfrm>
-            <a:prstGeom prst="downArrow">
-              <a:avLst/>
-            </a:prstGeom>
-            <a:solidFill>
-              <a:srgbClr val="C00000"/>
-            </a:solidFill>
-            <a:ln>
-              <a:solidFill>
-                <a:schemeClr val="tx1"/>
-              </a:solidFill>
-            </a:ln>
-          </p:spPr>
-          <p:style>
-            <a:lnRef idx="2">
-              <a:schemeClr val="accent1">
-                <a:shade val="50000"/>
-              </a:schemeClr>
-            </a:lnRef>
-            <a:fillRef idx="1">
-              <a:schemeClr val="accent1"/>
-            </a:fillRef>
-            <a:effectRef idx="0">
-              <a:schemeClr val="accent1"/>
-            </a:effectRef>
-            <a:fontRef idx="minor">
-              <a:schemeClr val="lt1"/>
-            </a:fontRef>
-          </p:style>
-          <p:txBody>
-            <a:bodyPr rtlCol="0" anchor="ctr"/>
-            <a:lstStyle/>
-            <a:p>
-              <a:pPr algn="ctr"/>
-              <a:endParaRPr lang="en-US" sz="2800">
-                <a:solidFill>
-                  <a:srgbClr val="FF0000"/>
-                </a:solidFill>
-              </a:endParaRPr>
-            </a:p>
-          </p:txBody>
-        </p:sp>
-        <p:sp>
-          <p:nvSpPr>
-            <p:cNvPr id="55" name="Arrow: Down 54">
-              <a:extLst>
-                <a:ext uri="{FF2B5EF4-FFF2-40B4-BE49-F238E27FC236}">
-                  <a16:creationId xmlns:a16="http://schemas.microsoft.com/office/drawing/2014/main" id="{8AD619CB-61EC-5687-BED9-458A9DA4AE43}"/>
-                </a:ext>
-              </a:extLst>
-            </p:cNvPr>
-            <p:cNvSpPr/>
-            <p:nvPr/>
-          </p:nvSpPr>
-          <p:spPr>
-            <a:xfrm rot="8170142" flipH="1">
-              <a:off x="20858217" y="5441818"/>
-              <a:ext cx="529357" cy="993773"/>
-            </a:xfrm>
-            <a:prstGeom prst="downArrow">
-              <a:avLst/>
-            </a:prstGeom>
-            <a:solidFill>
-              <a:srgbClr val="C00000"/>
-            </a:solidFill>
-            <a:ln>
-              <a:solidFill>
-                <a:schemeClr val="tx1"/>
-              </a:solidFill>
-            </a:ln>
-          </p:spPr>
-          <p:style>
-            <a:lnRef idx="2">
-              <a:schemeClr val="accent1">
-                <a:shade val="50000"/>
-              </a:schemeClr>
-            </a:lnRef>
-            <a:fillRef idx="1">
-              <a:schemeClr val="accent1"/>
-            </a:fillRef>
-            <a:effectRef idx="0">
-              <a:schemeClr val="accent1"/>
-            </a:effectRef>
-            <a:fontRef idx="minor">
-              <a:schemeClr val="lt1"/>
-            </a:fontRef>
-          </p:style>
-          <p:txBody>
-            <a:bodyPr rtlCol="0" anchor="ctr"/>
-            <a:lstStyle/>
-            <a:p>
-              <a:pPr algn="ctr"/>
-              <a:endParaRPr lang="en-US" sz="2800">
-                <a:solidFill>
-                  <a:srgbClr val="FF0000"/>
-                </a:solidFill>
-              </a:endParaRPr>
-            </a:p>
-          </p:txBody>
-        </p:sp>
-        <p:sp>
-          <p:nvSpPr>
-            <p:cNvPr id="56" name="Arrow: Down 55">
-              <a:extLst>
-                <a:ext uri="{FF2B5EF4-FFF2-40B4-BE49-F238E27FC236}">
-                  <a16:creationId xmlns:a16="http://schemas.microsoft.com/office/drawing/2014/main" id="{A0E5B703-2BB7-3584-68AD-B1B92018D076}"/>
-                </a:ext>
-              </a:extLst>
-            </p:cNvPr>
-            <p:cNvSpPr/>
-            <p:nvPr/>
-          </p:nvSpPr>
-          <p:spPr>
-            <a:xfrm rot="10800000" flipH="1">
-              <a:off x="2711040" y="6453250"/>
-              <a:ext cx="373046" cy="700327"/>
-            </a:xfrm>
-            <a:prstGeom prst="downArrow">
-              <a:avLst/>
-            </a:prstGeom>
-            <a:noFill/>
-            <a:ln>
-              <a:solidFill>
-                <a:schemeClr val="tx1"/>
-              </a:solidFill>
-            </a:ln>
-          </p:spPr>
-          <p:style>
-            <a:lnRef idx="2">
-              <a:schemeClr val="accent1">
-                <a:shade val="50000"/>
-              </a:schemeClr>
-            </a:lnRef>
-            <a:fillRef idx="1">
-              <a:schemeClr val="accent1"/>
-            </a:fillRef>
-            <a:effectRef idx="0">
-              <a:schemeClr val="accent1"/>
-            </a:effectRef>
-            <a:fontRef idx="minor">
-              <a:schemeClr val="lt1"/>
-            </a:fontRef>
-          </p:style>
-          <p:txBody>
-            <a:bodyPr rtlCol="0" anchor="ctr"/>
-            <a:lstStyle/>
-            <a:p>
-              <a:pPr algn="ctr"/>
-              <a:endParaRPr lang="en-US" sz="2800">
-                <a:solidFill>
-                  <a:srgbClr val="FF0000"/>
-                </a:solidFill>
-              </a:endParaRPr>
-            </a:p>
-          </p:txBody>
-        </p:sp>
-        <p:cxnSp>
-          <p:nvCxnSpPr>
-            <p:cNvPr id="162" name="Straight Connector 161">
-              <a:extLst>
-                <a:ext uri="{FF2B5EF4-FFF2-40B4-BE49-F238E27FC236}">
-                  <a16:creationId xmlns:a16="http://schemas.microsoft.com/office/drawing/2014/main" id="{18FC2C1E-1543-759E-84B6-C3EABF1DF101}"/>
-                </a:ext>
-              </a:extLst>
-            </p:cNvPr>
-            <p:cNvCxnSpPr>
-              <a:cxnSpLocks/>
-            </p:cNvCxnSpPr>
-            <p:nvPr/>
-          </p:nvCxnSpPr>
-          <p:spPr>
-            <a:xfrm flipH="1">
-              <a:off x="5893579" y="0"/>
-              <a:ext cx="113383" cy="21215720"/>
-            </a:xfrm>
-            <a:prstGeom prst="line">
-              <a:avLst/>
-            </a:prstGeom>
-            <a:ln w="76200">
-              <a:solidFill>
-                <a:srgbClr val="C00000"/>
-              </a:solidFill>
-              <a:prstDash val="dash"/>
-            </a:ln>
-          </p:spPr>
-          <p:style>
-            <a:lnRef idx="1">
-              <a:schemeClr val="accent1"/>
-            </a:lnRef>
-            <a:fillRef idx="0">
-              <a:schemeClr val="accent1"/>
-            </a:fillRef>
-            <a:effectRef idx="0">
-              <a:schemeClr val="accent1"/>
-            </a:effectRef>
-            <a:fontRef idx="minor">
-              <a:schemeClr val="tx1"/>
-            </a:fontRef>
-          </p:style>
-        </p:cxnSp>
-        <p:sp>
-          <p:nvSpPr>
-            <p:cNvPr id="169" name="Arc 168">
-              <a:extLst>
-                <a:ext uri="{FF2B5EF4-FFF2-40B4-BE49-F238E27FC236}">
-                  <a16:creationId xmlns:a16="http://schemas.microsoft.com/office/drawing/2014/main" id="{57CB802F-B0D1-1A70-39B5-9186A5E5C120}"/>
-                </a:ext>
-              </a:extLst>
-            </p:cNvPr>
-            <p:cNvSpPr/>
-            <p:nvPr/>
-          </p:nvSpPr>
-          <p:spPr>
-            <a:xfrm rot="18486030">
-              <a:off x="12359215" y="2560108"/>
-              <a:ext cx="9724802" cy="6613058"/>
-            </a:xfrm>
-            <a:prstGeom prst="arc">
-              <a:avLst>
-                <a:gd name="adj1" fmla="val 11271281"/>
-                <a:gd name="adj2" fmla="val 14689392"/>
-              </a:avLst>
-            </a:prstGeom>
-            <a:ln w="254000">
-              <a:solidFill>
-                <a:schemeClr val="tx2">
-                  <a:lumMod val="60000"/>
-                  <a:lumOff val="40000"/>
-                </a:schemeClr>
-              </a:solidFill>
-              <a:headEnd type="stealth" w="med" len="med"/>
-              <a:tailEnd type="none" w="med" len="med"/>
-            </a:ln>
-          </p:spPr>
-          <p:style>
-            <a:lnRef idx="1">
-              <a:schemeClr val="accent1"/>
-            </a:lnRef>
-            <a:fillRef idx="0">
-              <a:schemeClr val="accent1"/>
-            </a:fillRef>
-            <a:effectRef idx="0">
-              <a:schemeClr val="accent1"/>
-            </a:effectRef>
-            <a:fontRef idx="minor">
-              <a:schemeClr val="tx1"/>
-            </a:fontRef>
-          </p:style>
-          <p:txBody>
-            <a:bodyPr rtlCol="0" anchor="ctr"/>
-            <a:lstStyle/>
-            <a:p>
-              <a:pPr algn="ctr"/>
-              <a:endParaRPr lang="en-NL"/>
-            </a:p>
-          </p:txBody>
-        </p:sp>
-        <p:sp>
-          <p:nvSpPr>
-            <p:cNvPr id="208" name="TextBox 207">
-              <a:extLst>
-                <a:ext uri="{FF2B5EF4-FFF2-40B4-BE49-F238E27FC236}">
-                  <a16:creationId xmlns:a16="http://schemas.microsoft.com/office/drawing/2014/main" id="{54AA77C7-B4D2-11AE-233F-6AEA58F7C819}"/>
-                </a:ext>
-              </a:extLst>
-            </p:cNvPr>
-            <p:cNvSpPr txBox="1"/>
-            <p:nvPr/>
-          </p:nvSpPr>
-          <p:spPr>
-            <a:xfrm>
-              <a:off x="6924732" y="3354872"/>
-              <a:ext cx="2983441" cy="1358373"/>
-            </a:xfrm>
-            <a:prstGeom prst="rect">
-              <a:avLst/>
-            </a:prstGeom>
-            <a:solidFill>
-              <a:srgbClr val="C00000"/>
-            </a:solidFill>
-          </p:spPr>
-          <p:txBody>
-            <a:bodyPr wrap="square" rtlCol="0">
-              <a:spAutoFit/>
-            </a:bodyPr>
-            <a:lstStyle/>
-            <a:p>
-              <a:pPr algn="ctr"/>
-              <a:r>
-                <a:rPr lang="en-US" sz="4000" b="1" dirty="0">
-                  <a:solidFill>
-                    <a:schemeClr val="bg1"/>
-                  </a:solidFill>
-                </a:rPr>
-                <a:t>Hypoxia, disease </a:t>
-              </a:r>
-            </a:p>
-          </p:txBody>
-        </p:sp>
-        <p:sp>
-          <p:nvSpPr>
-            <p:cNvPr id="171" name="Arc 170">
-              <a:extLst>
-                <a:ext uri="{FF2B5EF4-FFF2-40B4-BE49-F238E27FC236}">
-                  <a16:creationId xmlns:a16="http://schemas.microsoft.com/office/drawing/2014/main" id="{05461F58-FBD5-24F1-46CF-22258624B25A}"/>
-                </a:ext>
-              </a:extLst>
-            </p:cNvPr>
-            <p:cNvSpPr/>
-            <p:nvPr/>
-          </p:nvSpPr>
-          <p:spPr>
-            <a:xfrm rot="12456759" flipV="1">
-              <a:off x="11466583" y="4991481"/>
-              <a:ext cx="9724802" cy="5255800"/>
-            </a:xfrm>
-            <a:prstGeom prst="arc">
-              <a:avLst>
-                <a:gd name="adj1" fmla="val 11497846"/>
-                <a:gd name="adj2" fmla="val 15289800"/>
-              </a:avLst>
-            </a:prstGeom>
-            <a:ln w="254000">
-              <a:solidFill>
-                <a:schemeClr val="tx2">
-                  <a:lumMod val="60000"/>
-                  <a:lumOff val="40000"/>
-                </a:schemeClr>
-              </a:solidFill>
-              <a:headEnd type="stealth" w="med" len="med"/>
-              <a:tailEnd type="none" w="med" len="med"/>
-            </a:ln>
-          </p:spPr>
-          <p:style>
-            <a:lnRef idx="1">
-              <a:schemeClr val="accent1"/>
-            </a:lnRef>
-            <a:fillRef idx="0">
-              <a:schemeClr val="accent1"/>
-            </a:fillRef>
-            <a:effectRef idx="0">
-              <a:schemeClr val="accent1"/>
-            </a:effectRef>
-            <a:fontRef idx="minor">
-              <a:schemeClr val="tx1"/>
-            </a:fontRef>
-          </p:style>
-          <p:txBody>
-            <a:bodyPr rtlCol="0" anchor="ctr"/>
-            <a:lstStyle/>
-            <a:p>
-              <a:pPr algn="ctr"/>
-              <a:endParaRPr lang="en-NL"/>
-            </a:p>
-          </p:txBody>
-        </p:sp>
-        <p:sp>
-          <p:nvSpPr>
-            <p:cNvPr id="172" name="Arrow: Down 31">
-              <a:extLst>
-                <a:ext uri="{FF2B5EF4-FFF2-40B4-BE49-F238E27FC236}">
-                  <a16:creationId xmlns:a16="http://schemas.microsoft.com/office/drawing/2014/main" id="{C0424ED8-1387-AFE0-0F0F-12AAD36AA77F}"/>
-                </a:ext>
-              </a:extLst>
-            </p:cNvPr>
-            <p:cNvSpPr/>
-            <p:nvPr/>
-          </p:nvSpPr>
-          <p:spPr>
-            <a:xfrm rot="10610240">
-              <a:off x="8786779" y="7553679"/>
-              <a:ext cx="713623" cy="1203704"/>
-            </a:xfrm>
-            <a:prstGeom prst="downArrow">
-              <a:avLst/>
-            </a:prstGeom>
-            <a:solidFill>
-              <a:schemeClr val="bg1"/>
-            </a:solidFill>
-            <a:ln>
-              <a:solidFill>
-                <a:schemeClr val="tx1"/>
-              </a:solidFill>
-            </a:ln>
-            <a:effectLst>
-              <a:glow rad="228600">
-                <a:srgbClr val="C00000">
-                  <a:alpha val="40000"/>
-                </a:srgbClr>
-              </a:glow>
-            </a:effectLst>
-          </p:spPr>
-          <p:style>
-            <a:lnRef idx="2">
-              <a:schemeClr val="accent1">
-                <a:shade val="50000"/>
-              </a:schemeClr>
-            </a:lnRef>
-            <a:fillRef idx="1">
-              <a:schemeClr val="accent1"/>
-            </a:fillRef>
-            <a:effectRef idx="0">
-              <a:schemeClr val="accent1"/>
-            </a:effectRef>
-            <a:fontRef idx="minor">
-              <a:schemeClr val="lt1"/>
-            </a:fontRef>
-          </p:style>
-          <p:txBody>
-            <a:bodyPr rtlCol="0" anchor="ctr"/>
-            <a:lstStyle/>
-            <a:p>
-              <a:pPr algn="ctr"/>
-              <a:endParaRPr lang="en-US" sz="2800" dirty="0">
-                <a:solidFill>
-                  <a:srgbClr val="FF0000"/>
-                </a:solidFill>
-              </a:endParaRPr>
-            </a:p>
-          </p:txBody>
-        </p:sp>
-        <p:sp>
-          <p:nvSpPr>
-            <p:cNvPr id="173" name="Arrow: Down 31">
-              <a:extLst>
-                <a:ext uri="{FF2B5EF4-FFF2-40B4-BE49-F238E27FC236}">
-                  <a16:creationId xmlns:a16="http://schemas.microsoft.com/office/drawing/2014/main" id="{68DFB761-C173-B22B-2D2F-082797EA0353}"/>
-                </a:ext>
-              </a:extLst>
-            </p:cNvPr>
-            <p:cNvSpPr/>
-            <p:nvPr/>
-          </p:nvSpPr>
-          <p:spPr>
-            <a:xfrm rot="10964048">
-              <a:off x="9624977" y="7528280"/>
-              <a:ext cx="713623" cy="1203704"/>
-            </a:xfrm>
-            <a:prstGeom prst="downArrow">
-              <a:avLst/>
-            </a:prstGeom>
-            <a:solidFill>
-              <a:schemeClr val="bg1"/>
-            </a:solidFill>
-            <a:ln>
-              <a:solidFill>
-                <a:schemeClr val="tx1"/>
-              </a:solidFill>
-            </a:ln>
-            <a:effectLst>
-              <a:glow rad="228600">
-                <a:srgbClr val="C00000">
-                  <a:alpha val="40000"/>
-                </a:srgbClr>
-              </a:glow>
-            </a:effectLst>
-          </p:spPr>
-          <p:style>
-            <a:lnRef idx="2">
-              <a:schemeClr val="accent1">
-                <a:shade val="50000"/>
-              </a:schemeClr>
-            </a:lnRef>
-            <a:fillRef idx="1">
-              <a:schemeClr val="accent1"/>
-            </a:fillRef>
-            <a:effectRef idx="0">
-              <a:schemeClr val="accent1"/>
-            </a:effectRef>
-            <a:fontRef idx="minor">
-              <a:schemeClr val="lt1"/>
-            </a:fontRef>
-          </p:style>
-          <p:txBody>
-            <a:bodyPr rtlCol="0" anchor="ctr"/>
-            <a:lstStyle/>
-            <a:p>
-              <a:pPr algn="ctr"/>
-              <a:endParaRPr lang="en-US" sz="2800">
-                <a:solidFill>
-                  <a:srgbClr val="FF0000"/>
-                </a:solidFill>
-              </a:endParaRPr>
-            </a:p>
-          </p:txBody>
-        </p:sp>
-        <p:sp>
-          <p:nvSpPr>
-            <p:cNvPr id="174" name="Arrow: Down 31">
-              <a:extLst>
-                <a:ext uri="{FF2B5EF4-FFF2-40B4-BE49-F238E27FC236}">
-                  <a16:creationId xmlns:a16="http://schemas.microsoft.com/office/drawing/2014/main" id="{20AA80E5-6E59-FA6C-DF52-AAF7574FAB6F}"/>
-                </a:ext>
-              </a:extLst>
-            </p:cNvPr>
-            <p:cNvSpPr/>
-            <p:nvPr/>
-          </p:nvSpPr>
-          <p:spPr>
-            <a:xfrm rot="12262398">
-              <a:off x="10513976" y="7680678"/>
-              <a:ext cx="713623" cy="1203704"/>
-            </a:xfrm>
-            <a:prstGeom prst="downArrow">
-              <a:avLst/>
-            </a:prstGeom>
-            <a:solidFill>
-              <a:schemeClr val="bg1"/>
-            </a:solidFill>
-            <a:ln>
-              <a:solidFill>
-                <a:schemeClr val="tx1"/>
-              </a:solidFill>
-            </a:ln>
-            <a:effectLst>
-              <a:glow rad="228600">
-                <a:srgbClr val="C00000">
-                  <a:alpha val="40000"/>
-                </a:srgbClr>
-              </a:glow>
-            </a:effectLst>
-          </p:spPr>
-          <p:style>
-            <a:lnRef idx="2">
-              <a:schemeClr val="accent1">
-                <a:shade val="50000"/>
-              </a:schemeClr>
-            </a:lnRef>
-            <a:fillRef idx="1">
-              <a:schemeClr val="accent1"/>
-            </a:fillRef>
-            <a:effectRef idx="0">
-              <a:schemeClr val="accent1"/>
-            </a:effectRef>
-            <a:fontRef idx="minor">
-              <a:schemeClr val="lt1"/>
-            </a:fontRef>
-          </p:style>
-          <p:txBody>
-            <a:bodyPr rtlCol="0" anchor="ctr"/>
-            <a:lstStyle/>
-            <a:p>
-              <a:pPr algn="ctr"/>
-              <a:endParaRPr lang="en-US" sz="2800">
-                <a:solidFill>
-                  <a:srgbClr val="FF0000"/>
-                </a:solidFill>
-              </a:endParaRPr>
-            </a:p>
-          </p:txBody>
-        </p:sp>
-        <p:sp>
-          <p:nvSpPr>
-            <p:cNvPr id="175" name="Arrow: Down 31">
-              <a:extLst>
-                <a:ext uri="{FF2B5EF4-FFF2-40B4-BE49-F238E27FC236}">
-                  <a16:creationId xmlns:a16="http://schemas.microsoft.com/office/drawing/2014/main" id="{CC719311-0544-0117-9319-013319233108}"/>
-                </a:ext>
-              </a:extLst>
-            </p:cNvPr>
-            <p:cNvSpPr/>
-            <p:nvPr/>
-          </p:nvSpPr>
-          <p:spPr>
-            <a:xfrm rot="8585449">
-              <a:off x="15088227" y="8714688"/>
-              <a:ext cx="228716" cy="327619"/>
-            </a:xfrm>
-            <a:prstGeom prst="downArrow">
-              <a:avLst/>
-            </a:prstGeom>
-            <a:solidFill>
-              <a:schemeClr val="bg1"/>
-            </a:solidFill>
-            <a:ln>
-              <a:solidFill>
-                <a:schemeClr val="tx1"/>
-              </a:solidFill>
-            </a:ln>
-            <a:effectLst>
-              <a:glow rad="228600">
-                <a:srgbClr val="C00000">
-                  <a:alpha val="40000"/>
-                </a:srgbClr>
-              </a:glow>
-            </a:effectLst>
-          </p:spPr>
-          <p:style>
-            <a:lnRef idx="2">
-              <a:schemeClr val="accent1">
-                <a:shade val="50000"/>
-              </a:schemeClr>
-            </a:lnRef>
-            <a:fillRef idx="1">
-              <a:schemeClr val="accent1"/>
-            </a:fillRef>
-            <a:effectRef idx="0">
-              <a:schemeClr val="accent1"/>
-            </a:effectRef>
-            <a:fontRef idx="minor">
-              <a:schemeClr val="lt1"/>
-            </a:fontRef>
-          </p:style>
-          <p:txBody>
-            <a:bodyPr rtlCol="0" anchor="ctr"/>
-            <a:lstStyle/>
-            <a:p>
-              <a:pPr algn="ctr"/>
-              <a:endParaRPr lang="en-US" sz="2800">
-                <a:solidFill>
-                  <a:srgbClr val="FF0000"/>
-                </a:solidFill>
-              </a:endParaRPr>
-            </a:p>
-          </p:txBody>
-        </p:sp>
-        <p:sp>
-          <p:nvSpPr>
-            <p:cNvPr id="176" name="Arrow: Down 31">
-              <a:extLst>
-                <a:ext uri="{FF2B5EF4-FFF2-40B4-BE49-F238E27FC236}">
-                  <a16:creationId xmlns:a16="http://schemas.microsoft.com/office/drawing/2014/main" id="{F89B318B-DEAF-ED13-75D6-BAC0FC1EBC80}"/>
-                </a:ext>
-              </a:extLst>
-            </p:cNvPr>
-            <p:cNvSpPr/>
-            <p:nvPr/>
-          </p:nvSpPr>
-          <p:spPr>
-            <a:xfrm rot="10373852">
-              <a:off x="15850226" y="8562289"/>
-              <a:ext cx="228716" cy="327619"/>
-            </a:xfrm>
-            <a:prstGeom prst="downArrow">
-              <a:avLst/>
-            </a:prstGeom>
-            <a:solidFill>
-              <a:schemeClr val="bg1"/>
-            </a:solidFill>
-            <a:ln>
-              <a:solidFill>
-                <a:schemeClr val="tx1"/>
-              </a:solidFill>
-            </a:ln>
-            <a:effectLst>
-              <a:glow rad="228600">
-                <a:srgbClr val="C00000">
-                  <a:alpha val="40000"/>
-                </a:srgbClr>
-              </a:glow>
-            </a:effectLst>
-          </p:spPr>
-          <p:style>
-            <a:lnRef idx="2">
-              <a:schemeClr val="accent1">
-                <a:shade val="50000"/>
-              </a:schemeClr>
-            </a:lnRef>
-            <a:fillRef idx="1">
-              <a:schemeClr val="accent1"/>
-            </a:fillRef>
-            <a:effectRef idx="0">
-              <a:schemeClr val="accent1"/>
-            </a:effectRef>
-            <a:fontRef idx="minor">
-              <a:schemeClr val="lt1"/>
-            </a:fontRef>
-          </p:style>
-          <p:txBody>
-            <a:bodyPr rtlCol="0" anchor="ctr"/>
-            <a:lstStyle/>
-            <a:p>
-              <a:pPr algn="ctr"/>
-              <a:endParaRPr lang="en-US" sz="2800">
-                <a:solidFill>
-                  <a:srgbClr val="FF0000"/>
-                </a:solidFill>
-              </a:endParaRPr>
-            </a:p>
-          </p:txBody>
-        </p:sp>
-        <p:sp>
-          <p:nvSpPr>
-            <p:cNvPr id="177" name="Arrow: Down 31">
-              <a:extLst>
-                <a:ext uri="{FF2B5EF4-FFF2-40B4-BE49-F238E27FC236}">
-                  <a16:creationId xmlns:a16="http://schemas.microsoft.com/office/drawing/2014/main" id="{2A8B6BB0-0545-4213-FAC5-0F50D0926278}"/>
-                </a:ext>
-              </a:extLst>
-            </p:cNvPr>
-            <p:cNvSpPr/>
-            <p:nvPr/>
-          </p:nvSpPr>
-          <p:spPr>
-            <a:xfrm rot="11186113">
-              <a:off x="16612227" y="8587688"/>
-              <a:ext cx="228716" cy="327619"/>
-            </a:xfrm>
-            <a:prstGeom prst="downArrow">
-              <a:avLst/>
-            </a:prstGeom>
-            <a:solidFill>
-              <a:schemeClr val="bg1"/>
-            </a:solidFill>
-            <a:ln>
-              <a:solidFill>
-                <a:schemeClr val="tx1"/>
-              </a:solidFill>
-            </a:ln>
-            <a:effectLst>
-              <a:glow rad="228600">
-                <a:srgbClr val="C00000">
-                  <a:alpha val="40000"/>
-                </a:srgbClr>
-              </a:glow>
-            </a:effectLst>
-          </p:spPr>
-          <p:style>
-            <a:lnRef idx="2">
-              <a:schemeClr val="accent1">
-                <a:shade val="50000"/>
-              </a:schemeClr>
-            </a:lnRef>
-            <a:fillRef idx="1">
-              <a:schemeClr val="accent1"/>
-            </a:fillRef>
-            <a:effectRef idx="0">
-              <a:schemeClr val="accent1"/>
-            </a:effectRef>
-            <a:fontRef idx="minor">
-              <a:schemeClr val="lt1"/>
-            </a:fontRef>
-          </p:style>
-          <p:txBody>
-            <a:bodyPr rtlCol="0" anchor="ctr"/>
-            <a:lstStyle/>
-            <a:p>
-              <a:pPr algn="ctr"/>
-              <a:endParaRPr lang="en-US" sz="2800">
-                <a:solidFill>
-                  <a:srgbClr val="FF0000"/>
-                </a:solidFill>
-              </a:endParaRPr>
-            </a:p>
-          </p:txBody>
-        </p:sp>
-        <p:sp>
-          <p:nvSpPr>
-            <p:cNvPr id="178" name="Arrow: Down 31">
-              <a:extLst>
-                <a:ext uri="{FF2B5EF4-FFF2-40B4-BE49-F238E27FC236}">
-                  <a16:creationId xmlns:a16="http://schemas.microsoft.com/office/drawing/2014/main" id="{F3D8B158-ADE8-454F-8B00-65F38192CCEF}"/>
-                </a:ext>
-              </a:extLst>
-            </p:cNvPr>
-            <p:cNvSpPr/>
-            <p:nvPr/>
-          </p:nvSpPr>
-          <p:spPr>
-            <a:xfrm rot="12286839">
-              <a:off x="17475826" y="8714689"/>
-              <a:ext cx="228716" cy="327619"/>
-            </a:xfrm>
-            <a:prstGeom prst="downArrow">
-              <a:avLst/>
-            </a:prstGeom>
-            <a:solidFill>
-              <a:schemeClr val="bg1"/>
-            </a:solidFill>
-            <a:ln>
-              <a:solidFill>
-                <a:schemeClr val="tx1"/>
-              </a:solidFill>
-            </a:ln>
-            <a:effectLst>
-              <a:glow rad="228600">
-                <a:srgbClr val="C00000">
-                  <a:alpha val="40000"/>
-                </a:srgbClr>
-              </a:glow>
-            </a:effectLst>
-          </p:spPr>
-          <p:style>
-            <a:lnRef idx="2">
-              <a:schemeClr val="accent1">
-                <a:shade val="50000"/>
-              </a:schemeClr>
-            </a:lnRef>
-            <a:fillRef idx="1">
-              <a:schemeClr val="accent1"/>
-            </a:fillRef>
-            <a:effectRef idx="0">
-              <a:schemeClr val="accent1"/>
-            </a:effectRef>
-            <a:fontRef idx="minor">
-              <a:schemeClr val="lt1"/>
-            </a:fontRef>
-          </p:style>
-          <p:txBody>
-            <a:bodyPr rtlCol="0" anchor="ctr"/>
-            <a:lstStyle/>
-            <a:p>
-              <a:pPr algn="ctr"/>
-              <a:endParaRPr lang="en-US" sz="2800">
-                <a:solidFill>
-                  <a:srgbClr val="FF0000"/>
-                </a:solidFill>
-              </a:endParaRPr>
-            </a:p>
-          </p:txBody>
-        </p:sp>
-        <p:sp>
-          <p:nvSpPr>
-            <p:cNvPr id="179" name="Arrow: Down 31">
-              <a:extLst>
-                <a:ext uri="{FF2B5EF4-FFF2-40B4-BE49-F238E27FC236}">
-                  <a16:creationId xmlns:a16="http://schemas.microsoft.com/office/drawing/2014/main" id="{A6A54DA6-F726-8D6B-5D6E-4F830EFFDDD6}"/>
-                </a:ext>
-              </a:extLst>
-            </p:cNvPr>
-            <p:cNvSpPr/>
-            <p:nvPr/>
-          </p:nvSpPr>
-          <p:spPr>
-            <a:xfrm rot="9055299">
-              <a:off x="21437919" y="8274005"/>
-              <a:ext cx="493802" cy="791612"/>
-            </a:xfrm>
-            <a:prstGeom prst="downArrow">
-              <a:avLst/>
-            </a:prstGeom>
-            <a:solidFill>
-              <a:schemeClr val="bg1"/>
-            </a:solidFill>
-            <a:ln>
-              <a:solidFill>
-                <a:schemeClr val="tx1"/>
-              </a:solidFill>
-            </a:ln>
-            <a:effectLst>
-              <a:glow rad="228600">
-                <a:srgbClr val="C00000">
-                  <a:alpha val="40000"/>
-                </a:srgbClr>
-              </a:glow>
-            </a:effectLst>
-          </p:spPr>
-          <p:style>
-            <a:lnRef idx="2">
-              <a:schemeClr val="accent1">
-                <a:shade val="50000"/>
-              </a:schemeClr>
-            </a:lnRef>
-            <a:fillRef idx="1">
-              <a:schemeClr val="accent1"/>
-            </a:fillRef>
-            <a:effectRef idx="0">
-              <a:schemeClr val="accent1"/>
-            </a:effectRef>
-            <a:fontRef idx="minor">
-              <a:schemeClr val="lt1"/>
-            </a:fontRef>
-          </p:style>
-          <p:txBody>
-            <a:bodyPr rtlCol="0" anchor="ctr"/>
-            <a:lstStyle/>
-            <a:p>
-              <a:pPr algn="ctr"/>
-              <a:endParaRPr lang="en-US" sz="2800">
-                <a:solidFill>
-                  <a:srgbClr val="FF0000"/>
-                </a:solidFill>
-              </a:endParaRPr>
-            </a:p>
-          </p:txBody>
-        </p:sp>
-        <p:sp>
-          <p:nvSpPr>
-            <p:cNvPr id="180" name="Arrow: Down 31">
-              <a:extLst>
-                <a:ext uri="{FF2B5EF4-FFF2-40B4-BE49-F238E27FC236}">
-                  <a16:creationId xmlns:a16="http://schemas.microsoft.com/office/drawing/2014/main" id="{25794646-538B-E750-15C3-93EF2EAE2BC7}"/>
-                </a:ext>
-              </a:extLst>
-            </p:cNvPr>
-            <p:cNvSpPr/>
-            <p:nvPr/>
-          </p:nvSpPr>
-          <p:spPr>
-            <a:xfrm rot="10293014">
-              <a:off x="22403118" y="8096205"/>
-              <a:ext cx="493802" cy="791612"/>
-            </a:xfrm>
-            <a:prstGeom prst="downArrow">
-              <a:avLst/>
-            </a:prstGeom>
-            <a:solidFill>
-              <a:schemeClr val="bg1"/>
-            </a:solidFill>
-            <a:ln>
-              <a:solidFill>
-                <a:schemeClr val="tx1"/>
-              </a:solidFill>
-            </a:ln>
-            <a:effectLst>
-              <a:glow rad="228600">
-                <a:srgbClr val="C00000">
-                  <a:alpha val="40000"/>
-                </a:srgbClr>
-              </a:glow>
-            </a:effectLst>
-          </p:spPr>
-          <p:style>
-            <a:lnRef idx="2">
-              <a:schemeClr val="accent1">
-                <a:shade val="50000"/>
-              </a:schemeClr>
-            </a:lnRef>
-            <a:fillRef idx="1">
-              <a:schemeClr val="accent1"/>
-            </a:fillRef>
-            <a:effectRef idx="0">
-              <a:schemeClr val="accent1"/>
-            </a:effectRef>
-            <a:fontRef idx="minor">
-              <a:schemeClr val="lt1"/>
-            </a:fontRef>
-          </p:style>
-          <p:txBody>
-            <a:bodyPr rtlCol="0" anchor="ctr"/>
-            <a:lstStyle/>
-            <a:p>
-              <a:pPr algn="ctr"/>
-              <a:endParaRPr lang="en-US" sz="2800">
-                <a:solidFill>
-                  <a:srgbClr val="FF0000"/>
-                </a:solidFill>
-              </a:endParaRPr>
-            </a:p>
-          </p:txBody>
-        </p:sp>
-        <p:sp>
-          <p:nvSpPr>
-            <p:cNvPr id="182" name="Arrow: Down 31">
-              <a:extLst>
-                <a:ext uri="{FF2B5EF4-FFF2-40B4-BE49-F238E27FC236}">
-                  <a16:creationId xmlns:a16="http://schemas.microsoft.com/office/drawing/2014/main" id="{563A62D2-1F67-5B70-58B9-89FFAAE623CC}"/>
-                </a:ext>
-              </a:extLst>
-            </p:cNvPr>
-            <p:cNvSpPr/>
-            <p:nvPr/>
-          </p:nvSpPr>
-          <p:spPr>
-            <a:xfrm rot="10800000">
-              <a:off x="23317518" y="8045405"/>
-              <a:ext cx="493802" cy="791612"/>
-            </a:xfrm>
-            <a:prstGeom prst="downArrow">
-              <a:avLst/>
-            </a:prstGeom>
-            <a:solidFill>
-              <a:schemeClr val="bg1"/>
-            </a:solidFill>
-            <a:ln>
-              <a:solidFill>
-                <a:schemeClr val="tx1"/>
-              </a:solidFill>
-            </a:ln>
-            <a:effectLst>
-              <a:glow rad="228600">
-                <a:srgbClr val="C00000">
-                  <a:alpha val="40000"/>
-                </a:srgbClr>
-              </a:glow>
-            </a:effectLst>
-          </p:spPr>
-          <p:style>
-            <a:lnRef idx="2">
-              <a:schemeClr val="accent1">
-                <a:shade val="50000"/>
-              </a:schemeClr>
-            </a:lnRef>
-            <a:fillRef idx="1">
-              <a:schemeClr val="accent1"/>
-            </a:fillRef>
-            <a:effectRef idx="0">
-              <a:schemeClr val="accent1"/>
-            </a:effectRef>
-            <a:fontRef idx="minor">
-              <a:schemeClr val="lt1"/>
-            </a:fontRef>
-          </p:style>
-          <p:txBody>
-            <a:bodyPr rtlCol="0" anchor="ctr"/>
-            <a:lstStyle/>
-            <a:p>
-              <a:pPr algn="ctr"/>
-              <a:endParaRPr lang="en-US" sz="2800">
-                <a:solidFill>
-                  <a:srgbClr val="FF0000"/>
-                </a:solidFill>
-              </a:endParaRPr>
-            </a:p>
-          </p:txBody>
-        </p:sp>
-        <p:sp>
-          <p:nvSpPr>
-            <p:cNvPr id="183" name="Arrow: Down 31">
-              <a:extLst>
-                <a:ext uri="{FF2B5EF4-FFF2-40B4-BE49-F238E27FC236}">
-                  <a16:creationId xmlns:a16="http://schemas.microsoft.com/office/drawing/2014/main" id="{4D41C86F-07EA-C6DA-AFBB-D5C3C6763C0D}"/>
-                </a:ext>
-              </a:extLst>
-            </p:cNvPr>
-            <p:cNvSpPr/>
-            <p:nvPr/>
-          </p:nvSpPr>
-          <p:spPr>
-            <a:xfrm rot="11541922">
-              <a:off x="24181118" y="8147006"/>
-              <a:ext cx="493802" cy="791612"/>
-            </a:xfrm>
-            <a:prstGeom prst="downArrow">
-              <a:avLst/>
-            </a:prstGeom>
-            <a:solidFill>
-              <a:schemeClr val="bg1"/>
-            </a:solidFill>
-            <a:ln>
-              <a:solidFill>
-                <a:schemeClr val="tx1"/>
-              </a:solidFill>
-            </a:ln>
-            <a:effectLst>
-              <a:glow rad="228600">
-                <a:srgbClr val="C00000">
-                  <a:alpha val="40000"/>
-                </a:srgbClr>
-              </a:glow>
-            </a:effectLst>
-          </p:spPr>
-          <p:style>
-            <a:lnRef idx="2">
-              <a:schemeClr val="accent1">
-                <a:shade val="50000"/>
-              </a:schemeClr>
-            </a:lnRef>
-            <a:fillRef idx="1">
-              <a:schemeClr val="accent1"/>
-            </a:fillRef>
-            <a:effectRef idx="0">
-              <a:schemeClr val="accent1"/>
-            </a:effectRef>
-            <a:fontRef idx="minor">
-              <a:schemeClr val="lt1"/>
-            </a:fontRef>
-          </p:style>
-          <p:txBody>
-            <a:bodyPr rtlCol="0" anchor="ctr"/>
-            <a:lstStyle/>
-            <a:p>
-              <a:pPr algn="ctr"/>
-              <a:endParaRPr lang="en-US" sz="2800">
-                <a:solidFill>
-                  <a:srgbClr val="FF0000"/>
-                </a:solidFill>
-              </a:endParaRPr>
-            </a:p>
-          </p:txBody>
-        </p:sp>
       </p:grpSp>
-      <p:sp>
-        <p:nvSpPr>
-          <p:cNvPr id="19" name="TextBox 18">
-            <a:extLst>
-              <a:ext uri="{FF2B5EF4-FFF2-40B4-BE49-F238E27FC236}">
-                <a16:creationId xmlns:a16="http://schemas.microsoft.com/office/drawing/2014/main" id="{56DF426B-7C32-2D8B-3D47-5BB7978C7BBE}"/>
-              </a:ext>
-            </a:extLst>
-          </p:cNvPr>
-          <p:cNvSpPr txBox="1"/>
-          <p:nvPr/>
-        </p:nvSpPr>
-        <p:spPr>
-          <a:xfrm>
-            <a:off x="18924762" y="6052647"/>
-            <a:ext cx="3056022" cy="369332"/>
-          </a:xfrm>
-          <a:prstGeom prst="rect">
-            <a:avLst/>
-          </a:prstGeom>
-          <a:noFill/>
-        </p:spPr>
-        <p:txBody>
-          <a:bodyPr wrap="square" rtlCol="0">
-            <a:spAutoFit/>
-          </a:bodyPr>
-          <a:lstStyle/>
-          <a:p>
-            <a:r>
-              <a:rPr lang="en-US" sz="1800" b="1" dirty="0" err="1">
-                <a:solidFill>
-                  <a:srgbClr val="FF3030"/>
-                </a:solidFill>
-              </a:rPr>
-              <a:t>Pseudoalteromonadacea</a:t>
-            </a:r>
-            <a:endParaRPr lang="en-US" sz="1800" b="1" dirty="0">
-              <a:solidFill>
-                <a:srgbClr val="FF3030"/>
-              </a:solidFill>
-            </a:endParaRPr>
-          </a:p>
-        </p:txBody>
-      </p:sp>
-      <p:sp>
-        <p:nvSpPr>
-          <p:cNvPr id="20" name="TextBox 19">
-            <a:extLst>
-              <a:ext uri="{FF2B5EF4-FFF2-40B4-BE49-F238E27FC236}">
-                <a16:creationId xmlns:a16="http://schemas.microsoft.com/office/drawing/2014/main" id="{2BA128B9-91AE-9ABD-9D13-04B9C2562DE5}"/>
-              </a:ext>
-            </a:extLst>
-          </p:cNvPr>
-          <p:cNvSpPr txBox="1"/>
-          <p:nvPr/>
-        </p:nvSpPr>
-        <p:spPr>
-          <a:xfrm>
-            <a:off x="18421421" y="8464439"/>
-            <a:ext cx="3056022" cy="369332"/>
-          </a:xfrm>
-          <a:prstGeom prst="rect">
-            <a:avLst/>
-          </a:prstGeom>
-          <a:noFill/>
-        </p:spPr>
-        <p:txBody>
-          <a:bodyPr wrap="square" rtlCol="0">
-            <a:spAutoFit/>
-          </a:bodyPr>
-          <a:lstStyle/>
-          <a:p>
-            <a:r>
-              <a:rPr lang="en-US" sz="1800" b="1" dirty="0" err="1">
-                <a:solidFill>
-                  <a:srgbClr val="DE597C"/>
-                </a:solidFill>
-              </a:rPr>
-              <a:t>Flavobacteriaceae</a:t>
-            </a:r>
-            <a:endParaRPr lang="en-US" sz="1800" b="1" dirty="0">
-              <a:solidFill>
-                <a:srgbClr val="DE597C"/>
-              </a:solidFill>
-            </a:endParaRPr>
-          </a:p>
-        </p:txBody>
-      </p:sp>
-      <p:sp>
-        <p:nvSpPr>
-          <p:cNvPr id="26" name="TextBox 25">
-            <a:extLst>
-              <a:ext uri="{FF2B5EF4-FFF2-40B4-BE49-F238E27FC236}">
-                <a16:creationId xmlns:a16="http://schemas.microsoft.com/office/drawing/2014/main" id="{E8267A0D-5F9E-D232-A527-2B0DD5B47626}"/>
-              </a:ext>
-            </a:extLst>
-          </p:cNvPr>
-          <p:cNvSpPr txBox="1"/>
-          <p:nvPr/>
-        </p:nvSpPr>
-        <p:spPr>
-          <a:xfrm>
-            <a:off x="11607275" y="6671862"/>
-            <a:ext cx="3056022" cy="369332"/>
-          </a:xfrm>
-          <a:prstGeom prst="rect">
-            <a:avLst/>
-          </a:prstGeom>
-          <a:noFill/>
-        </p:spPr>
-        <p:txBody>
-          <a:bodyPr wrap="square" rtlCol="0">
-            <a:spAutoFit/>
-          </a:bodyPr>
-          <a:lstStyle/>
-          <a:p>
-            <a:pPr algn="r"/>
-            <a:r>
-              <a:rPr lang="en-US" sz="1800" b="1" dirty="0" err="1">
-                <a:solidFill>
-                  <a:schemeClr val="tx1"/>
-                </a:solidFill>
-                <a:highlight>
-                  <a:srgbClr val="FFD700"/>
-                </a:highlight>
-              </a:rPr>
-              <a:t>Alteromonadaceae</a:t>
-            </a:r>
-            <a:endParaRPr lang="en-US" sz="1800" b="1" dirty="0">
-              <a:solidFill>
-                <a:schemeClr val="tx1"/>
-              </a:solidFill>
-              <a:highlight>
-                <a:srgbClr val="FFD700"/>
-              </a:highlight>
-            </a:endParaRPr>
-          </a:p>
-        </p:txBody>
-      </p:sp>
-      <p:sp>
-        <p:nvSpPr>
-          <p:cNvPr id="27" name="Arrow: Down 26">
-            <a:extLst>
-              <a:ext uri="{FF2B5EF4-FFF2-40B4-BE49-F238E27FC236}">
-                <a16:creationId xmlns:a16="http://schemas.microsoft.com/office/drawing/2014/main" id="{98290CDC-19A1-2097-5748-9A608D5D0C37}"/>
-              </a:ext>
-            </a:extLst>
-          </p:cNvPr>
-          <p:cNvSpPr/>
-          <p:nvPr/>
-        </p:nvSpPr>
-        <p:spPr>
-          <a:xfrm rot="10800000">
-            <a:off x="15665732" y="6576892"/>
-            <a:ext cx="350520" cy="502920"/>
-          </a:xfrm>
-          <a:prstGeom prst="downArrow">
-            <a:avLst/>
-          </a:prstGeom>
-          <a:noFill/>
-          <a:ln w="38100">
-            <a:solidFill>
-              <a:schemeClr val="tx1"/>
-            </a:solidFill>
-          </a:ln>
-        </p:spPr>
-        <p:style>
-          <a:lnRef idx="2">
-            <a:schemeClr val="accent1">
-              <a:shade val="15000"/>
-            </a:schemeClr>
-          </a:lnRef>
-          <a:fillRef idx="1">
-            <a:schemeClr val="accent1"/>
-          </a:fillRef>
-          <a:effectRef idx="0">
-            <a:schemeClr val="accent1"/>
-          </a:effectRef>
-          <a:fontRef idx="minor">
-            <a:schemeClr val="lt1"/>
-          </a:fontRef>
-        </p:style>
-        <p:txBody>
-          <a:bodyPr rtlCol="0" anchor="ctr"/>
-          <a:lstStyle/>
-          <a:p>
-            <a:pPr algn="ctr"/>
-            <a:endParaRPr lang="en-US"/>
-          </a:p>
-        </p:txBody>
-      </p:sp>
-      <p:sp>
-        <p:nvSpPr>
-          <p:cNvPr id="30" name="Arrow: Down 29">
-            <a:extLst>
-              <a:ext uri="{FF2B5EF4-FFF2-40B4-BE49-F238E27FC236}">
-                <a16:creationId xmlns:a16="http://schemas.microsoft.com/office/drawing/2014/main" id="{92E3D098-FDBF-4356-B836-DD6B87000F28}"/>
-              </a:ext>
-            </a:extLst>
-          </p:cNvPr>
-          <p:cNvSpPr/>
-          <p:nvPr/>
-        </p:nvSpPr>
-        <p:spPr>
-          <a:xfrm rot="10800000">
-            <a:off x="18286659" y="6053441"/>
-            <a:ext cx="350520" cy="502920"/>
-          </a:xfrm>
-          <a:prstGeom prst="downArrow">
-            <a:avLst/>
-          </a:prstGeom>
-          <a:noFill/>
-          <a:ln w="38100">
-            <a:solidFill>
-              <a:schemeClr val="tx1"/>
-            </a:solidFill>
-          </a:ln>
-        </p:spPr>
-        <p:style>
-          <a:lnRef idx="2">
-            <a:schemeClr val="accent1">
-              <a:shade val="15000"/>
-            </a:schemeClr>
-          </a:lnRef>
-          <a:fillRef idx="1">
-            <a:schemeClr val="accent1"/>
-          </a:fillRef>
-          <a:effectRef idx="0">
-            <a:schemeClr val="accent1"/>
-          </a:effectRef>
-          <a:fontRef idx="minor">
-            <a:schemeClr val="lt1"/>
-          </a:fontRef>
-        </p:style>
-        <p:txBody>
-          <a:bodyPr rtlCol="0" anchor="ctr"/>
-          <a:lstStyle/>
-          <a:p>
-            <a:pPr algn="ctr"/>
-            <a:endParaRPr lang="en-US"/>
-          </a:p>
-        </p:txBody>
-      </p:sp>
-      <p:sp>
-        <p:nvSpPr>
-          <p:cNvPr id="33" name="Arrow: Down 32">
-            <a:extLst>
-              <a:ext uri="{FF2B5EF4-FFF2-40B4-BE49-F238E27FC236}">
-                <a16:creationId xmlns:a16="http://schemas.microsoft.com/office/drawing/2014/main" id="{DDE61CA6-0C09-2F9D-F3B0-4ED04770F4C6}"/>
-              </a:ext>
-            </a:extLst>
-          </p:cNvPr>
-          <p:cNvSpPr/>
-          <p:nvPr/>
-        </p:nvSpPr>
-        <p:spPr>
-          <a:xfrm rot="10800000">
-            <a:off x="17926725" y="8055304"/>
-            <a:ext cx="350520" cy="502920"/>
-          </a:xfrm>
-          <a:prstGeom prst="downArrow">
-            <a:avLst/>
-          </a:prstGeom>
-          <a:noFill/>
-          <a:ln w="38100">
-            <a:solidFill>
-              <a:schemeClr val="tx1"/>
-            </a:solidFill>
-          </a:ln>
-        </p:spPr>
-        <p:style>
-          <a:lnRef idx="2">
-            <a:schemeClr val="accent1">
-              <a:shade val="15000"/>
-            </a:schemeClr>
-          </a:lnRef>
-          <a:fillRef idx="1">
-            <a:schemeClr val="accent1"/>
-          </a:fillRef>
-          <a:effectRef idx="0">
-            <a:schemeClr val="accent1"/>
-          </a:effectRef>
-          <a:fontRef idx="minor">
-            <a:schemeClr val="lt1"/>
-          </a:fontRef>
-        </p:style>
-        <p:txBody>
-          <a:bodyPr rtlCol="0" anchor="ctr"/>
-          <a:lstStyle/>
-          <a:p>
-            <a:pPr algn="ctr"/>
-            <a:endParaRPr lang="en-US"/>
-          </a:p>
-        </p:txBody>
-      </p:sp>
-      <p:pic>
-        <p:nvPicPr>
-          <p:cNvPr id="34" name="Picture 33" descr="Chart, pie chart&#10;&#10;Description automatically generated">
-            <a:extLst>
-              <a:ext uri="{FF2B5EF4-FFF2-40B4-BE49-F238E27FC236}">
-                <a16:creationId xmlns:a16="http://schemas.microsoft.com/office/drawing/2014/main" id="{F9C1A0F9-A839-29D9-31E3-69B943CEB0B4}"/>
-              </a:ext>
-            </a:extLst>
-          </p:cNvPr>
-          <p:cNvPicPr>
-            <a:picLocks noChangeAspect="1"/>
-          </p:cNvPicPr>
-          <p:nvPr/>
-        </p:nvPicPr>
-        <p:blipFill rotWithShape="1">
-          <a:blip r:embed="rId5">
-            <a:extLst>
-              <a:ext uri="{28A0092B-C50C-407E-A947-70E740481C1C}">
-                <a14:useLocalDpi xmlns:a14="http://schemas.microsoft.com/office/drawing/2010/main" val="0"/>
-              </a:ext>
-            </a:extLst>
-          </a:blip>
-          <a:srcRect l="57576" t="51540" b="19559"/>
-          <a:stretch/>
-        </p:blipFill>
-        <p:spPr>
-          <a:xfrm>
-            <a:off x="20813545" y="757196"/>
-            <a:ext cx="5971844" cy="2440962"/>
-          </a:xfrm>
-          <a:prstGeom prst="rect">
-            <a:avLst/>
-          </a:prstGeom>
-          <a:ln>
-            <a:noFill/>
-          </a:ln>
-        </p:spPr>
-      </p:pic>
-      <p:sp>
-        <p:nvSpPr>
-          <p:cNvPr id="37" name="Rectangle 36">
-            <a:extLst>
-              <a:ext uri="{FF2B5EF4-FFF2-40B4-BE49-F238E27FC236}">
-                <a16:creationId xmlns:a16="http://schemas.microsoft.com/office/drawing/2014/main" id="{0D7AA161-83C1-A0F0-F45C-0DB98836E3CC}"/>
-              </a:ext>
-            </a:extLst>
-          </p:cNvPr>
-          <p:cNvSpPr/>
-          <p:nvPr/>
-        </p:nvSpPr>
-        <p:spPr>
-          <a:xfrm>
-            <a:off x="16367539" y="6610676"/>
-            <a:ext cx="484065" cy="420084"/>
-          </a:xfrm>
-          <a:prstGeom prst="rect">
-            <a:avLst/>
-          </a:prstGeom>
-          <a:solidFill>
-            <a:srgbClr val="FFD700"/>
-          </a:solidFill>
-          <a:ln>
-            <a:noFill/>
-          </a:ln>
-        </p:spPr>
-        <p:style>
-          <a:lnRef idx="2">
-            <a:schemeClr val="accent1">
-              <a:shade val="15000"/>
-            </a:schemeClr>
-          </a:lnRef>
-          <a:fillRef idx="1">
-            <a:schemeClr val="accent1"/>
-          </a:fillRef>
-          <a:effectRef idx="0">
-            <a:schemeClr val="accent1"/>
-          </a:effectRef>
-          <a:fontRef idx="minor">
-            <a:schemeClr val="lt1"/>
-          </a:fontRef>
-        </p:style>
-        <p:txBody>
-          <a:bodyPr rtlCol="0" anchor="ctr"/>
-          <a:lstStyle/>
-          <a:p>
-            <a:pPr algn="ctr"/>
-            <a:endParaRPr lang="en-US" dirty="0"/>
-          </a:p>
-        </p:txBody>
-      </p:sp>
-      <p:sp>
-        <p:nvSpPr>
-          <p:cNvPr id="42" name="Rectangle 41">
-            <a:extLst>
-              <a:ext uri="{FF2B5EF4-FFF2-40B4-BE49-F238E27FC236}">
-                <a16:creationId xmlns:a16="http://schemas.microsoft.com/office/drawing/2014/main" id="{0E6CD853-911C-D8F0-6B98-CEBE3A560A7F}"/>
-              </a:ext>
-            </a:extLst>
-          </p:cNvPr>
-          <p:cNvSpPr/>
-          <p:nvPr/>
-        </p:nvSpPr>
-        <p:spPr>
-          <a:xfrm rot="20891455">
-            <a:off x="3505359" y="8738521"/>
-            <a:ext cx="93959" cy="148746"/>
-          </a:xfrm>
-          <a:prstGeom prst="rect">
-            <a:avLst/>
-          </a:prstGeom>
-          <a:solidFill>
-            <a:srgbClr val="FFD700"/>
-          </a:solidFill>
-          <a:ln>
-            <a:noFill/>
-          </a:ln>
-        </p:spPr>
-        <p:style>
-          <a:lnRef idx="2">
-            <a:schemeClr val="accent1">
-              <a:shade val="15000"/>
-            </a:schemeClr>
-          </a:lnRef>
-          <a:fillRef idx="1">
-            <a:schemeClr val="accent1"/>
-          </a:fillRef>
-          <a:effectRef idx="0">
-            <a:schemeClr val="accent1"/>
-          </a:effectRef>
-          <a:fontRef idx="minor">
-            <a:schemeClr val="lt1"/>
-          </a:fontRef>
-        </p:style>
-        <p:txBody>
-          <a:bodyPr rtlCol="0" anchor="ctr"/>
-          <a:lstStyle/>
-          <a:p>
-            <a:pPr algn="ctr"/>
-            <a:endParaRPr lang="en-US" dirty="0"/>
-          </a:p>
-        </p:txBody>
-      </p:sp>
     </p:spTree>
     <p:extLst>
       <p:ext uri="{BB962C8B-B14F-4D97-AF65-F5344CB8AC3E}">
